--- a/15. Arquitetura de Negócio para cada Cenário.pptx
+++ b/15. Arquitetura de Negócio para cada Cenário.pptx
@@ -890,7 +890,7 @@
   <p:cSld>
     <p:spTree>
       <p:nvGrpSpPr>
-        <p:cNvPr id="79" name="Shape 79"/>
+        <p:cNvPr id="78" name="Shape 78"/>
         <p:cNvGrpSpPr/>
         <p:nvPr/>
       </p:nvGrpSpPr>
@@ -904,7 +904,7 @@
       </p:grpSpPr>
       <p:sp>
         <p:nvSpPr>
-          <p:cNvPr id="80" name="Google Shape;80;gc593ba7a0f_5_0:notes"/>
+          <p:cNvPr id="79" name="Google Shape;79;gc593ba7a0f_5_0:notes"/>
           <p:cNvSpPr/>
           <p:nvPr>
             <p:ph idx="2" type="sldImg"/>
@@ -939,7 +939,7 @@
       </p:sp>
       <p:sp>
         <p:nvSpPr>
-          <p:cNvPr id="81" name="Google Shape;81;gc593ba7a0f_5_0:notes"/>
+          <p:cNvPr id="80" name="Google Shape;80;gc593ba7a0f_5_0:notes"/>
           <p:cNvSpPr txBox="1"/>
           <p:nvPr>
             <p:ph idx="1" type="body"/>
@@ -989,7 +989,7 @@
   <p:cSld>
     <p:spTree>
       <p:nvGrpSpPr>
-        <p:cNvPr id="107" name="Shape 107"/>
+        <p:cNvPr id="106" name="Shape 106"/>
         <p:cNvGrpSpPr/>
         <p:nvPr/>
       </p:nvGrpSpPr>
@@ -1003,7 +1003,7 @@
       </p:grpSpPr>
       <p:sp>
         <p:nvSpPr>
-          <p:cNvPr id="108" name="Google Shape;108;gc593ba7a0f_3_39:notes"/>
+          <p:cNvPr id="107" name="Google Shape;107;gc792445ec6_0_20:notes"/>
           <p:cNvSpPr/>
           <p:nvPr>
             <p:ph idx="2" type="sldImg"/>
@@ -1038,7 +1038,7 @@
       </p:sp>
       <p:sp>
         <p:nvSpPr>
-          <p:cNvPr id="109" name="Google Shape;109;gc593ba7a0f_3_39:notes"/>
+          <p:cNvPr id="108" name="Google Shape;108;gc792445ec6_0_20:notes"/>
           <p:cNvSpPr txBox="1"/>
           <p:nvPr>
             <p:ph idx="1" type="body"/>
@@ -1088,7 +1088,7 @@
   <p:cSld>
     <p:spTree>
       <p:nvGrpSpPr>
-        <p:cNvPr id="135" name="Shape 135"/>
+        <p:cNvPr id="127" name="Shape 127"/>
         <p:cNvGrpSpPr/>
         <p:nvPr/>
       </p:nvGrpSpPr>
@@ -1102,7 +1102,7 @@
       </p:grpSpPr>
       <p:sp>
         <p:nvSpPr>
-          <p:cNvPr id="136" name="Google Shape;136;gc593ba7a0f_2_9:notes"/>
+          <p:cNvPr id="128" name="Google Shape;128;gc593ba7a0f_3_39:notes"/>
           <p:cNvSpPr/>
           <p:nvPr>
             <p:ph idx="2" type="sldImg"/>
@@ -1137,7 +1137,7 @@
       </p:sp>
       <p:sp>
         <p:nvSpPr>
-          <p:cNvPr id="137" name="Google Shape;137;gc593ba7a0f_2_9:notes"/>
+          <p:cNvPr id="129" name="Google Shape;129;gc593ba7a0f_3_39:notes"/>
           <p:cNvSpPr txBox="1"/>
           <p:nvPr>
             <p:ph idx="1" type="body"/>
@@ -1187,7 +1187,7 @@
   <p:cSld>
     <p:spTree>
       <p:nvGrpSpPr>
-        <p:cNvPr id="154" name="Shape 154"/>
+        <p:cNvPr id="146" name="Shape 146"/>
         <p:cNvGrpSpPr/>
         <p:nvPr/>
       </p:nvGrpSpPr>
@@ -1201,7 +1201,7 @@
       </p:grpSpPr>
       <p:sp>
         <p:nvSpPr>
-          <p:cNvPr id="155" name="Google Shape;155;gc593ba7a0f_5_33:notes"/>
+          <p:cNvPr id="147" name="Google Shape;147;gc593ba7a0f_5_33:notes"/>
           <p:cNvSpPr/>
           <p:nvPr>
             <p:ph idx="2" type="sldImg"/>
@@ -1236,7 +1236,7 @@
       </p:sp>
       <p:sp>
         <p:nvSpPr>
-          <p:cNvPr id="156" name="Google Shape;156;gc593ba7a0f_5_33:notes"/>
+          <p:cNvPr id="148" name="Google Shape;148;gc593ba7a0f_5_33:notes"/>
           <p:cNvSpPr txBox="1"/>
           <p:nvPr>
             <p:ph idx="1" type="body"/>
@@ -6278,7 +6278,22 @@
               </a:pPr>
               <a:r>
                 <a:rPr b="1" lang="pt-BR" sz="1200"/>
-                <a:t>DonaLu</a:t>
+                <a:t>Gerente de Vendas</a:t>
+              </a:r>
+              <a:endParaRPr b="1" sz="1200"/>
+            </a:p>
+            <a:p>
+              <a:pPr indent="0" lvl="0" marL="0" rtl="0" algn="ctr">
+                <a:spcBef>
+                  <a:spcPts val="0"/>
+                </a:spcBef>
+                <a:spcAft>
+                  <a:spcPts val="0"/>
+                </a:spcAft>
+                <a:buNone/>
+              </a:pPr>
+              <a:r>
+                <a:t/>
               </a:r>
               <a:endParaRPr b="1" sz="1200"/>
             </a:p>
@@ -6639,7 +6654,7 @@
         <p:spPr>
           <a:xfrm>
             <a:off x="1951621" y="1363727"/>
-            <a:ext cx="1375800" cy="1114500"/>
+            <a:ext cx="1389600" cy="1208100"/>
           </a:xfrm>
           <a:prstGeom prst="curvedConnector2">
             <a:avLst/>
@@ -6668,14 +6683,14 @@
           <p:cNvPr id="74" name="Google Shape;74;p13"/>
           <p:cNvCxnSpPr>
             <a:stCxn id="70" idx="3"/>
-            <a:endCxn id="75" idx="2"/>
+            <a:endCxn id="73" idx="2"/>
           </p:cNvCxnSpPr>
           <p:nvPr/>
         </p:nvCxnSpPr>
         <p:spPr>
           <a:xfrm flipH="1" rot="10800000">
-            <a:off x="2060782" y="3697977"/>
-            <a:ext cx="1266600" cy="896700"/>
+            <a:off x="2060782" y="3103377"/>
+            <a:ext cx="1280400" cy="1491300"/>
           </a:xfrm>
           <a:prstGeom prst="curvedConnector2">
             <a:avLst/>
@@ -6701,14 +6716,14 @@
       </p:cxnSp>
       <p:sp>
         <p:nvSpPr>
-          <p:cNvPr id="76" name="Google Shape;76;p13"/>
+          <p:cNvPr id="75" name="Google Shape;75;p13"/>
           <p:cNvSpPr txBox="1"/>
           <p:nvPr/>
         </p:nvSpPr>
         <p:spPr>
           <a:xfrm>
             <a:off x="3187175" y="1265925"/>
-            <a:ext cx="3000000" cy="861900"/>
+            <a:ext cx="3000000" cy="692700"/>
           </a:xfrm>
           <a:prstGeom prst="rect">
             <a:avLst/>
@@ -6743,7 +6758,7 @@
                   <a:schemeClr val="dk1"/>
                 </a:solidFill>
               </a:rPr>
-              <a:t>Realização de compras</a:t>
+              <a:t>Atendimento dos clientes</a:t>
             </a:r>
             <a:endParaRPr sz="1100">
               <a:solidFill>
@@ -6771,35 +6786,7 @@
                   <a:schemeClr val="dk1"/>
                 </a:solidFill>
               </a:rPr>
-              <a:t>Devoluções</a:t>
-            </a:r>
-            <a:endParaRPr sz="1100">
-              <a:solidFill>
-                <a:schemeClr val="dk1"/>
-              </a:solidFill>
-            </a:endParaRPr>
-          </a:p>
-          <a:p>
-            <a:pPr indent="-298450" lvl="0" marL="457200" rtl="0" algn="l">
-              <a:spcBef>
-                <a:spcPts val="0"/>
-              </a:spcBef>
-              <a:spcAft>
-                <a:spcPts val="0"/>
-              </a:spcAft>
-              <a:buClr>
-                <a:schemeClr val="dk1"/>
-              </a:buClr>
-              <a:buSzPts val="1100"/>
-              <a:buChar char="★"/>
-            </a:pPr>
-            <a:r>
-              <a:rPr lang="pt-BR" sz="1100">
-                <a:solidFill>
-                  <a:schemeClr val="dk1"/>
-                </a:solidFill>
-              </a:rPr>
-              <a:t>Orçamentos</a:t>
+              <a:t>Gestão do estoque </a:t>
             </a:r>
             <a:endParaRPr sz="1100">
               <a:solidFill>
@@ -6830,7 +6817,7 @@
       </p:sp>
       <p:sp>
         <p:nvSpPr>
-          <p:cNvPr id="77" name="Google Shape;77;p13"/>
+          <p:cNvPr id="76" name="Google Shape;76;p13"/>
           <p:cNvSpPr txBox="1"/>
           <p:nvPr/>
         </p:nvSpPr>
@@ -6916,7 +6903,7 @@
       </p:sp>
       <p:sp>
         <p:nvSpPr>
-          <p:cNvPr id="78" name="Google Shape;78;p13"/>
+          <p:cNvPr id="77" name="Google Shape;77;p13"/>
           <p:cNvSpPr txBox="1"/>
           <p:nvPr/>
         </p:nvSpPr>
@@ -6981,7 +6968,7 @@
         </p:nvSpPr>
         <p:spPr>
           <a:xfrm>
-            <a:off x="2705749" y="2478175"/>
+            <a:off x="2719349" y="2571750"/>
             <a:ext cx="1243500" cy="531600"/>
           </a:xfrm>
           <a:prstGeom prst="roundRect">
@@ -7034,73 +7021,6 @@
             </a:pPr>
             <a:r>
               <a:rPr lang="pt-BR" sz="1000"/>
-              <a:t>Fornecedores</a:t>
-            </a:r>
-            <a:endParaRPr sz="1000"/>
-          </a:p>
-        </p:txBody>
-      </p:sp>
-      <p:sp>
-        <p:nvSpPr>
-          <p:cNvPr id="75" name="Google Shape;75;p13"/>
-          <p:cNvSpPr/>
-          <p:nvPr/>
-        </p:nvSpPr>
-        <p:spPr>
-          <a:xfrm>
-            <a:off x="2705749" y="3166375"/>
-            <a:ext cx="1243500" cy="531600"/>
-          </a:xfrm>
-          <a:prstGeom prst="roundRect">
-            <a:avLst>
-              <a:gd fmla="val 16667" name="adj"/>
-            </a:avLst>
-          </a:prstGeom>
-          <a:gradFill>
-            <a:gsLst>
-              <a:gs pos="0">
-                <a:srgbClr val="FFF6DB"/>
-              </a:gs>
-              <a:gs pos="100000">
-                <a:srgbClr val="FAD25C"/>
-              </a:gs>
-            </a:gsLst>
-            <a:lin ang="5400012" scaled="0"/>
-          </a:gradFill>
-          <a:ln cap="flat" cmpd="sng" w="9525">
-            <a:solidFill>
-              <a:srgbClr val="F3F3F3"/>
-            </a:solidFill>
-            <a:prstDash val="solid"/>
-            <a:round/>
-            <a:headEnd len="sm" w="sm" type="none"/>
-            <a:tailEnd len="sm" w="sm" type="none"/>
-          </a:ln>
-          <a:effectLst>
-            <a:outerShdw blurRad="57150" rotWithShape="0" algn="bl" dir="5400000" dist="19050">
-              <a:srgbClr val="000000">
-                <a:alpha val="50000"/>
-              </a:srgbClr>
-            </a:outerShdw>
-          </a:effectLst>
-        </p:spPr>
-        <p:txBody>
-          <a:bodyPr anchorCtr="0" anchor="ctr" bIns="91425" lIns="91425" spcFirstLastPara="1" rIns="91425" wrap="square" tIns="91425">
-            <a:noAutofit/>
-          </a:bodyPr>
-          <a:lstStyle/>
-          <a:p>
-            <a:pPr indent="0" lvl="0" marL="0" rtl="0" algn="ctr">
-              <a:spcBef>
-                <a:spcPts val="0"/>
-              </a:spcBef>
-              <a:spcAft>
-                <a:spcPts val="0"/>
-              </a:spcAft>
-              <a:buNone/>
-            </a:pPr>
-            <a:r>
-              <a:rPr lang="pt-BR" sz="1000"/>
               <a:t>Loja DonaLu</a:t>
             </a:r>
             <a:endParaRPr sz="1000"/>
@@ -7120,7 +7040,7 @@
   <p:cSld>
     <p:spTree>
       <p:nvGrpSpPr>
-        <p:cNvPr id="82" name="Shape 82"/>
+        <p:cNvPr id="81" name="Shape 81"/>
         <p:cNvGrpSpPr/>
         <p:nvPr/>
       </p:nvGrpSpPr>
@@ -7134,7 +7054,7 @@
       </p:grpSpPr>
       <p:graphicFrame>
         <p:nvGraphicFramePr>
-          <p:cNvPr id="83" name="Google Shape;83;p14"/>
+          <p:cNvPr id="82" name="Google Shape;82;p14"/>
           <p:cNvGraphicFramePr/>
           <p:nvPr/>
         </p:nvGraphicFramePr>
@@ -7147,7 +7067,7 @@
             <a:tbl>
               <a:tblPr>
                 <a:noFill/>
-                <a:tableStyleId>{89AB8DBA-161A-4D77-BEC6-DCD94DAC001D}</a:tableStyleId>
+                <a:tableStyleId>{1DA40BAF-7AB1-4440-BBFD-B93FD0CB0D01}</a:tableStyleId>
               </a:tblPr>
               <a:tblGrid>
                 <a:gridCol w="8913900"/>
@@ -7298,7 +7218,7 @@
       </p:graphicFrame>
       <p:sp>
         <p:nvSpPr>
-          <p:cNvPr id="84" name="Google Shape;84;p14"/>
+          <p:cNvPr id="83" name="Google Shape;83;p14"/>
           <p:cNvSpPr/>
           <p:nvPr/>
         </p:nvSpPr>
@@ -7358,11 +7278,7 @@
             </a:pPr>
             <a:r>
               <a:rPr lang="pt-BR"/>
-              <a:t>Realização de</a:t>
-            </a:r>
-            <a:r>
-              <a:rPr lang="pt-BR"/>
-              <a:t> Compras</a:t>
+              <a:t>Atendimento dos clientes</a:t>
             </a:r>
             <a:endParaRPr/>
           </a:p>
@@ -7370,7 +7286,7 @@
       </p:sp>
       <p:grpSp>
         <p:nvGrpSpPr>
-          <p:cNvPr id="85" name="Google Shape;85;p14"/>
+          <p:cNvPr id="84" name="Google Shape;84;p14"/>
           <p:cNvGrpSpPr/>
           <p:nvPr/>
         </p:nvGrpSpPr>
@@ -7384,7 +7300,7 @@
         </p:grpSpPr>
         <p:grpSp>
           <p:nvGrpSpPr>
-            <p:cNvPr id="86" name="Google Shape;86;p14"/>
+            <p:cNvPr id="85" name="Google Shape;85;p14"/>
             <p:cNvGrpSpPr/>
             <p:nvPr/>
           </p:nvGrpSpPr>
@@ -7398,7 +7314,7 @@
           </p:grpSpPr>
           <p:sp>
             <p:nvSpPr>
-              <p:cNvPr id="87" name="Google Shape;87;p14"/>
+              <p:cNvPr id="86" name="Google Shape;86;p14"/>
               <p:cNvSpPr/>
               <p:nvPr/>
             </p:nvSpPr>
@@ -7454,9 +7370,9 @@
           </p:sp>
           <p:cxnSp>
             <p:nvCxnSpPr>
-              <p:cNvPr id="88" name="Google Shape;88;p14"/>
+              <p:cNvPr id="87" name="Google Shape;87;p14"/>
               <p:cNvCxnSpPr>
-                <a:stCxn id="87" idx="4"/>
+                <a:stCxn id="86" idx="4"/>
               </p:cNvCxnSpPr>
               <p:nvPr/>
             </p:nvCxnSpPr>
@@ -7489,7 +7405,7 @@
           </p:cxnSp>
           <p:cxnSp>
             <p:nvCxnSpPr>
-              <p:cNvPr id="89" name="Google Shape;89;p14"/>
+              <p:cNvPr id="88" name="Google Shape;88;p14"/>
               <p:cNvCxnSpPr/>
               <p:nvPr/>
             </p:nvCxnSpPr>
@@ -7522,7 +7438,7 @@
           </p:cxnSp>
           <p:cxnSp>
             <p:nvCxnSpPr>
-              <p:cNvPr id="90" name="Google Shape;90;p14"/>
+              <p:cNvPr id="89" name="Google Shape;89;p14"/>
               <p:cNvCxnSpPr/>
               <p:nvPr/>
             </p:nvCxnSpPr>
@@ -7555,7 +7471,7 @@
           </p:cxnSp>
           <p:cxnSp>
             <p:nvCxnSpPr>
-              <p:cNvPr id="91" name="Google Shape;91;p14"/>
+              <p:cNvPr id="90" name="Google Shape;90;p14"/>
               <p:cNvCxnSpPr/>
               <p:nvPr/>
             </p:nvCxnSpPr>
@@ -7589,7 +7505,7 @@
         </p:grpSp>
         <p:sp>
           <p:nvSpPr>
-            <p:cNvPr id="92" name="Google Shape;92;p14"/>
+            <p:cNvPr id="91" name="Google Shape;91;p14"/>
             <p:cNvSpPr txBox="1"/>
             <p:nvPr/>
           </p:nvSpPr>
@@ -7630,7 +7546,7 @@
               </a:pPr>
               <a:r>
                 <a:rPr b="1" lang="pt-BR" sz="1200"/>
-                <a:t>DonaLu</a:t>
+                <a:t>Gerente de Vendas</a:t>
               </a:r>
               <a:endParaRPr b="1" sz="1200"/>
             </a:p>
@@ -7639,10 +7555,10 @@
       </p:grpSp>
       <p:cxnSp>
         <p:nvCxnSpPr>
-          <p:cNvPr id="93" name="Google Shape;93;p14"/>
+          <p:cNvPr id="92" name="Google Shape;92;p14"/>
           <p:cNvCxnSpPr>
-            <a:stCxn id="87" idx="0"/>
-            <a:endCxn id="84" idx="2"/>
+            <a:stCxn id="86" idx="0"/>
+            <a:endCxn id="83" idx="2"/>
           </p:cNvCxnSpPr>
           <p:nvPr/>
         </p:nvCxnSpPr>
@@ -7677,7 +7593,7 @@
       </p:cxnSp>
       <p:sp>
         <p:nvSpPr>
-          <p:cNvPr id="94" name="Google Shape;94;p14"/>
+          <p:cNvPr id="93" name="Google Shape;93;p14"/>
           <p:cNvSpPr/>
           <p:nvPr/>
         </p:nvSpPr>
@@ -7744,10 +7660,10 @@
       </p:sp>
       <p:cxnSp>
         <p:nvCxnSpPr>
-          <p:cNvPr id="95" name="Google Shape;95;p14"/>
+          <p:cNvPr id="94" name="Google Shape;94;p14"/>
           <p:cNvCxnSpPr>
-            <a:stCxn id="94" idx="2"/>
-            <a:endCxn id="96" idx="2"/>
+            <a:stCxn id="93" idx="2"/>
+            <a:endCxn id="95" idx="2"/>
           </p:cNvCxnSpPr>
           <p:nvPr/>
         </p:nvCxnSpPr>
@@ -7780,10 +7696,10 @@
       </p:cxnSp>
       <p:cxnSp>
         <p:nvCxnSpPr>
-          <p:cNvPr id="97" name="Google Shape;97;p14"/>
+          <p:cNvPr id="96" name="Google Shape;96;p14"/>
           <p:cNvCxnSpPr>
-            <a:stCxn id="84" idx="2"/>
-            <a:endCxn id="94" idx="0"/>
+            <a:stCxn id="83" idx="2"/>
+            <a:endCxn id="93" idx="0"/>
           </p:cNvCxnSpPr>
           <p:nvPr/>
         </p:nvCxnSpPr>
@@ -7818,7 +7734,7 @@
       </p:cxnSp>
       <p:sp>
         <p:nvSpPr>
-          <p:cNvPr id="96" name="Google Shape;96;p14"/>
+          <p:cNvPr id="95" name="Google Shape;95;p14"/>
           <p:cNvSpPr/>
           <p:nvPr/>
         </p:nvSpPr>
@@ -7867,27 +7783,58 @@
           </a:bodyPr>
           <a:lstStyle/>
           <a:p>
-            <a:pPr indent="-317500" lvl="0" marL="457200" rtl="0" algn="l">
-              <a:spcBef>
-                <a:spcPts val="0"/>
-              </a:spcBef>
-              <a:spcAft>
-                <a:spcPts val="0"/>
-              </a:spcAft>
-              <a:buSzPts val="1400"/>
+            <a:pPr indent="-298450" lvl="0" marL="457200" rtl="0" algn="l">
+              <a:spcBef>
+                <a:spcPts val="0"/>
+              </a:spcBef>
+              <a:spcAft>
+                <a:spcPts val="0"/>
+              </a:spcAft>
+              <a:buSzPts val="1100"/>
               <a:buChar char="★"/>
             </a:pPr>
             <a:r>
-              <a:rPr lang="pt-BR"/>
-              <a:t>Realizar a venda dos produtos </a:t>
+              <a:rPr lang="pt-BR" sz="1100"/>
+              <a:t>Orientar os clientes na compra dos produtos </a:t>
             </a:r>
-            <a:endParaRPr/>
+            <a:endParaRPr sz="1100"/>
           </a:p>
         </p:txBody>
       </p:sp>
+      <p:cxnSp>
+        <p:nvCxnSpPr>
+          <p:cNvPr id="97" name="Google Shape;97;p14"/>
+          <p:cNvCxnSpPr>
+            <a:stCxn id="83" idx="2"/>
+            <a:endCxn id="98" idx="1"/>
+          </p:cNvCxnSpPr>
+          <p:nvPr/>
+        </p:nvCxnSpPr>
+        <p:spPr>
+          <a:xfrm flipH="1" rot="-5400000">
+            <a:off x="5049900" y="363050"/>
+            <a:ext cx="1479300" cy="2435100"/>
+          </a:xfrm>
+          <a:prstGeom prst="curvedConnector3">
+            <a:avLst>
+              <a:gd fmla="val 52270" name="adj1"/>
+            </a:avLst>
+          </a:prstGeom>
+          <a:noFill/>
+          <a:ln cap="flat" cmpd="sng" w="9525">
+            <a:solidFill>
+              <a:schemeClr val="dk2"/>
+            </a:solidFill>
+            <a:prstDash val="solid"/>
+            <a:round/>
+            <a:headEnd len="med" w="med" type="none"/>
+            <a:tailEnd len="med" w="med" type="none"/>
+          </a:ln>
+        </p:spPr>
+      </p:cxnSp>
       <p:grpSp>
         <p:nvGrpSpPr>
-          <p:cNvPr id="98" name="Google Shape;98;p14"/>
+          <p:cNvPr id="99" name="Google Shape;99;p14"/>
           <p:cNvGrpSpPr/>
           <p:nvPr/>
         </p:nvGrpSpPr>
@@ -7901,7 +7848,7 @@
         </p:grpSpPr>
         <p:grpSp>
           <p:nvGrpSpPr>
-            <p:cNvPr id="99" name="Google Shape;99;p14"/>
+            <p:cNvPr id="100" name="Google Shape;100;p14"/>
             <p:cNvGrpSpPr/>
             <p:nvPr/>
           </p:nvGrpSpPr>
@@ -7915,7 +7862,7 @@
           </p:grpSpPr>
           <p:sp>
             <p:nvSpPr>
-              <p:cNvPr id="100" name="Google Shape;100;p14"/>
+              <p:cNvPr id="98" name="Google Shape;98;p14"/>
               <p:cNvSpPr/>
               <p:nvPr/>
             </p:nvSpPr>
@@ -7973,7 +7920,7 @@
             <p:nvCxnSpPr>
               <p:cNvPr id="101" name="Google Shape;101;p14"/>
               <p:cNvCxnSpPr>
-                <a:stCxn id="100" idx="4"/>
+                <a:stCxn id="98" idx="4"/>
               </p:cNvCxnSpPr>
               <p:nvPr/>
             </p:nvCxnSpPr>
@@ -8154,37 +8101,6 @@
           </p:txBody>
         </p:sp>
       </p:grpSp>
-      <p:cxnSp>
-        <p:nvCxnSpPr>
-          <p:cNvPr id="106" name="Google Shape;106;p14"/>
-          <p:cNvCxnSpPr>
-            <a:stCxn id="84" idx="2"/>
-            <a:endCxn id="100" idx="1"/>
-          </p:cNvCxnSpPr>
-          <p:nvPr/>
-        </p:nvCxnSpPr>
-        <p:spPr>
-          <a:xfrm flipH="1" rot="-5400000">
-            <a:off x="5049900" y="363050"/>
-            <a:ext cx="1479300" cy="2435100"/>
-          </a:xfrm>
-          <a:prstGeom prst="curvedConnector3">
-            <a:avLst>
-              <a:gd fmla="val 52270" name="adj1"/>
-            </a:avLst>
-          </a:prstGeom>
-          <a:noFill/>
-          <a:ln cap="flat" cmpd="sng" w="9525">
-            <a:solidFill>
-              <a:schemeClr val="dk2"/>
-            </a:solidFill>
-            <a:prstDash val="solid"/>
-            <a:round/>
-            <a:headEnd len="med" w="med" type="none"/>
-            <a:tailEnd len="med" w="med" type="none"/>
-          </a:ln>
-        </p:spPr>
-      </p:cxnSp>
     </p:spTree>
   </p:cSld>
   <p:clrMapOvr>
@@ -8198,7 +8114,7 @@
   <p:cSld>
     <p:spTree>
       <p:nvGrpSpPr>
-        <p:cNvPr id="110" name="Shape 110"/>
+        <p:cNvPr id="109" name="Shape 109"/>
         <p:cNvGrpSpPr/>
         <p:nvPr/>
       </p:nvGrpSpPr>
@@ -8212,7 +8128,7 @@
       </p:grpSpPr>
       <p:graphicFrame>
         <p:nvGraphicFramePr>
-          <p:cNvPr id="111" name="Google Shape;111;p15"/>
+          <p:cNvPr id="110" name="Google Shape;110;p15"/>
           <p:cNvGraphicFramePr/>
           <p:nvPr/>
         </p:nvGraphicFramePr>
@@ -8225,7 +8141,7 @@
             <a:tbl>
               <a:tblPr>
                 <a:noFill/>
-                <a:tableStyleId>{89AB8DBA-161A-4D77-BEC6-DCD94DAC001D}</a:tableStyleId>
+                <a:tableStyleId>{1DA40BAF-7AB1-4440-BBFD-B93FD0CB0D01}</a:tableStyleId>
               </a:tblPr>
               <a:tblGrid>
                 <a:gridCol w="8913900"/>
@@ -8376,7 +8292,7 @@
       </p:graphicFrame>
       <p:sp>
         <p:nvSpPr>
-          <p:cNvPr id="112" name="Google Shape;112;p15"/>
+          <p:cNvPr id="111" name="Google Shape;111;p15"/>
           <p:cNvSpPr/>
           <p:nvPr/>
         </p:nvSpPr>
@@ -8424,7 +8340,7 @@
           </a:bodyPr>
           <a:lstStyle/>
           <a:p>
-            <a:pPr indent="-317500" lvl="0" marL="457200" rtl="0" algn="l">
+            <a:pPr indent="-317500" lvl="0" marL="457200" rtl="0" algn="ctr">
               <a:spcBef>
                 <a:spcPts val="0"/>
               </a:spcBef>
@@ -8436,7 +8352,7 @@
             </a:pPr>
             <a:r>
               <a:rPr lang="pt-BR"/>
-              <a:t>Devoluções</a:t>
+              <a:t>Gestão do estoque</a:t>
             </a:r>
             <a:endParaRPr/>
           </a:p>
@@ -8444,13 +8360,13 @@
       </p:sp>
       <p:grpSp>
         <p:nvGrpSpPr>
-          <p:cNvPr id="113" name="Google Shape;113;p15"/>
+          <p:cNvPr id="112" name="Google Shape;112;p15"/>
           <p:cNvGrpSpPr/>
           <p:nvPr/>
         </p:nvGrpSpPr>
         <p:grpSpPr>
           <a:xfrm>
-            <a:off x="2019647" y="2288272"/>
+            <a:off x="2117772" y="2288272"/>
             <a:ext cx="1134349" cy="922502"/>
             <a:chOff x="2852000" y="3424900"/>
             <a:chExt cx="1021200" cy="830484"/>
@@ -8458,7 +8374,7 @@
         </p:grpSpPr>
         <p:grpSp>
           <p:nvGrpSpPr>
-            <p:cNvPr id="114" name="Google Shape;114;p15"/>
+            <p:cNvPr id="113" name="Google Shape;113;p15"/>
             <p:cNvGrpSpPr/>
             <p:nvPr/>
           </p:nvGrpSpPr>
@@ -8472,7 +8388,7 @@
           </p:grpSpPr>
           <p:sp>
             <p:nvSpPr>
-              <p:cNvPr id="115" name="Google Shape;115;p15"/>
+              <p:cNvPr id="114" name="Google Shape;114;p15"/>
               <p:cNvSpPr/>
               <p:nvPr/>
             </p:nvSpPr>
@@ -8528,9 +8444,9 @@
           </p:sp>
           <p:cxnSp>
             <p:nvCxnSpPr>
-              <p:cNvPr id="116" name="Google Shape;116;p15"/>
+              <p:cNvPr id="115" name="Google Shape;115;p15"/>
               <p:cNvCxnSpPr>
-                <a:stCxn id="115" idx="4"/>
+                <a:stCxn id="114" idx="4"/>
               </p:cNvCxnSpPr>
               <p:nvPr/>
             </p:nvCxnSpPr>
@@ -8563,7 +8479,7 @@
           </p:cxnSp>
           <p:cxnSp>
             <p:nvCxnSpPr>
-              <p:cNvPr id="117" name="Google Shape;117;p15"/>
+              <p:cNvPr id="116" name="Google Shape;116;p15"/>
               <p:cNvCxnSpPr/>
               <p:nvPr/>
             </p:nvCxnSpPr>
@@ -8596,7 +8512,7 @@
           </p:cxnSp>
           <p:cxnSp>
             <p:nvCxnSpPr>
-              <p:cNvPr id="118" name="Google Shape;118;p15"/>
+              <p:cNvPr id="117" name="Google Shape;117;p15"/>
               <p:cNvCxnSpPr/>
               <p:nvPr/>
             </p:nvCxnSpPr>
@@ -8629,7 +8545,7 @@
           </p:cxnSp>
           <p:cxnSp>
             <p:nvCxnSpPr>
-              <p:cNvPr id="119" name="Google Shape;119;p15"/>
+              <p:cNvPr id="118" name="Google Shape;118;p15"/>
               <p:cNvCxnSpPr/>
               <p:nvPr/>
             </p:nvCxnSpPr>
@@ -8663,7 +8579,7 @@
         </p:grpSp>
         <p:sp>
           <p:nvSpPr>
-            <p:cNvPr id="120" name="Google Shape;120;p15"/>
+            <p:cNvPr id="119" name="Google Shape;119;p15"/>
             <p:cNvSpPr txBox="1"/>
             <p:nvPr/>
           </p:nvSpPr>
@@ -8704,7 +8620,7 @@
               </a:pPr>
               <a:r>
                 <a:rPr b="1" lang="pt-BR" sz="1200"/>
-                <a:t>DonaLu</a:t>
+                <a:t>Gerente de Vendas</a:t>
               </a:r>
               <a:endParaRPr b="1" sz="1200"/>
             </a:p>
@@ -8713,17 +8629,17 @@
       </p:grpSp>
       <p:cxnSp>
         <p:nvCxnSpPr>
-          <p:cNvPr id="121" name="Google Shape;121;p15"/>
+          <p:cNvPr id="120" name="Google Shape;120;p15"/>
           <p:cNvCxnSpPr>
-            <a:stCxn id="115" idx="0"/>
-            <a:endCxn id="112" idx="2"/>
+            <a:stCxn id="114" idx="0"/>
+            <a:endCxn id="111" idx="2"/>
           </p:cNvCxnSpPr>
           <p:nvPr/>
         </p:nvCxnSpPr>
         <p:spPr>
           <a:xfrm rot="-5400000">
-            <a:off x="2856858" y="573172"/>
-            <a:ext cx="1447200" cy="1983000"/>
+            <a:off x="2905933" y="622222"/>
+            <a:ext cx="1447200" cy="1884900"/>
           </a:xfrm>
           <a:prstGeom prst="curvedConnector3">
             <a:avLst>
@@ -8751,13 +8667,13 @@
       </p:cxnSp>
       <p:sp>
         <p:nvSpPr>
-          <p:cNvPr id="122" name="Google Shape;122;p15"/>
+          <p:cNvPr id="121" name="Google Shape;121;p15"/>
           <p:cNvSpPr/>
           <p:nvPr/>
         </p:nvSpPr>
         <p:spPr>
           <a:xfrm>
-            <a:off x="3943050" y="2340650"/>
+            <a:off x="4057550" y="2340650"/>
             <a:ext cx="1651200" cy="652800"/>
           </a:xfrm>
           <a:prstGeom prst="roundRect">
@@ -8768,10 +8684,10 @@
           <a:gradFill>
             <a:gsLst>
               <a:gs pos="0">
-                <a:srgbClr val="DFE9FB"/>
+                <a:srgbClr val="D4E5F5"/>
               </a:gs>
               <a:gs pos="100000">
-                <a:srgbClr val="6E9BE7"/>
+                <a:srgbClr val="70A4D5"/>
               </a:gs>
             </a:gsLst>
             <a:lin ang="5400012" scaled="0"/>
@@ -8810,11 +8726,7 @@
             </a:pPr>
             <a:r>
               <a:rPr lang="pt-BR"/>
-              <a:t>Setor de </a:t>
-            </a:r>
-            <a:r>
-              <a:rPr lang="pt-BR"/>
-              <a:t>Vendas</a:t>
+              <a:t>Setor de Estoque</a:t>
             </a:r>
             <a:endParaRPr/>
           </a:p>
@@ -8822,20 +8734,22 @@
       </p:sp>
       <p:cxnSp>
         <p:nvCxnSpPr>
-          <p:cNvPr id="123" name="Google Shape;123;p15"/>
+          <p:cNvPr id="122" name="Google Shape;122;p15"/>
           <p:cNvCxnSpPr>
-            <a:stCxn id="122" idx="2"/>
-            <a:endCxn id="124" idx="2"/>
+            <a:stCxn id="121" idx="2"/>
+            <a:endCxn id="123" idx="3"/>
           </p:cNvCxnSpPr>
           <p:nvPr/>
         </p:nvCxnSpPr>
         <p:spPr>
           <a:xfrm flipH="1" rot="-5400000">
-            <a:off x="4593000" y="3169100"/>
-            <a:ext cx="1176900" cy="825600"/>
+            <a:off x="5321150" y="2555450"/>
+            <a:ext cx="826500" cy="1702500"/>
           </a:xfrm>
-          <a:prstGeom prst="curvedConnector2">
-            <a:avLst/>
+          <a:prstGeom prst="curvedConnector3">
+            <a:avLst>
+              <a:gd fmla="val 50003" name="adj1"/>
+            </a:avLst>
           </a:prstGeom>
           <a:noFill/>
           <a:ln cap="flat" cmpd="sng" w="9525">
@@ -8858,17 +8772,17 @@
       </p:cxnSp>
       <p:cxnSp>
         <p:nvCxnSpPr>
-          <p:cNvPr id="125" name="Google Shape;125;p15"/>
+          <p:cNvPr id="124" name="Google Shape;124;p15"/>
           <p:cNvCxnSpPr>
-            <a:stCxn id="112" idx="2"/>
-            <a:endCxn id="122" idx="0"/>
+            <a:stCxn id="111" idx="2"/>
+            <a:endCxn id="121" idx="0"/>
           </p:cNvCxnSpPr>
           <p:nvPr/>
         </p:nvCxnSpPr>
         <p:spPr>
           <a:xfrm flipH="1" rot="-5400000">
-            <a:off x="3920550" y="1492400"/>
-            <a:ext cx="1499700" cy="196800"/>
+            <a:off x="3977700" y="1435250"/>
+            <a:ext cx="1499700" cy="311100"/>
           </a:xfrm>
           <a:prstGeom prst="curvedConnector3">
             <a:avLst>
@@ -8896,7 +8810,7 @@
       </p:cxnSp>
       <p:sp>
         <p:nvSpPr>
-          <p:cNvPr id="124" name="Google Shape;124;p15"/>
+          <p:cNvPr id="123" name="Google Shape;123;p15"/>
           <p:cNvSpPr/>
           <p:nvPr/>
         </p:nvSpPr>
@@ -8945,310 +8859,118 @@
           </a:bodyPr>
           <a:lstStyle/>
           <a:p>
-            <a:pPr indent="-317500" lvl="0" marL="457200" rtl="0" algn="l">
-              <a:spcBef>
-                <a:spcPts val="0"/>
-              </a:spcBef>
-              <a:spcAft>
-                <a:spcPts val="0"/>
-              </a:spcAft>
-              <a:buSzPts val="1400"/>
+            <a:pPr indent="-285750" lvl="0" marL="457200" rtl="0" algn="l">
+              <a:spcBef>
+                <a:spcPts val="0"/>
+              </a:spcBef>
+              <a:spcAft>
+                <a:spcPts val="0"/>
+              </a:spcAft>
+              <a:buSzPts val="900"/>
               <a:buChar char="★"/>
             </a:pPr>
             <a:r>
-              <a:rPr lang="pt-BR"/>
-              <a:t>Realizar a devolução dos produtos</a:t>
+              <a:rPr lang="pt-BR" sz="900">
+                <a:solidFill>
+                  <a:schemeClr val="dk1"/>
+                </a:solidFill>
+              </a:rPr>
+              <a:t>Comunicar a Dona do comércio sobre a demanda dos pedidos em estoque</a:t>
             </a:r>
-            <a:endParaRPr/>
+            <a:endParaRPr sz="900"/>
           </a:p>
         </p:txBody>
       </p:sp>
-      <p:grpSp>
-        <p:nvGrpSpPr>
-          <p:cNvPr id="126" name="Google Shape;126;p15"/>
-          <p:cNvGrpSpPr/>
+      <p:sp>
+        <p:nvSpPr>
+          <p:cNvPr id="125" name="Google Shape;125;p15"/>
+          <p:cNvSpPr/>
           <p:nvPr/>
-        </p:nvGrpSpPr>
-        <p:grpSpPr>
+        </p:nvSpPr>
+        <p:spPr>
           <a:xfrm>
-            <a:off x="6514172" y="2288272"/>
-            <a:ext cx="1134349" cy="922502"/>
-            <a:chOff x="2852000" y="3424900"/>
-            <a:chExt cx="1021200" cy="830484"/>
+            <a:off x="2443050" y="3820000"/>
+            <a:ext cx="1983000" cy="700800"/>
           </a:xfrm>
-        </p:grpSpPr>
-        <p:grpSp>
-          <p:nvGrpSpPr>
-            <p:cNvPr id="127" name="Google Shape;127;p15"/>
-            <p:cNvGrpSpPr/>
-            <p:nvPr/>
-          </p:nvGrpSpPr>
-          <p:grpSpPr>
-            <a:xfrm>
-              <a:off x="3206355" y="3424900"/>
-              <a:ext cx="308885" cy="587736"/>
-              <a:chOff x="1499725" y="1450825"/>
-              <a:chExt cx="497400" cy="843600"/>
-            </a:xfrm>
-          </p:grpSpPr>
-          <p:sp>
-            <p:nvSpPr>
-              <p:cNvPr id="128" name="Google Shape;128;p15"/>
-              <p:cNvSpPr/>
-              <p:nvPr/>
-            </p:nvSpPr>
-            <p:spPr>
-              <a:xfrm>
-                <a:off x="1597825" y="1450825"/>
-                <a:ext cx="313200" cy="281400"/>
-              </a:xfrm>
-              <a:prstGeom prst="flowChartConnector">
-                <a:avLst/>
-              </a:prstGeom>
-              <a:solidFill>
-                <a:srgbClr val="EEEEEE"/>
-              </a:solidFill>
-              <a:ln cap="flat" cmpd="sng" w="9525">
+          <a:prstGeom prst="round2DiagRect">
+            <a:avLst>
+              <a:gd fmla="val 16667" name="adj1"/>
+              <a:gd fmla="val 50000" name="adj2"/>
+            </a:avLst>
+          </a:prstGeom>
+          <a:gradFill>
+            <a:gsLst>
+              <a:gs pos="0">
+                <a:srgbClr val="FFFFFF"/>
+              </a:gs>
+              <a:gs pos="100000">
+                <a:srgbClr val="B3B3B3"/>
+              </a:gs>
+            </a:gsLst>
+            <a:lin ang="5400012" scaled="0"/>
+          </a:gradFill>
+          <a:ln cap="flat" cmpd="sng" w="9525">
+            <a:solidFill>
+              <a:schemeClr val="dk2"/>
+            </a:solidFill>
+            <a:prstDash val="solid"/>
+            <a:round/>
+            <a:headEnd len="sm" w="sm" type="none"/>
+            <a:tailEnd len="sm" w="sm" type="none"/>
+          </a:ln>
+          <a:effectLst>
+            <a:outerShdw blurRad="57150" rotWithShape="0" algn="bl" dir="5400000" dist="19050">
+              <a:srgbClr val="000000">
+                <a:alpha val="50000"/>
+              </a:srgbClr>
+            </a:outerShdw>
+          </a:effectLst>
+        </p:spPr>
+        <p:txBody>
+          <a:bodyPr anchorCtr="0" anchor="ctr" bIns="91425" lIns="91425" spcFirstLastPara="1" rIns="91425" wrap="square" tIns="91425">
+            <a:noAutofit/>
+          </a:bodyPr>
+          <a:lstStyle/>
+          <a:p>
+            <a:pPr indent="-285750" lvl="0" marL="457200" rtl="0" algn="l">
+              <a:spcBef>
+                <a:spcPts val="0"/>
+              </a:spcBef>
+              <a:spcAft>
+                <a:spcPts val="0"/>
+              </a:spcAft>
+              <a:buSzPts val="900"/>
+              <a:buChar char="★"/>
+            </a:pPr>
+            <a:r>
+              <a:rPr lang="pt-BR" sz="900">
                 <a:solidFill>
-                  <a:srgbClr val="595959"/>
+                  <a:schemeClr val="dk1"/>
                 </a:solidFill>
-                <a:prstDash val="solid"/>
-                <a:round/>
-                <a:headEnd len="sm" w="sm" type="none"/>
-                <a:tailEnd len="sm" w="sm" type="none"/>
-              </a:ln>
-              <a:effectLst>
-                <a:outerShdw blurRad="57150" rotWithShape="0" algn="bl" dir="5400000" dist="19050">
-                  <a:srgbClr val="000000">
-                    <a:alpha val="50000"/>
-                  </a:srgbClr>
-                </a:outerShdw>
-              </a:effectLst>
-            </p:spPr>
-            <p:txBody>
-              <a:bodyPr anchorCtr="0" anchor="ctr" bIns="91425" lIns="91425" spcFirstLastPara="1" rIns="91425" wrap="square" tIns="91425">
-                <a:noAutofit/>
-              </a:bodyPr>
-              <a:lstStyle/>
-              <a:p>
-                <a:pPr indent="0" lvl="0" marL="0" rtl="0" algn="l">
-                  <a:spcBef>
-                    <a:spcPts val="0"/>
-                  </a:spcBef>
-                  <a:spcAft>
-                    <a:spcPts val="0"/>
-                  </a:spcAft>
-                  <a:buNone/>
-                </a:pPr>
-                <a:r>
-                  <a:t/>
-                </a:r>
-                <a:endParaRPr/>
-              </a:p>
-            </p:txBody>
-          </p:sp>
-          <p:cxnSp>
-            <p:nvCxnSpPr>
-              <p:cNvPr id="129" name="Google Shape;129;p15"/>
-              <p:cNvCxnSpPr>
-                <a:stCxn id="128" idx="4"/>
-              </p:cNvCxnSpPr>
-              <p:nvPr/>
-            </p:nvCxnSpPr>
-            <p:spPr>
-              <a:xfrm flipH="1">
-                <a:off x="1748725" y="1732225"/>
-                <a:ext cx="5700" cy="293100"/>
-              </a:xfrm>
-              <a:prstGeom prst="straightConnector1">
-                <a:avLst/>
-              </a:prstGeom>
-              <a:noFill/>
-              <a:ln cap="flat" cmpd="sng" w="9525">
-                <a:solidFill>
-                  <a:srgbClr val="595959"/>
-                </a:solidFill>
-                <a:prstDash val="solid"/>
-                <a:round/>
-                <a:headEnd len="med" w="med" type="none"/>
-                <a:tailEnd len="med" w="med" type="none"/>
-              </a:ln>
-              <a:effectLst>
-                <a:outerShdw blurRad="57150" rotWithShape="0" algn="bl" dir="5400000" dist="19050">
-                  <a:srgbClr val="000000">
-                    <a:alpha val="50000"/>
-                  </a:srgbClr>
-                </a:outerShdw>
-              </a:effectLst>
-            </p:spPr>
-          </p:cxnSp>
-          <p:cxnSp>
-            <p:nvCxnSpPr>
-              <p:cNvPr id="130" name="Google Shape;130;p15"/>
-              <p:cNvCxnSpPr/>
-              <p:nvPr/>
-            </p:nvCxnSpPr>
-            <p:spPr>
-              <a:xfrm>
-                <a:off x="1527475" y="1858775"/>
-                <a:ext cx="453900" cy="1800"/>
-              </a:xfrm>
-              <a:prstGeom prst="straightConnector1">
-                <a:avLst/>
-              </a:prstGeom>
-              <a:noFill/>
-              <a:ln cap="flat" cmpd="sng" w="9525">
-                <a:solidFill>
-                  <a:srgbClr val="595959"/>
-                </a:solidFill>
-                <a:prstDash val="solid"/>
-                <a:round/>
-                <a:headEnd len="med" w="med" type="none"/>
-                <a:tailEnd len="med" w="med" type="none"/>
-              </a:ln>
-              <a:effectLst>
-                <a:outerShdw blurRad="57150" rotWithShape="0" algn="bl" dir="5400000" dist="19050">
-                  <a:srgbClr val="000000">
-                    <a:alpha val="50000"/>
-                  </a:srgbClr>
-                </a:outerShdw>
-              </a:effectLst>
-            </p:spPr>
-          </p:cxnSp>
-          <p:cxnSp>
-            <p:nvCxnSpPr>
-              <p:cNvPr id="131" name="Google Shape;131;p15"/>
-              <p:cNvCxnSpPr/>
-              <p:nvPr/>
-            </p:nvCxnSpPr>
-            <p:spPr>
-              <a:xfrm flipH="1">
-                <a:off x="1499725" y="2022925"/>
-                <a:ext cx="248700" cy="271500"/>
-              </a:xfrm>
-              <a:prstGeom prst="straightConnector1">
-                <a:avLst/>
-              </a:prstGeom>
-              <a:noFill/>
-              <a:ln cap="flat" cmpd="sng" w="9525">
-                <a:solidFill>
-                  <a:srgbClr val="595959"/>
-                </a:solidFill>
-                <a:prstDash val="solid"/>
-                <a:round/>
-                <a:headEnd len="med" w="med" type="none"/>
-                <a:tailEnd len="med" w="med" type="none"/>
-              </a:ln>
-              <a:effectLst>
-                <a:outerShdw blurRad="57150" rotWithShape="0" algn="bl" dir="5400000" dist="19050">
-                  <a:srgbClr val="000000">
-                    <a:alpha val="50000"/>
-                  </a:srgbClr>
-                </a:outerShdw>
-              </a:effectLst>
-            </p:spPr>
-          </p:cxnSp>
-          <p:cxnSp>
-            <p:nvCxnSpPr>
-              <p:cNvPr id="132" name="Google Shape;132;p15"/>
-              <p:cNvCxnSpPr/>
-              <p:nvPr/>
-            </p:nvCxnSpPr>
-            <p:spPr>
-              <a:xfrm rot="10800000">
-                <a:off x="1748425" y="2022925"/>
-                <a:ext cx="248700" cy="271500"/>
-              </a:xfrm>
-              <a:prstGeom prst="straightConnector1">
-                <a:avLst/>
-              </a:prstGeom>
-              <a:noFill/>
-              <a:ln cap="flat" cmpd="sng" w="9525">
-                <a:solidFill>
-                  <a:srgbClr val="595959"/>
-                </a:solidFill>
-                <a:prstDash val="solid"/>
-                <a:round/>
-                <a:headEnd len="med" w="med" type="none"/>
-                <a:tailEnd len="med" w="med" type="none"/>
-              </a:ln>
-              <a:effectLst>
-                <a:outerShdw blurRad="57150" rotWithShape="0" algn="bl" dir="5400000" dist="19050">
-                  <a:srgbClr val="000000">
-                    <a:alpha val="50000"/>
-                  </a:srgbClr>
-                </a:outerShdw>
-              </a:effectLst>
-            </p:spPr>
-          </p:cxnSp>
-        </p:grpSp>
-        <p:sp>
-          <p:nvSpPr>
-            <p:cNvPr id="133" name="Google Shape;133;p15"/>
-            <p:cNvSpPr txBox="1"/>
-            <p:nvPr/>
-          </p:nvSpPr>
-          <p:spPr>
-            <a:xfrm>
-              <a:off x="2852000" y="3912484"/>
-              <a:ext cx="1021200" cy="342900"/>
-            </a:xfrm>
-            <a:prstGeom prst="rect">
-              <a:avLst/>
-            </a:prstGeom>
-            <a:noFill/>
-            <a:ln>
-              <a:noFill/>
-            </a:ln>
-            <a:effectLst>
-              <a:outerShdw blurRad="57150" rotWithShape="0" algn="bl" dir="5400000" dist="19050">
-                <a:srgbClr val="000000">
-                  <a:alpha val="50000"/>
-                </a:srgbClr>
-              </a:outerShdw>
-            </a:effectLst>
-          </p:spPr>
-          <p:txBody>
-            <a:bodyPr anchorCtr="0" anchor="t" bIns="91425" lIns="91425" spcFirstLastPara="1" rIns="91425" wrap="square" tIns="91425">
-              <a:noAutofit/>
-            </a:bodyPr>
-            <a:lstStyle/>
-            <a:p>
-              <a:pPr indent="0" lvl="0" marL="0" rtl="0" algn="ctr">
-                <a:spcBef>
-                  <a:spcPts val="0"/>
-                </a:spcBef>
-                <a:spcAft>
-                  <a:spcPts val="0"/>
-                </a:spcAft>
-                <a:buNone/>
-              </a:pPr>
-              <a:r>
-                <a:rPr b="1" lang="pt-BR" sz="1200"/>
-                <a:t>Cliente</a:t>
-              </a:r>
-              <a:endParaRPr b="1" sz="1200"/>
-            </a:p>
-          </p:txBody>
-        </p:sp>
-      </p:grpSp>
+              </a:rPr>
+              <a:t>Comunicar a falta de um produto no estoque</a:t>
+            </a:r>
+            <a:endParaRPr sz="900"/>
+          </a:p>
+        </p:txBody>
+      </p:sp>
       <p:cxnSp>
         <p:nvCxnSpPr>
-          <p:cNvPr id="134" name="Google Shape;134;p15"/>
+          <p:cNvPr id="126" name="Google Shape;126;p15"/>
           <p:cNvCxnSpPr>
-            <a:stCxn id="112" idx="2"/>
-            <a:endCxn id="128" idx="1"/>
+            <a:stCxn id="121" idx="2"/>
+            <a:endCxn id="125" idx="3"/>
           </p:cNvCxnSpPr>
           <p:nvPr/>
         </p:nvCxnSpPr>
         <p:spPr>
-          <a:xfrm flipH="1" rot="-5400000">
-            <a:off x="5049900" y="363050"/>
-            <a:ext cx="1479300" cy="2435100"/>
+          <a:xfrm rot="5400000">
+            <a:off x="3745550" y="2682350"/>
+            <a:ext cx="826500" cy="1448700"/>
           </a:xfrm>
           <a:prstGeom prst="curvedConnector3">
             <a:avLst>
-              <a:gd fmla="val 52270" name="adj1"/>
+              <a:gd fmla="val 50003" name="adj1"/>
             </a:avLst>
           </a:prstGeom>
           <a:noFill/>
@@ -9261,6 +8983,13 @@
             <a:headEnd len="med" w="med" type="none"/>
             <a:tailEnd len="med" w="med" type="none"/>
           </a:ln>
+          <a:effectLst>
+            <a:outerShdw blurRad="57150" rotWithShape="0" algn="bl" dir="5400000" dist="19050">
+              <a:srgbClr val="000000">
+                <a:alpha val="50000"/>
+              </a:srgbClr>
+            </a:outerShdw>
+          </a:effectLst>
         </p:spPr>
       </p:cxnSp>
     </p:spTree>
@@ -9276,7 +9005,7 @@
   <p:cSld>
     <p:spTree>
       <p:nvGrpSpPr>
-        <p:cNvPr id="138" name="Shape 138"/>
+        <p:cNvPr id="130" name="Shape 130"/>
         <p:cNvGrpSpPr/>
         <p:nvPr/>
       </p:nvGrpSpPr>
@@ -9290,7 +9019,7 @@
       </p:grpSpPr>
       <p:graphicFrame>
         <p:nvGraphicFramePr>
-          <p:cNvPr id="139" name="Google Shape;139;p16"/>
+          <p:cNvPr id="131" name="Google Shape;131;p16"/>
           <p:cNvGraphicFramePr/>
           <p:nvPr/>
         </p:nvGraphicFramePr>
@@ -9303,7 +9032,7 @@
             <a:tbl>
               <a:tblPr>
                 <a:noFill/>
-                <a:tableStyleId>{89AB8DBA-161A-4D77-BEC6-DCD94DAC001D}</a:tableStyleId>
+                <a:tableStyleId>{1DA40BAF-7AB1-4440-BBFD-B93FD0CB0D01}</a:tableStyleId>
               </a:tblPr>
               <a:tblGrid>
                 <a:gridCol w="8913900"/>
@@ -9454,7 +9183,7 @@
       </p:graphicFrame>
       <p:sp>
         <p:nvSpPr>
-          <p:cNvPr id="140" name="Google Shape;140;p16"/>
+          <p:cNvPr id="132" name="Google Shape;132;p16"/>
           <p:cNvSpPr/>
           <p:nvPr/>
         </p:nvSpPr>
@@ -9514,21 +9243,231 @@
             </a:pPr>
             <a:r>
               <a:rPr lang="pt-BR"/>
-              <a:t>Orçamento</a:t>
+              <a:t>Realização de compras</a:t>
             </a:r>
             <a:endParaRPr/>
           </a:p>
         </p:txBody>
       </p:sp>
+      <p:sp>
+        <p:nvSpPr>
+          <p:cNvPr id="133" name="Google Shape;133;p16"/>
+          <p:cNvSpPr/>
+          <p:nvPr/>
+        </p:nvSpPr>
+        <p:spPr>
+          <a:xfrm>
+            <a:off x="3943050" y="2340650"/>
+            <a:ext cx="1651200" cy="652800"/>
+          </a:xfrm>
+          <a:prstGeom prst="roundRect">
+            <a:avLst>
+              <a:gd fmla="val 16667" name="adj"/>
+            </a:avLst>
+          </a:prstGeom>
+          <a:gradFill>
+            <a:gsLst>
+              <a:gs pos="0">
+                <a:srgbClr val="DFE9FB"/>
+              </a:gs>
+              <a:gs pos="100000">
+                <a:srgbClr val="6E9BE7"/>
+              </a:gs>
+            </a:gsLst>
+            <a:lin ang="5400012" scaled="0"/>
+          </a:gradFill>
+          <a:ln cap="flat" cmpd="sng" w="9525">
+            <a:solidFill>
+              <a:srgbClr val="0000FF"/>
+            </a:solidFill>
+            <a:prstDash val="solid"/>
+            <a:round/>
+            <a:headEnd len="sm" w="sm" type="none"/>
+            <a:tailEnd len="sm" w="sm" type="none"/>
+          </a:ln>
+          <a:effectLst>
+            <a:outerShdw blurRad="57150" rotWithShape="0" algn="bl" dir="5400000" dist="19050">
+              <a:srgbClr val="000000">
+                <a:alpha val="50000"/>
+              </a:srgbClr>
+            </a:outerShdw>
+          </a:effectLst>
+        </p:spPr>
+        <p:txBody>
+          <a:bodyPr anchorCtr="0" anchor="ctr" bIns="91425" lIns="91425" spcFirstLastPara="1" rIns="91425" wrap="square" tIns="91425">
+            <a:noAutofit/>
+          </a:bodyPr>
+          <a:lstStyle/>
+          <a:p>
+            <a:pPr indent="0" lvl="0" marL="0" rtl="0" algn="ctr">
+              <a:spcBef>
+                <a:spcPts val="0"/>
+              </a:spcBef>
+              <a:spcAft>
+                <a:spcPts val="0"/>
+              </a:spcAft>
+              <a:buNone/>
+            </a:pPr>
+            <a:r>
+              <a:rPr lang="pt-BR"/>
+              <a:t>Setor de Vendas</a:t>
+            </a:r>
+            <a:endParaRPr/>
+          </a:p>
+        </p:txBody>
+      </p:sp>
+      <p:cxnSp>
+        <p:nvCxnSpPr>
+          <p:cNvPr id="134" name="Google Shape;134;p16"/>
+          <p:cNvCxnSpPr>
+            <a:stCxn id="133" idx="2"/>
+            <a:endCxn id="135" idx="2"/>
+          </p:cNvCxnSpPr>
+          <p:nvPr/>
+        </p:nvCxnSpPr>
+        <p:spPr>
+          <a:xfrm flipH="1" rot="-5400000">
+            <a:off x="4593000" y="3169100"/>
+            <a:ext cx="1176900" cy="825600"/>
+          </a:xfrm>
+          <a:prstGeom prst="curvedConnector2">
+            <a:avLst/>
+          </a:prstGeom>
+          <a:noFill/>
+          <a:ln cap="flat" cmpd="sng" w="9525">
+            <a:solidFill>
+              <a:schemeClr val="dk2"/>
+            </a:solidFill>
+            <a:prstDash val="solid"/>
+            <a:round/>
+            <a:headEnd len="med" w="med" type="none"/>
+            <a:tailEnd len="med" w="med" type="none"/>
+          </a:ln>
+          <a:effectLst>
+            <a:outerShdw blurRad="57150" rotWithShape="0" algn="bl" dir="5400000" dist="19050">
+              <a:srgbClr val="000000">
+                <a:alpha val="50000"/>
+              </a:srgbClr>
+            </a:outerShdw>
+          </a:effectLst>
+        </p:spPr>
+      </p:cxnSp>
+      <p:cxnSp>
+        <p:nvCxnSpPr>
+          <p:cNvPr id="136" name="Google Shape;136;p16"/>
+          <p:cNvCxnSpPr>
+            <a:stCxn id="132" idx="2"/>
+            <a:endCxn id="133" idx="0"/>
+          </p:cNvCxnSpPr>
+          <p:nvPr/>
+        </p:nvCxnSpPr>
+        <p:spPr>
+          <a:xfrm flipH="1" rot="-5400000">
+            <a:off x="3920550" y="1492400"/>
+            <a:ext cx="1499700" cy="196800"/>
+          </a:xfrm>
+          <a:prstGeom prst="curvedConnector3">
+            <a:avLst>
+              <a:gd fmla="val 53306" name="adj1"/>
+            </a:avLst>
+          </a:prstGeom>
+          <a:noFill/>
+          <a:ln cap="flat" cmpd="sng" w="9525">
+            <a:solidFill>
+              <a:schemeClr val="dk2"/>
+            </a:solidFill>
+            <a:prstDash val="solid"/>
+            <a:round/>
+            <a:headEnd len="med" w="med" type="none"/>
+            <a:tailEnd len="med" w="med" type="none"/>
+          </a:ln>
+          <a:effectLst>
+            <a:outerShdw blurRad="57150" rotWithShape="0" algn="bl" dir="5400000" dist="19050">
+              <a:srgbClr val="000000">
+                <a:alpha val="50000"/>
+              </a:srgbClr>
+            </a:outerShdw>
+          </a:effectLst>
+        </p:spPr>
+      </p:cxnSp>
+      <p:sp>
+        <p:nvSpPr>
+          <p:cNvPr id="135" name="Google Shape;135;p16"/>
+          <p:cNvSpPr/>
+          <p:nvPr/>
+        </p:nvSpPr>
+        <p:spPr>
+          <a:xfrm>
+            <a:off x="5594250" y="3820000"/>
+            <a:ext cx="1983000" cy="700800"/>
+          </a:xfrm>
+          <a:prstGeom prst="round2DiagRect">
+            <a:avLst>
+              <a:gd fmla="val 16667" name="adj1"/>
+              <a:gd fmla="val 50000" name="adj2"/>
+            </a:avLst>
+          </a:prstGeom>
+          <a:gradFill>
+            <a:gsLst>
+              <a:gs pos="0">
+                <a:srgbClr val="FFFFFF"/>
+              </a:gs>
+              <a:gs pos="100000">
+                <a:srgbClr val="B3B3B3"/>
+              </a:gs>
+            </a:gsLst>
+            <a:lin ang="5400012" scaled="0"/>
+          </a:gradFill>
+          <a:ln cap="flat" cmpd="sng" w="9525">
+            <a:solidFill>
+              <a:schemeClr val="dk2"/>
+            </a:solidFill>
+            <a:prstDash val="solid"/>
+            <a:round/>
+            <a:headEnd len="sm" w="sm" type="none"/>
+            <a:tailEnd len="sm" w="sm" type="none"/>
+          </a:ln>
+          <a:effectLst>
+            <a:outerShdw blurRad="57150" rotWithShape="0" algn="bl" dir="5400000" dist="19050">
+              <a:srgbClr val="000000">
+                <a:alpha val="50000"/>
+              </a:srgbClr>
+            </a:outerShdw>
+          </a:effectLst>
+        </p:spPr>
+        <p:txBody>
+          <a:bodyPr anchorCtr="0" anchor="ctr" bIns="91425" lIns="91425" spcFirstLastPara="1" rIns="91425" wrap="square" tIns="91425">
+            <a:noAutofit/>
+          </a:bodyPr>
+          <a:lstStyle/>
+          <a:p>
+            <a:pPr indent="-298450" lvl="0" marL="457200" rtl="0" algn="l">
+              <a:spcBef>
+                <a:spcPts val="0"/>
+              </a:spcBef>
+              <a:spcAft>
+                <a:spcPts val="0"/>
+              </a:spcAft>
+              <a:buSzPts val="1100"/>
+              <a:buChar char="★"/>
+            </a:pPr>
+            <a:r>
+              <a:rPr lang="pt-BR" sz="1100"/>
+              <a:t>Realizar a compra de um produto disponível</a:t>
+            </a:r>
+            <a:endParaRPr sz="1100"/>
+          </a:p>
+        </p:txBody>
+      </p:sp>
       <p:grpSp>
         <p:nvGrpSpPr>
-          <p:cNvPr id="141" name="Google Shape;141;p16"/>
+          <p:cNvPr id="137" name="Google Shape;137;p16"/>
           <p:cNvGrpSpPr/>
           <p:nvPr/>
         </p:nvGrpSpPr>
         <p:grpSpPr>
           <a:xfrm>
-            <a:off x="2019647" y="2288272"/>
+            <a:off x="6514172" y="2288272"/>
             <a:ext cx="1134349" cy="922502"/>
             <a:chOff x="2852000" y="3424900"/>
             <a:chExt cx="1021200" cy="830484"/>
@@ -9536,7 +9475,7 @@
         </p:grpSpPr>
         <p:grpSp>
           <p:nvGrpSpPr>
-            <p:cNvPr id="142" name="Google Shape;142;p16"/>
+            <p:cNvPr id="138" name="Google Shape;138;p16"/>
             <p:cNvGrpSpPr/>
             <p:nvPr/>
           </p:nvGrpSpPr>
@@ -9550,7 +9489,7 @@
           </p:grpSpPr>
           <p:sp>
             <p:nvSpPr>
-              <p:cNvPr id="143" name="Google Shape;143;p16"/>
+              <p:cNvPr id="139" name="Google Shape;139;p16"/>
               <p:cNvSpPr/>
               <p:nvPr/>
             </p:nvSpPr>
@@ -9606,9 +9545,9 @@
           </p:sp>
           <p:cxnSp>
             <p:nvCxnSpPr>
-              <p:cNvPr id="144" name="Google Shape;144;p16"/>
+              <p:cNvPr id="140" name="Google Shape;140;p16"/>
               <p:cNvCxnSpPr>
-                <a:stCxn id="143" idx="4"/>
+                <a:stCxn id="139" idx="4"/>
               </p:cNvCxnSpPr>
               <p:nvPr/>
             </p:nvCxnSpPr>
@@ -9641,7 +9580,7 @@
           </p:cxnSp>
           <p:cxnSp>
             <p:nvCxnSpPr>
-              <p:cNvPr id="145" name="Google Shape;145;p16"/>
+              <p:cNvPr id="141" name="Google Shape;141;p16"/>
               <p:cNvCxnSpPr/>
               <p:nvPr/>
             </p:nvCxnSpPr>
@@ -9674,7 +9613,7 @@
           </p:cxnSp>
           <p:cxnSp>
             <p:nvCxnSpPr>
-              <p:cNvPr id="146" name="Google Shape;146;p16"/>
+              <p:cNvPr id="142" name="Google Shape;142;p16"/>
               <p:cNvCxnSpPr/>
               <p:nvPr/>
             </p:nvCxnSpPr>
@@ -9707,7 +9646,7 @@
           </p:cxnSp>
           <p:cxnSp>
             <p:nvCxnSpPr>
-              <p:cNvPr id="147" name="Google Shape;147;p16"/>
+              <p:cNvPr id="143" name="Google Shape;143;p16"/>
               <p:cNvCxnSpPr/>
               <p:nvPr/>
             </p:nvCxnSpPr>
@@ -9741,7 +9680,7 @@
         </p:grpSp>
         <p:sp>
           <p:nvSpPr>
-            <p:cNvPr id="148" name="Google Shape;148;p16"/>
+            <p:cNvPr id="144" name="Google Shape;144;p16"/>
             <p:cNvSpPr txBox="1"/>
             <p:nvPr/>
           </p:nvSpPr>
@@ -9782,7 +9721,7 @@
               </a:pPr>
               <a:r>
                 <a:rPr b="1" lang="pt-BR" sz="1200"/>
-                <a:t>DonaLu</a:t>
+                <a:t>Cliente</a:t>
               </a:r>
               <a:endParaRPr b="1" sz="1200"/>
             </a:p>
@@ -9791,21 +9730,21 @@
       </p:grpSp>
       <p:cxnSp>
         <p:nvCxnSpPr>
-          <p:cNvPr id="149" name="Google Shape;149;p16"/>
+          <p:cNvPr id="145" name="Google Shape;145;p16"/>
           <p:cNvCxnSpPr>
-            <a:stCxn id="143" idx="0"/>
-            <a:endCxn id="140" idx="2"/>
+            <a:stCxn id="132" idx="2"/>
+            <a:endCxn id="139" idx="1"/>
           </p:cNvCxnSpPr>
           <p:nvPr/>
         </p:nvCxnSpPr>
         <p:spPr>
-          <a:xfrm rot="-5400000">
-            <a:off x="2856858" y="573172"/>
-            <a:ext cx="1447200" cy="1983000"/>
+          <a:xfrm flipH="1" rot="-5400000">
+            <a:off x="5049900" y="363050"/>
+            <a:ext cx="1479300" cy="2435100"/>
           </a:xfrm>
           <a:prstGeom prst="curvedConnector3">
             <a:avLst>
-              <a:gd fmla="val 46579" name="adj1"/>
+              <a:gd fmla="val 52270" name="adj1"/>
             </a:avLst>
           </a:prstGeom>
           <a:noFill/>
@@ -9818,231 +9757,8 @@
             <a:headEnd len="med" w="med" type="none"/>
             <a:tailEnd len="med" w="med" type="none"/>
           </a:ln>
-          <a:effectLst>
-            <a:outerShdw blurRad="57150" rotWithShape="0" algn="bl" dir="5400000" dist="19050">
-              <a:srgbClr val="000000">
-                <a:alpha val="50000"/>
-              </a:srgbClr>
-            </a:outerShdw>
-          </a:effectLst>
         </p:spPr>
       </p:cxnSp>
-      <p:sp>
-        <p:nvSpPr>
-          <p:cNvPr id="150" name="Google Shape;150;p16"/>
-          <p:cNvSpPr/>
-          <p:nvPr/>
-        </p:nvSpPr>
-        <p:spPr>
-          <a:xfrm>
-            <a:off x="4528725" y="2340650"/>
-            <a:ext cx="1651200" cy="652800"/>
-          </a:xfrm>
-          <a:prstGeom prst="roundRect">
-            <a:avLst>
-              <a:gd fmla="val 16667" name="adj"/>
-            </a:avLst>
-          </a:prstGeom>
-          <a:gradFill>
-            <a:gsLst>
-              <a:gs pos="0">
-                <a:srgbClr val="D4E5F5"/>
-              </a:gs>
-              <a:gs pos="100000">
-                <a:srgbClr val="70A4D5"/>
-              </a:gs>
-            </a:gsLst>
-            <a:lin ang="5400012" scaled="0"/>
-          </a:gradFill>
-          <a:ln cap="flat" cmpd="sng" w="9525">
-            <a:solidFill>
-              <a:srgbClr val="0000FF"/>
-            </a:solidFill>
-            <a:prstDash val="solid"/>
-            <a:round/>
-            <a:headEnd len="sm" w="sm" type="none"/>
-            <a:tailEnd len="sm" w="sm" type="none"/>
-          </a:ln>
-          <a:effectLst>
-            <a:outerShdw blurRad="57150" rotWithShape="0" algn="bl" dir="5400000" dist="19050">
-              <a:srgbClr val="000000">
-                <a:alpha val="50000"/>
-              </a:srgbClr>
-            </a:outerShdw>
-          </a:effectLst>
-        </p:spPr>
-        <p:txBody>
-          <a:bodyPr anchorCtr="0" anchor="ctr" bIns="91425" lIns="91425" spcFirstLastPara="1" rIns="91425" wrap="square" tIns="91425">
-            <a:noAutofit/>
-          </a:bodyPr>
-          <a:lstStyle/>
-          <a:p>
-            <a:pPr indent="0" lvl="0" marL="0" rtl="0" algn="ctr">
-              <a:spcBef>
-                <a:spcPts val="0"/>
-              </a:spcBef>
-              <a:spcAft>
-                <a:spcPts val="0"/>
-              </a:spcAft>
-              <a:buNone/>
-            </a:pPr>
-            <a:r>
-              <a:rPr lang="pt-BR"/>
-              <a:t>Setor de </a:t>
-            </a:r>
-            <a:r>
-              <a:rPr lang="pt-BR"/>
-              <a:t>Vendas</a:t>
-            </a:r>
-            <a:endParaRPr/>
-          </a:p>
-        </p:txBody>
-      </p:sp>
-      <p:cxnSp>
-        <p:nvCxnSpPr>
-          <p:cNvPr id="151" name="Google Shape;151;p16"/>
-          <p:cNvCxnSpPr>
-            <a:stCxn id="148" idx="2"/>
-            <a:endCxn id="152" idx="3"/>
-          </p:cNvCxnSpPr>
-          <p:nvPr/>
-        </p:nvCxnSpPr>
-        <p:spPr>
-          <a:xfrm flipH="1" rot="-5400000">
-            <a:off x="2903771" y="2893824"/>
-            <a:ext cx="621000" cy="1254900"/>
-          </a:xfrm>
-          <a:prstGeom prst="curvedConnector3">
-            <a:avLst>
-              <a:gd fmla="val 50008" name="adj1"/>
-            </a:avLst>
-          </a:prstGeom>
-          <a:noFill/>
-          <a:ln cap="flat" cmpd="sng" w="9525">
-            <a:solidFill>
-              <a:schemeClr val="dk2"/>
-            </a:solidFill>
-            <a:prstDash val="solid"/>
-            <a:round/>
-            <a:headEnd len="med" w="med" type="none"/>
-            <a:tailEnd len="med" w="med" type="none"/>
-          </a:ln>
-          <a:effectLst>
-            <a:outerShdw blurRad="57150" rotWithShape="0" algn="bl" dir="5400000" dist="19050">
-              <a:srgbClr val="000000">
-                <a:alpha val="50000"/>
-              </a:srgbClr>
-            </a:outerShdw>
-          </a:effectLst>
-        </p:spPr>
-      </p:cxnSp>
-      <p:cxnSp>
-        <p:nvCxnSpPr>
-          <p:cNvPr id="153" name="Google Shape;153;p16"/>
-          <p:cNvCxnSpPr>
-            <a:stCxn id="140" idx="2"/>
-            <a:endCxn id="150" idx="0"/>
-          </p:cNvCxnSpPr>
-          <p:nvPr/>
-        </p:nvCxnSpPr>
-        <p:spPr>
-          <a:xfrm flipH="1" rot="-5400000">
-            <a:off x="4213350" y="1199600"/>
-            <a:ext cx="1499700" cy="782400"/>
-          </a:xfrm>
-          <a:prstGeom prst="curvedConnector3">
-            <a:avLst>
-              <a:gd fmla="val 53306" name="adj1"/>
-            </a:avLst>
-          </a:prstGeom>
-          <a:noFill/>
-          <a:ln cap="flat" cmpd="sng" w="9525">
-            <a:solidFill>
-              <a:schemeClr val="dk2"/>
-            </a:solidFill>
-            <a:prstDash val="solid"/>
-            <a:round/>
-            <a:headEnd len="med" w="med" type="none"/>
-            <a:tailEnd len="med" w="med" type="none"/>
-          </a:ln>
-          <a:effectLst>
-            <a:outerShdw blurRad="57150" rotWithShape="0" algn="bl" dir="5400000" dist="19050">
-              <a:srgbClr val="000000">
-                <a:alpha val="50000"/>
-              </a:srgbClr>
-            </a:outerShdw>
-          </a:effectLst>
-        </p:spPr>
-      </p:cxnSp>
-      <p:sp>
-        <p:nvSpPr>
-          <p:cNvPr id="152" name="Google Shape;152;p16"/>
-          <p:cNvSpPr/>
-          <p:nvPr/>
-        </p:nvSpPr>
-        <p:spPr>
-          <a:xfrm>
-            <a:off x="2850275" y="3831875"/>
-            <a:ext cx="1983000" cy="700800"/>
-          </a:xfrm>
-          <a:prstGeom prst="round2DiagRect">
-            <a:avLst>
-              <a:gd fmla="val 16667" name="adj1"/>
-              <a:gd fmla="val 50000" name="adj2"/>
-            </a:avLst>
-          </a:prstGeom>
-          <a:gradFill>
-            <a:gsLst>
-              <a:gs pos="0">
-                <a:srgbClr val="FFFFFF"/>
-              </a:gs>
-              <a:gs pos="100000">
-                <a:srgbClr val="B3B3B3"/>
-              </a:gs>
-            </a:gsLst>
-            <a:lin ang="5400012" scaled="0"/>
-          </a:gradFill>
-          <a:ln cap="flat" cmpd="sng" w="9525">
-            <a:solidFill>
-              <a:schemeClr val="dk2"/>
-            </a:solidFill>
-            <a:prstDash val="solid"/>
-            <a:round/>
-            <a:headEnd len="sm" w="sm" type="none"/>
-            <a:tailEnd len="sm" w="sm" type="none"/>
-          </a:ln>
-          <a:effectLst>
-            <a:outerShdw blurRad="57150" rotWithShape="0" algn="bl" dir="5400000" dist="19050">
-              <a:srgbClr val="000000">
-                <a:alpha val="50000"/>
-              </a:srgbClr>
-            </a:outerShdw>
-          </a:effectLst>
-        </p:spPr>
-        <p:txBody>
-          <a:bodyPr anchorCtr="0" anchor="ctr" bIns="91425" lIns="91425" spcFirstLastPara="1" rIns="91425" wrap="square" tIns="91425">
-            <a:noAutofit/>
-          </a:bodyPr>
-          <a:lstStyle/>
-          <a:p>
-            <a:pPr indent="-317500" lvl="0" marL="457200" rtl="0" algn="l">
-              <a:spcBef>
-                <a:spcPts val="0"/>
-              </a:spcBef>
-              <a:spcAft>
-                <a:spcPts val="0"/>
-              </a:spcAft>
-              <a:buSzPts val="1400"/>
-              <a:buChar char="★"/>
-            </a:pPr>
-            <a:r>
-              <a:rPr lang="pt-BR"/>
-              <a:t>Realizar o controle sobre valores </a:t>
-            </a:r>
-            <a:endParaRPr/>
-          </a:p>
-        </p:txBody>
-      </p:sp>
     </p:spTree>
   </p:cSld>
   <p:clrMapOvr>
@@ -10056,7 +9772,7 @@
   <p:cSld>
     <p:spTree>
       <p:nvGrpSpPr>
-        <p:cNvPr id="157" name="Shape 157"/>
+        <p:cNvPr id="149" name="Shape 149"/>
         <p:cNvGrpSpPr/>
         <p:nvPr/>
       </p:nvGrpSpPr>
@@ -10070,7 +9786,7 @@
       </p:grpSpPr>
       <p:graphicFrame>
         <p:nvGraphicFramePr>
-          <p:cNvPr id="158" name="Google Shape;158;p17"/>
+          <p:cNvPr id="150" name="Google Shape;150;p17"/>
           <p:cNvGraphicFramePr/>
           <p:nvPr/>
         </p:nvGraphicFramePr>
@@ -10083,7 +9799,7 @@
             <a:tbl>
               <a:tblPr>
                 <a:noFill/>
-                <a:tableStyleId>{89AB8DBA-161A-4D77-BEC6-DCD94DAC001D}</a:tableStyleId>
+                <a:tableStyleId>{1DA40BAF-7AB1-4440-BBFD-B93FD0CB0D01}</a:tableStyleId>
               </a:tblPr>
               <a:tblGrid>
                 <a:gridCol w="8913900"/>
@@ -10234,7 +9950,7 @@
       </p:graphicFrame>
       <p:sp>
         <p:nvSpPr>
-          <p:cNvPr id="159" name="Google Shape;159;p17"/>
+          <p:cNvPr id="151" name="Google Shape;151;p17"/>
           <p:cNvSpPr/>
           <p:nvPr/>
         </p:nvSpPr>
@@ -10302,7 +10018,7 @@
       </p:sp>
       <p:grpSp>
         <p:nvGrpSpPr>
-          <p:cNvPr id="160" name="Google Shape;160;p17"/>
+          <p:cNvPr id="152" name="Google Shape;152;p17"/>
           <p:cNvGrpSpPr/>
           <p:nvPr/>
         </p:nvGrpSpPr>
@@ -10316,7 +10032,7 @@
         </p:grpSpPr>
         <p:grpSp>
           <p:nvGrpSpPr>
-            <p:cNvPr id="161" name="Google Shape;161;p17"/>
+            <p:cNvPr id="153" name="Google Shape;153;p17"/>
             <p:cNvGrpSpPr/>
             <p:nvPr/>
           </p:nvGrpSpPr>
@@ -10330,7 +10046,7 @@
           </p:grpSpPr>
           <p:sp>
             <p:nvSpPr>
-              <p:cNvPr id="162" name="Google Shape;162;p17"/>
+              <p:cNvPr id="154" name="Google Shape;154;p17"/>
               <p:cNvSpPr/>
               <p:nvPr/>
             </p:nvSpPr>
@@ -10386,9 +10102,9 @@
           </p:sp>
           <p:cxnSp>
             <p:nvCxnSpPr>
-              <p:cNvPr id="163" name="Google Shape;163;p17"/>
+              <p:cNvPr id="155" name="Google Shape;155;p17"/>
               <p:cNvCxnSpPr>
-                <a:stCxn id="162" idx="4"/>
+                <a:stCxn id="154" idx="4"/>
               </p:cNvCxnSpPr>
               <p:nvPr/>
             </p:nvCxnSpPr>
@@ -10421,7 +10137,7 @@
           </p:cxnSp>
           <p:cxnSp>
             <p:nvCxnSpPr>
-              <p:cNvPr id="164" name="Google Shape;164;p17"/>
+              <p:cNvPr id="156" name="Google Shape;156;p17"/>
               <p:cNvCxnSpPr/>
               <p:nvPr/>
             </p:nvCxnSpPr>
@@ -10454,7 +10170,7 @@
           </p:cxnSp>
           <p:cxnSp>
             <p:nvCxnSpPr>
-              <p:cNvPr id="165" name="Google Shape;165;p17"/>
+              <p:cNvPr id="157" name="Google Shape;157;p17"/>
               <p:cNvCxnSpPr/>
               <p:nvPr/>
             </p:nvCxnSpPr>
@@ -10487,7 +10203,7 @@
           </p:cxnSp>
           <p:cxnSp>
             <p:nvCxnSpPr>
-              <p:cNvPr id="166" name="Google Shape;166;p17"/>
+              <p:cNvPr id="158" name="Google Shape;158;p17"/>
               <p:cNvCxnSpPr/>
               <p:nvPr/>
             </p:nvCxnSpPr>
@@ -10521,7 +10237,7 @@
         </p:grpSp>
         <p:sp>
           <p:nvSpPr>
-            <p:cNvPr id="167" name="Google Shape;167;p17"/>
+            <p:cNvPr id="159" name="Google Shape;159;p17"/>
             <p:cNvSpPr txBox="1"/>
             <p:nvPr/>
           </p:nvSpPr>
@@ -10571,10 +10287,10 @@
       </p:grpSp>
       <p:cxnSp>
         <p:nvCxnSpPr>
-          <p:cNvPr id="168" name="Google Shape;168;p17"/>
+          <p:cNvPr id="160" name="Google Shape;160;p17"/>
           <p:cNvCxnSpPr>
-            <a:stCxn id="162" idx="0"/>
-            <a:endCxn id="159" idx="2"/>
+            <a:stCxn id="154" idx="0"/>
+            <a:endCxn id="151" idx="2"/>
           </p:cNvCxnSpPr>
           <p:nvPr/>
         </p:nvCxnSpPr>
@@ -10609,7 +10325,7 @@
       </p:cxnSp>
       <p:sp>
         <p:nvSpPr>
-          <p:cNvPr id="169" name="Google Shape;169;p17"/>
+          <p:cNvPr id="161" name="Google Shape;161;p17"/>
           <p:cNvSpPr/>
           <p:nvPr/>
         </p:nvSpPr>
@@ -10676,10 +10392,10 @@
       </p:sp>
       <p:cxnSp>
         <p:nvCxnSpPr>
-          <p:cNvPr id="170" name="Google Shape;170;p17"/>
+          <p:cNvPr id="162" name="Google Shape;162;p17"/>
           <p:cNvCxnSpPr>
-            <a:stCxn id="169" idx="2"/>
-            <a:endCxn id="171" idx="3"/>
+            <a:stCxn id="161" idx="2"/>
+            <a:endCxn id="163" idx="3"/>
           </p:cNvCxnSpPr>
           <p:nvPr/>
         </p:nvCxnSpPr>
@@ -10714,10 +10430,10 @@
       </p:cxnSp>
       <p:cxnSp>
         <p:nvCxnSpPr>
-          <p:cNvPr id="172" name="Google Shape;172;p17"/>
+          <p:cNvPr id="164" name="Google Shape;164;p17"/>
           <p:cNvCxnSpPr>
-            <a:stCxn id="159" idx="2"/>
-            <a:endCxn id="169" idx="0"/>
+            <a:stCxn id="151" idx="2"/>
+            <a:endCxn id="161" idx="0"/>
           </p:cNvCxnSpPr>
           <p:nvPr/>
         </p:nvCxnSpPr>
@@ -10752,7 +10468,7 @@
       </p:cxnSp>
       <p:sp>
         <p:nvSpPr>
-          <p:cNvPr id="171" name="Google Shape;171;p17"/>
+          <p:cNvPr id="163" name="Google Shape;163;p17"/>
           <p:cNvSpPr/>
           <p:nvPr/>
         </p:nvSpPr>
@@ -10821,7 +10537,7 @@
       </p:sp>
       <p:sp>
         <p:nvSpPr>
-          <p:cNvPr id="173" name="Google Shape;173;p17"/>
+          <p:cNvPr id="165" name="Google Shape;165;p17"/>
           <p:cNvSpPr/>
           <p:nvPr/>
         </p:nvSpPr>
@@ -10898,10 +10614,10 @@
       </p:sp>
       <p:cxnSp>
         <p:nvCxnSpPr>
-          <p:cNvPr id="174" name="Google Shape;174;p17"/>
+          <p:cNvPr id="166" name="Google Shape;166;p17"/>
           <p:cNvCxnSpPr>
-            <a:stCxn id="169" idx="2"/>
-            <a:endCxn id="173" idx="3"/>
+            <a:stCxn id="161" idx="2"/>
+            <a:endCxn id="165" idx="3"/>
           </p:cNvCxnSpPr>
           <p:nvPr/>
         </p:nvCxnSpPr>
@@ -10943,6 +10659,285 @@
 </file>
 
 <file path=ppt/theme/theme1.xml><?xml version="1.0" encoding="utf-8"?>
+<a:theme xmlns:a="http://schemas.openxmlformats.org/drawingml/2006/main" xmlns:r="http://schemas.openxmlformats.org/officeDocument/2006/relationships" name="Simple Light">
+  <a:themeElements>
+    <a:clrScheme name="Simple Light">
+      <a:dk1>
+        <a:srgbClr val="000000"/>
+      </a:dk1>
+      <a:lt1>
+        <a:srgbClr val="FFFFFF"/>
+      </a:lt1>
+      <a:dk2>
+        <a:srgbClr val="595959"/>
+      </a:dk2>
+      <a:lt2>
+        <a:srgbClr val="EEEEEE"/>
+      </a:lt2>
+      <a:accent1>
+        <a:srgbClr val="4285F4"/>
+      </a:accent1>
+      <a:accent2>
+        <a:srgbClr val="212121"/>
+      </a:accent2>
+      <a:accent3>
+        <a:srgbClr val="78909C"/>
+      </a:accent3>
+      <a:accent4>
+        <a:srgbClr val="FFAB40"/>
+      </a:accent4>
+      <a:accent5>
+        <a:srgbClr val="0097A7"/>
+      </a:accent5>
+      <a:accent6>
+        <a:srgbClr val="EEFF41"/>
+      </a:accent6>
+      <a:hlink>
+        <a:srgbClr val="0097A7"/>
+      </a:hlink>
+      <a:folHlink>
+        <a:srgbClr val="0097A7"/>
+      </a:folHlink>
+    </a:clrScheme>
+    <a:fontScheme name="Office">
+      <a:majorFont>
+        <a:latin typeface="Arial"/>
+        <a:ea typeface=""/>
+        <a:cs typeface=""/>
+        <a:font script="Jpan" typeface="ＭＳ Ｐゴシック"/>
+        <a:font script="Hang" typeface="맑은 고딕"/>
+        <a:font script="Hans" typeface="宋体"/>
+        <a:font script="Hant" typeface="新細明體"/>
+        <a:font script="Arab" typeface="Times New Roman"/>
+        <a:font script="Hebr" typeface="Times New Roman"/>
+        <a:font script="Thai" typeface="Angsana New"/>
+        <a:font script="Ethi" typeface="Nyala"/>
+        <a:font script="Beng" typeface="Vrinda"/>
+        <a:font script="Gujr" typeface="Shruti"/>
+        <a:font script="Khmr" typeface="MoolBoran"/>
+        <a:font script="Knda" typeface="Tunga"/>
+        <a:font script="Guru" typeface="Raavi"/>
+        <a:font script="Cans" typeface="Euphemia"/>
+        <a:font script="Cher" typeface="Plantagenet Cherokee"/>
+        <a:font script="Yiii" typeface="Microsoft Yi Baiti"/>
+        <a:font script="Tibt" typeface="Microsoft Himalaya"/>
+        <a:font script="Thaa" typeface="MV Boli"/>
+        <a:font script="Deva" typeface="Mangal"/>
+        <a:font script="Telu" typeface="Gautami"/>
+        <a:font script="Taml" typeface="Latha"/>
+        <a:font script="Syrc" typeface="Estrangelo Edessa"/>
+        <a:font script="Orya" typeface="Kalinga"/>
+        <a:font script="Mlym" typeface="Kartika"/>
+        <a:font script="Laoo" typeface="DokChampa"/>
+        <a:font script="Sinh" typeface="Iskoola Pota"/>
+        <a:font script="Mong" typeface="Mongolian Baiti"/>
+        <a:font script="Viet" typeface="Times New Roman"/>
+        <a:font script="Uigh" typeface="Microsoft Uighur"/>
+        <a:font script="Geor" typeface="Sylfaen"/>
+      </a:majorFont>
+      <a:minorFont>
+        <a:latin typeface="Arial"/>
+        <a:ea typeface=""/>
+        <a:cs typeface=""/>
+        <a:font script="Jpan" typeface="ＭＳ Ｐゴシック"/>
+        <a:font script="Hang" typeface="맑은 고딕"/>
+        <a:font script="Hans" typeface="宋体"/>
+        <a:font script="Hant" typeface="新細明體"/>
+        <a:font script="Arab" typeface="Arial"/>
+        <a:font script="Hebr" typeface="Arial"/>
+        <a:font script="Thai" typeface="Cordia New"/>
+        <a:font script="Ethi" typeface="Nyala"/>
+        <a:font script="Beng" typeface="Vrinda"/>
+        <a:font script="Gujr" typeface="Shruti"/>
+        <a:font script="Khmr" typeface="DaunPenh"/>
+        <a:font script="Knda" typeface="Tunga"/>
+        <a:font script="Guru" typeface="Raavi"/>
+        <a:font script="Cans" typeface="Euphemia"/>
+        <a:font script="Cher" typeface="Plantagenet Cherokee"/>
+        <a:font script="Yiii" typeface="Microsoft Yi Baiti"/>
+        <a:font script="Tibt" typeface="Microsoft Himalaya"/>
+        <a:font script="Thaa" typeface="MV Boli"/>
+        <a:font script="Deva" typeface="Mangal"/>
+        <a:font script="Telu" typeface="Gautami"/>
+        <a:font script="Taml" typeface="Latha"/>
+        <a:font script="Syrc" typeface="Estrangelo Edessa"/>
+        <a:font script="Orya" typeface="Kalinga"/>
+        <a:font script="Mlym" typeface="Kartika"/>
+        <a:font script="Laoo" typeface="DokChampa"/>
+        <a:font script="Sinh" typeface="Iskoola Pota"/>
+        <a:font script="Mong" typeface="Mongolian Baiti"/>
+        <a:font script="Viet" typeface="Arial"/>
+        <a:font script="Uigh" typeface="Microsoft Uighur"/>
+        <a:font script="Geor" typeface="Sylfaen"/>
+      </a:minorFont>
+    </a:fontScheme>
+    <a:fmtScheme name="Office">
+      <a:fillStyleLst>
+        <a:solidFill>
+          <a:schemeClr val="phClr"/>
+        </a:solidFill>
+        <a:gradFill rotWithShape="1">
+          <a:gsLst>
+            <a:gs pos="0">
+              <a:schemeClr val="phClr">
+                <a:tint val="50000"/>
+                <a:satMod val="300000"/>
+              </a:schemeClr>
+            </a:gs>
+            <a:gs pos="35000">
+              <a:schemeClr val="phClr">
+                <a:tint val="37000"/>
+                <a:satMod val="300000"/>
+              </a:schemeClr>
+            </a:gs>
+            <a:gs pos="100000">
+              <a:schemeClr val="phClr">
+                <a:tint val="15000"/>
+                <a:satMod val="350000"/>
+              </a:schemeClr>
+            </a:gs>
+          </a:gsLst>
+          <a:lin ang="16200000" scaled="1"/>
+        </a:gradFill>
+        <a:gradFill rotWithShape="1">
+          <a:gsLst>
+            <a:gs pos="0">
+              <a:schemeClr val="phClr">
+                <a:tint val="100000"/>
+                <a:shade val="100000"/>
+                <a:satMod val="130000"/>
+              </a:schemeClr>
+            </a:gs>
+            <a:gs pos="100000">
+              <a:schemeClr val="phClr">
+                <a:tint val="50000"/>
+                <a:shade val="100000"/>
+                <a:satMod val="350000"/>
+              </a:schemeClr>
+            </a:gs>
+          </a:gsLst>
+          <a:lin ang="16200000" scaled="0"/>
+        </a:gradFill>
+      </a:fillStyleLst>
+      <a:lnStyleLst>
+        <a:ln w="9525" cap="flat" cmpd="sng" algn="ctr">
+          <a:solidFill>
+            <a:schemeClr val="phClr">
+              <a:shade val="95000"/>
+              <a:satMod val="105000"/>
+            </a:schemeClr>
+          </a:solidFill>
+          <a:prstDash val="solid"/>
+        </a:ln>
+        <a:ln w="25400" cap="flat" cmpd="sng" algn="ctr">
+          <a:solidFill>
+            <a:schemeClr val="phClr"/>
+          </a:solidFill>
+          <a:prstDash val="solid"/>
+        </a:ln>
+        <a:ln w="38100" cap="flat" cmpd="sng" algn="ctr">
+          <a:solidFill>
+            <a:schemeClr val="phClr"/>
+          </a:solidFill>
+          <a:prstDash val="solid"/>
+        </a:ln>
+      </a:lnStyleLst>
+      <a:effectStyleLst>
+        <a:effectStyle>
+          <a:effectLst>
+            <a:outerShdw blurRad="40000" dist="20000" dir="5400000" rotWithShape="0">
+              <a:srgbClr val="000000">
+                <a:alpha val="38000"/>
+              </a:srgbClr>
+            </a:outerShdw>
+          </a:effectLst>
+        </a:effectStyle>
+        <a:effectStyle>
+          <a:effectLst>
+            <a:outerShdw blurRad="40000" dist="23000" dir="5400000" rotWithShape="0">
+              <a:srgbClr val="000000">
+                <a:alpha val="35000"/>
+              </a:srgbClr>
+            </a:outerShdw>
+          </a:effectLst>
+        </a:effectStyle>
+        <a:effectStyle>
+          <a:effectLst>
+            <a:outerShdw blurRad="40000" dist="23000" dir="5400000" rotWithShape="0">
+              <a:srgbClr val="000000">
+                <a:alpha val="35000"/>
+              </a:srgbClr>
+            </a:outerShdw>
+          </a:effectLst>
+          <a:scene3d>
+            <a:camera prst="orthographicFront">
+              <a:rot lat="0" lon="0" rev="0"/>
+            </a:camera>
+            <a:lightRig rig="threePt" dir="t">
+              <a:rot lat="0" lon="0" rev="1200000"/>
+            </a:lightRig>
+          </a:scene3d>
+          <a:sp3d>
+            <a:bevelT w="63500" h="25400"/>
+          </a:sp3d>
+        </a:effectStyle>
+      </a:effectStyleLst>
+      <a:bgFillStyleLst>
+        <a:solidFill>
+          <a:schemeClr val="phClr"/>
+        </a:solidFill>
+        <a:gradFill rotWithShape="1">
+          <a:gsLst>
+            <a:gs pos="0">
+              <a:schemeClr val="phClr">
+                <a:tint val="40000"/>
+                <a:satMod val="350000"/>
+              </a:schemeClr>
+            </a:gs>
+            <a:gs pos="40000">
+              <a:schemeClr val="phClr">
+                <a:tint val="45000"/>
+                <a:shade val="99000"/>
+                <a:satMod val="350000"/>
+              </a:schemeClr>
+            </a:gs>
+            <a:gs pos="100000">
+              <a:schemeClr val="phClr">
+                <a:shade val="20000"/>
+                <a:satMod val="255000"/>
+              </a:schemeClr>
+            </a:gs>
+          </a:gsLst>
+          <a:path path="circle">
+            <a:fillToRect l="50000" t="-80000" r="50000" b="180000"/>
+          </a:path>
+        </a:gradFill>
+        <a:gradFill rotWithShape="1">
+          <a:gsLst>
+            <a:gs pos="0">
+              <a:schemeClr val="phClr">
+                <a:tint val="80000"/>
+                <a:satMod val="300000"/>
+              </a:schemeClr>
+            </a:gs>
+            <a:gs pos="100000">
+              <a:schemeClr val="phClr">
+                <a:shade val="30000"/>
+                <a:satMod val="200000"/>
+              </a:schemeClr>
+            </a:gs>
+          </a:gsLst>
+          <a:path path="circle">
+            <a:fillToRect l="50000" t="50000" r="50000" b="50000"/>
+          </a:path>
+        </a:gradFill>
+      </a:bgFillStyleLst>
+    </a:fmtScheme>
+  </a:themeElements>
+</a:theme>
+</file>
+
+<file path=ppt/theme/theme2.xml><?xml version="1.0" encoding="utf-8"?>
 <a:theme xmlns:a="http://schemas.openxmlformats.org/drawingml/2006/main" xmlns:r="http://schemas.openxmlformats.org/officeDocument/2006/relationships">
   <a:themeElements>
     <a:clrScheme name="Default">
@@ -11219,283 +11214,4 @@
     </a:fmtScheme>
   </a:themeElements>
 </a:theme>
-</file>
-
-<file path=ppt/theme/theme2.xml><?xml version="1.0" encoding="utf-8"?>
-<a:theme xmlns:a="http://schemas.openxmlformats.org/drawingml/2006/main" xmlns:r="http://schemas.openxmlformats.org/officeDocument/2006/relationships" name="Simple Light">
-  <a:themeElements>
-    <a:clrScheme name="Simple Light">
-      <a:dk1>
-        <a:srgbClr val="000000"/>
-      </a:dk1>
-      <a:lt1>
-        <a:srgbClr val="FFFFFF"/>
-      </a:lt1>
-      <a:dk2>
-        <a:srgbClr val="595959"/>
-      </a:dk2>
-      <a:lt2>
-        <a:srgbClr val="EEEEEE"/>
-      </a:lt2>
-      <a:accent1>
-        <a:srgbClr val="4285F4"/>
-      </a:accent1>
-      <a:accent2>
-        <a:srgbClr val="212121"/>
-      </a:accent2>
-      <a:accent3>
-        <a:srgbClr val="78909C"/>
-      </a:accent3>
-      <a:accent4>
-        <a:srgbClr val="FFAB40"/>
-      </a:accent4>
-      <a:accent5>
-        <a:srgbClr val="0097A7"/>
-      </a:accent5>
-      <a:accent6>
-        <a:srgbClr val="EEFF41"/>
-      </a:accent6>
-      <a:hlink>
-        <a:srgbClr val="0097A7"/>
-      </a:hlink>
-      <a:folHlink>
-        <a:srgbClr val="0097A7"/>
-      </a:folHlink>
-    </a:clrScheme>
-    <a:fontScheme name="Office">
-      <a:majorFont>
-        <a:latin typeface="Arial"/>
-        <a:ea typeface=""/>
-        <a:cs typeface=""/>
-        <a:font script="Jpan" typeface="ＭＳ Ｐゴシック"/>
-        <a:font script="Hang" typeface="맑은 고딕"/>
-        <a:font script="Hans" typeface="宋体"/>
-        <a:font script="Hant" typeface="新細明體"/>
-        <a:font script="Arab" typeface="Times New Roman"/>
-        <a:font script="Hebr" typeface="Times New Roman"/>
-        <a:font script="Thai" typeface="Angsana New"/>
-        <a:font script="Ethi" typeface="Nyala"/>
-        <a:font script="Beng" typeface="Vrinda"/>
-        <a:font script="Gujr" typeface="Shruti"/>
-        <a:font script="Khmr" typeface="MoolBoran"/>
-        <a:font script="Knda" typeface="Tunga"/>
-        <a:font script="Guru" typeface="Raavi"/>
-        <a:font script="Cans" typeface="Euphemia"/>
-        <a:font script="Cher" typeface="Plantagenet Cherokee"/>
-        <a:font script="Yiii" typeface="Microsoft Yi Baiti"/>
-        <a:font script="Tibt" typeface="Microsoft Himalaya"/>
-        <a:font script="Thaa" typeface="MV Boli"/>
-        <a:font script="Deva" typeface="Mangal"/>
-        <a:font script="Telu" typeface="Gautami"/>
-        <a:font script="Taml" typeface="Latha"/>
-        <a:font script="Syrc" typeface="Estrangelo Edessa"/>
-        <a:font script="Orya" typeface="Kalinga"/>
-        <a:font script="Mlym" typeface="Kartika"/>
-        <a:font script="Laoo" typeface="DokChampa"/>
-        <a:font script="Sinh" typeface="Iskoola Pota"/>
-        <a:font script="Mong" typeface="Mongolian Baiti"/>
-        <a:font script="Viet" typeface="Times New Roman"/>
-        <a:font script="Uigh" typeface="Microsoft Uighur"/>
-        <a:font script="Geor" typeface="Sylfaen"/>
-      </a:majorFont>
-      <a:minorFont>
-        <a:latin typeface="Arial"/>
-        <a:ea typeface=""/>
-        <a:cs typeface=""/>
-        <a:font script="Jpan" typeface="ＭＳ Ｐゴシック"/>
-        <a:font script="Hang" typeface="맑은 고딕"/>
-        <a:font script="Hans" typeface="宋体"/>
-        <a:font script="Hant" typeface="新細明體"/>
-        <a:font script="Arab" typeface="Arial"/>
-        <a:font script="Hebr" typeface="Arial"/>
-        <a:font script="Thai" typeface="Cordia New"/>
-        <a:font script="Ethi" typeface="Nyala"/>
-        <a:font script="Beng" typeface="Vrinda"/>
-        <a:font script="Gujr" typeface="Shruti"/>
-        <a:font script="Khmr" typeface="DaunPenh"/>
-        <a:font script="Knda" typeface="Tunga"/>
-        <a:font script="Guru" typeface="Raavi"/>
-        <a:font script="Cans" typeface="Euphemia"/>
-        <a:font script="Cher" typeface="Plantagenet Cherokee"/>
-        <a:font script="Yiii" typeface="Microsoft Yi Baiti"/>
-        <a:font script="Tibt" typeface="Microsoft Himalaya"/>
-        <a:font script="Thaa" typeface="MV Boli"/>
-        <a:font script="Deva" typeface="Mangal"/>
-        <a:font script="Telu" typeface="Gautami"/>
-        <a:font script="Taml" typeface="Latha"/>
-        <a:font script="Syrc" typeface="Estrangelo Edessa"/>
-        <a:font script="Orya" typeface="Kalinga"/>
-        <a:font script="Mlym" typeface="Kartika"/>
-        <a:font script="Laoo" typeface="DokChampa"/>
-        <a:font script="Sinh" typeface="Iskoola Pota"/>
-        <a:font script="Mong" typeface="Mongolian Baiti"/>
-        <a:font script="Viet" typeface="Arial"/>
-        <a:font script="Uigh" typeface="Microsoft Uighur"/>
-        <a:font script="Geor" typeface="Sylfaen"/>
-      </a:minorFont>
-    </a:fontScheme>
-    <a:fmtScheme name="Office">
-      <a:fillStyleLst>
-        <a:solidFill>
-          <a:schemeClr val="phClr"/>
-        </a:solidFill>
-        <a:gradFill rotWithShape="1">
-          <a:gsLst>
-            <a:gs pos="0">
-              <a:schemeClr val="phClr">
-                <a:tint val="50000"/>
-                <a:satMod val="300000"/>
-              </a:schemeClr>
-            </a:gs>
-            <a:gs pos="35000">
-              <a:schemeClr val="phClr">
-                <a:tint val="37000"/>
-                <a:satMod val="300000"/>
-              </a:schemeClr>
-            </a:gs>
-            <a:gs pos="100000">
-              <a:schemeClr val="phClr">
-                <a:tint val="15000"/>
-                <a:satMod val="350000"/>
-              </a:schemeClr>
-            </a:gs>
-          </a:gsLst>
-          <a:lin ang="16200000" scaled="1"/>
-        </a:gradFill>
-        <a:gradFill rotWithShape="1">
-          <a:gsLst>
-            <a:gs pos="0">
-              <a:schemeClr val="phClr">
-                <a:tint val="100000"/>
-                <a:shade val="100000"/>
-                <a:satMod val="130000"/>
-              </a:schemeClr>
-            </a:gs>
-            <a:gs pos="100000">
-              <a:schemeClr val="phClr">
-                <a:tint val="50000"/>
-                <a:shade val="100000"/>
-                <a:satMod val="350000"/>
-              </a:schemeClr>
-            </a:gs>
-          </a:gsLst>
-          <a:lin ang="16200000" scaled="0"/>
-        </a:gradFill>
-      </a:fillStyleLst>
-      <a:lnStyleLst>
-        <a:ln w="9525" cap="flat" cmpd="sng" algn="ctr">
-          <a:solidFill>
-            <a:schemeClr val="phClr">
-              <a:shade val="95000"/>
-              <a:satMod val="105000"/>
-            </a:schemeClr>
-          </a:solidFill>
-          <a:prstDash val="solid"/>
-        </a:ln>
-        <a:ln w="25400" cap="flat" cmpd="sng" algn="ctr">
-          <a:solidFill>
-            <a:schemeClr val="phClr"/>
-          </a:solidFill>
-          <a:prstDash val="solid"/>
-        </a:ln>
-        <a:ln w="38100" cap="flat" cmpd="sng" algn="ctr">
-          <a:solidFill>
-            <a:schemeClr val="phClr"/>
-          </a:solidFill>
-          <a:prstDash val="solid"/>
-        </a:ln>
-      </a:lnStyleLst>
-      <a:effectStyleLst>
-        <a:effectStyle>
-          <a:effectLst>
-            <a:outerShdw blurRad="40000" dist="20000" dir="5400000" rotWithShape="0">
-              <a:srgbClr val="000000">
-                <a:alpha val="38000"/>
-              </a:srgbClr>
-            </a:outerShdw>
-          </a:effectLst>
-        </a:effectStyle>
-        <a:effectStyle>
-          <a:effectLst>
-            <a:outerShdw blurRad="40000" dist="23000" dir="5400000" rotWithShape="0">
-              <a:srgbClr val="000000">
-                <a:alpha val="35000"/>
-              </a:srgbClr>
-            </a:outerShdw>
-          </a:effectLst>
-        </a:effectStyle>
-        <a:effectStyle>
-          <a:effectLst>
-            <a:outerShdw blurRad="40000" dist="23000" dir="5400000" rotWithShape="0">
-              <a:srgbClr val="000000">
-                <a:alpha val="35000"/>
-              </a:srgbClr>
-            </a:outerShdw>
-          </a:effectLst>
-          <a:scene3d>
-            <a:camera prst="orthographicFront">
-              <a:rot lat="0" lon="0" rev="0"/>
-            </a:camera>
-            <a:lightRig rig="threePt" dir="t">
-              <a:rot lat="0" lon="0" rev="1200000"/>
-            </a:lightRig>
-          </a:scene3d>
-          <a:sp3d>
-            <a:bevelT w="63500" h="25400"/>
-          </a:sp3d>
-        </a:effectStyle>
-      </a:effectStyleLst>
-      <a:bgFillStyleLst>
-        <a:solidFill>
-          <a:schemeClr val="phClr"/>
-        </a:solidFill>
-        <a:gradFill rotWithShape="1">
-          <a:gsLst>
-            <a:gs pos="0">
-              <a:schemeClr val="phClr">
-                <a:tint val="40000"/>
-                <a:satMod val="350000"/>
-              </a:schemeClr>
-            </a:gs>
-            <a:gs pos="40000">
-              <a:schemeClr val="phClr">
-                <a:tint val="45000"/>
-                <a:shade val="99000"/>
-                <a:satMod val="350000"/>
-              </a:schemeClr>
-            </a:gs>
-            <a:gs pos="100000">
-              <a:schemeClr val="phClr">
-                <a:shade val="20000"/>
-                <a:satMod val="255000"/>
-              </a:schemeClr>
-            </a:gs>
-          </a:gsLst>
-          <a:path path="circle">
-            <a:fillToRect l="50000" t="-80000" r="50000" b="180000"/>
-          </a:path>
-        </a:gradFill>
-        <a:gradFill rotWithShape="1">
-          <a:gsLst>
-            <a:gs pos="0">
-              <a:schemeClr val="phClr">
-                <a:tint val="80000"/>
-                <a:satMod val="300000"/>
-              </a:schemeClr>
-            </a:gs>
-            <a:gs pos="100000">
-              <a:schemeClr val="phClr">
-                <a:shade val="30000"/>
-                <a:satMod val="200000"/>
-              </a:schemeClr>
-            </a:gs>
-          </a:gsLst>
-          <a:path path="circle">
-            <a:fillToRect l="50000" t="50000" r="50000" b="50000"/>
-          </a:path>
-        </a:gradFill>
-      </a:bgFillStyleLst>
-    </a:fmtScheme>
-  </a:themeElements>
-</a:theme>
 </file>
--- a/15. Arquitetura de Negócio para cada Cenário.pptx
+++ b/15. Arquitetura de Negócio para cada Cenário.pptx
@@ -13,6 +13,7 @@
     <p:sldId id="258" r:id="rId9"/>
     <p:sldId id="259" r:id="rId10"/>
     <p:sldId id="260" r:id="rId11"/>
+    <p:sldId id="261" r:id="rId12"/>
   </p:sldIdLst>
   <p:sldSz cy="5143500" cx="9144000"/>
   <p:notesSz cx="6858000" cy="9144000"/>
@@ -1003,7 +1004,7 @@
       </p:grpSpPr>
       <p:sp>
         <p:nvSpPr>
-          <p:cNvPr id="107" name="Google Shape;107;gc792445ec6_0_20:notes"/>
+          <p:cNvPr id="107" name="Google Shape;107;gd08d902644_0_0:notes"/>
           <p:cNvSpPr/>
           <p:nvPr>
             <p:ph idx="2" type="sldImg"/>
@@ -1038,7 +1039,7 @@
       </p:sp>
       <p:sp>
         <p:nvSpPr>
-          <p:cNvPr id="108" name="Google Shape;108;gc792445ec6_0_20:notes"/>
+          <p:cNvPr id="108" name="Google Shape;108;gd08d902644_0_0:notes"/>
           <p:cNvSpPr txBox="1"/>
           <p:nvPr>
             <p:ph idx="1" type="body"/>
@@ -1088,7 +1089,7 @@
   <p:cSld>
     <p:spTree>
       <p:nvGrpSpPr>
-        <p:cNvPr id="127" name="Shape 127"/>
+        <p:cNvPr id="125" name="Shape 125"/>
         <p:cNvGrpSpPr/>
         <p:nvPr/>
       </p:nvGrpSpPr>
@@ -1102,7 +1103,7 @@
       </p:grpSpPr>
       <p:sp>
         <p:nvSpPr>
-          <p:cNvPr id="128" name="Google Shape;128;gc593ba7a0f_3_39:notes"/>
+          <p:cNvPr id="126" name="Google Shape;126;gc792445ec6_0_20:notes"/>
           <p:cNvSpPr/>
           <p:nvPr>
             <p:ph idx="2" type="sldImg"/>
@@ -1137,7 +1138,7 @@
       </p:sp>
       <p:sp>
         <p:nvSpPr>
-          <p:cNvPr id="129" name="Google Shape;129;gc593ba7a0f_3_39:notes"/>
+          <p:cNvPr id="127" name="Google Shape;127;gc792445ec6_0_20:notes"/>
           <p:cNvSpPr txBox="1"/>
           <p:nvPr>
             <p:ph idx="1" type="body"/>
@@ -1201,7 +1202,7 @@
       </p:grpSpPr>
       <p:sp>
         <p:nvSpPr>
-          <p:cNvPr id="147" name="Google Shape;147;gc593ba7a0f_5_33:notes"/>
+          <p:cNvPr id="147" name="Google Shape;147;gc593ba7a0f_3_39:notes"/>
           <p:cNvSpPr/>
           <p:nvPr>
             <p:ph idx="2" type="sldImg"/>
@@ -1236,7 +1237,106 @@
       </p:sp>
       <p:sp>
         <p:nvSpPr>
-          <p:cNvPr id="148" name="Google Shape;148;gc593ba7a0f_5_33:notes"/>
+          <p:cNvPr id="148" name="Google Shape;148;gc593ba7a0f_3_39:notes"/>
+          <p:cNvSpPr txBox="1"/>
+          <p:nvPr>
+            <p:ph idx="1" type="body"/>
+          </p:nvPr>
+        </p:nvSpPr>
+        <p:spPr>
+          <a:xfrm>
+            <a:off x="685800" y="4343400"/>
+            <a:ext cx="5486400" cy="4114800"/>
+          </a:xfrm>
+          <a:prstGeom prst="rect">
+            <a:avLst/>
+          </a:prstGeom>
+        </p:spPr>
+        <p:txBody>
+          <a:bodyPr anchorCtr="0" anchor="t" bIns="91425" lIns="91425" spcFirstLastPara="1" rIns="91425" wrap="square" tIns="91425">
+            <a:noAutofit/>
+          </a:bodyPr>
+          <a:lstStyle/>
+          <a:p>
+            <a:pPr indent="0" lvl="0" marL="0" rtl="0" algn="l">
+              <a:spcBef>
+                <a:spcPts val="0"/>
+              </a:spcBef>
+              <a:spcAft>
+                <a:spcPts val="0"/>
+              </a:spcAft>
+              <a:buNone/>
+            </a:pPr>
+            <a:r>
+              <a:t/>
+            </a:r>
+            <a:endParaRPr/>
+          </a:p>
+        </p:txBody>
+      </p:sp>
+    </p:spTree>
+  </p:cSld>
+  <p:clrMapOvr>
+    <a:masterClrMapping/>
+  </p:clrMapOvr>
+</p:notes>
+</file>
+
+<file path=ppt/notesSlides/notesSlide6.xml><?xml version="1.0" encoding="utf-8"?>
+<p:notes xmlns:a="http://schemas.openxmlformats.org/drawingml/2006/main" xmlns:r="http://schemas.openxmlformats.org/officeDocument/2006/relationships" xmlns:mc="http://schemas.openxmlformats.org/markup-compatibility/2006" xmlns:mv="urn:schemas-microsoft-com:mac:vml" xmlns:p="http://schemas.openxmlformats.org/presentationml/2006/main" xmlns:c="http://schemas.openxmlformats.org/drawingml/2006/chart" xmlns:dgm="http://schemas.openxmlformats.org/drawingml/2006/diagram" xmlns:o="urn:schemas-microsoft-com:office:office" xmlns:v="urn:schemas-microsoft-com:vml" xmlns:pvml="urn:schemas-microsoft-com:office:powerpoint" xmlns:com="http://schemas.openxmlformats.org/drawingml/2006/compatibility" xmlns:p14="http://schemas.microsoft.com/office/powerpoint/2010/main" xmlns:p15="http://schemas.microsoft.com/office/powerpoint/2012/main" xmlns:ahyp="http://schemas.microsoft.com/office/drawing/2018/hyperlinkcolor" showMasterPhAnim="0" showMasterSp="0">
+  <p:cSld>
+    <p:spTree>
+      <p:nvGrpSpPr>
+        <p:cNvPr id="165" name="Shape 165"/>
+        <p:cNvGrpSpPr/>
+        <p:nvPr/>
+      </p:nvGrpSpPr>
+      <p:grpSpPr>
+        <a:xfrm>
+          <a:off x="0" y="0"/>
+          <a:ext cx="0" cy="0"/>
+          <a:chOff x="0" y="0"/>
+          <a:chExt cx="0" cy="0"/>
+        </a:xfrm>
+      </p:grpSpPr>
+      <p:sp>
+        <p:nvSpPr>
+          <p:cNvPr id="166" name="Google Shape;166;gc593ba7a0f_5_33:notes"/>
+          <p:cNvSpPr/>
+          <p:nvPr>
+            <p:ph idx="2" type="sldImg"/>
+          </p:nvPr>
+        </p:nvSpPr>
+        <p:spPr>
+          <a:xfrm>
+            <a:off x="381300" y="685800"/>
+            <a:ext cx="6096000" cy="3429000"/>
+          </a:xfrm>
+          <a:custGeom>
+            <a:rect b="b" l="l" r="r" t="t"/>
+            <a:pathLst>
+              <a:path extrusionOk="0" h="120000" w="120000">
+                <a:moveTo>
+                  <a:pt x="0" y="0"/>
+                </a:moveTo>
+                <a:lnTo>
+                  <a:pt x="120000" y="0"/>
+                </a:lnTo>
+                <a:lnTo>
+                  <a:pt x="120000" y="120000"/>
+                </a:lnTo>
+                <a:lnTo>
+                  <a:pt x="0" y="120000"/>
+                </a:lnTo>
+                <a:close/>
+              </a:path>
+            </a:pathLst>
+          </a:custGeom>
+        </p:spPr>
+      </p:sp>
+      <p:sp>
+        <p:nvSpPr>
+          <p:cNvPr id="167" name="Google Shape;167;gc593ba7a0f_5_33:notes"/>
           <p:cNvSpPr txBox="1"/>
           <p:nvPr>
             <p:ph idx="1" type="body"/>
@@ -6278,22 +6378,7 @@
               </a:pPr>
               <a:r>
                 <a:rPr b="1" lang="pt-BR" sz="1200"/>
-                <a:t>Gerente de Vendas</a:t>
-              </a:r>
-              <a:endParaRPr b="1" sz="1200"/>
-            </a:p>
-            <a:p>
-              <a:pPr indent="0" lvl="0" marL="0" rtl="0" algn="ctr">
-                <a:spcBef>
-                  <a:spcPts val="0"/>
-                </a:spcBef>
-                <a:spcAft>
-                  <a:spcPts val="0"/>
-                </a:spcAft>
-                <a:buNone/>
-              </a:pPr>
-              <a:r>
-                <a:t/>
+                <a:t>Lojista</a:t>
               </a:r>
               <a:endParaRPr b="1" sz="1200"/>
             </a:p>
@@ -6723,7 +6808,7 @@
         <p:spPr>
           <a:xfrm>
             <a:off x="3187175" y="1265925"/>
-            <a:ext cx="3000000" cy="692700"/>
+            <a:ext cx="3000000" cy="861900"/>
           </a:xfrm>
           <a:prstGeom prst="rect">
             <a:avLst/>
@@ -6787,6 +6872,34 @@
                 </a:solidFill>
               </a:rPr>
               <a:t>Gestão do estoque </a:t>
+            </a:r>
+            <a:endParaRPr sz="1100">
+              <a:solidFill>
+                <a:schemeClr val="dk1"/>
+              </a:solidFill>
+            </a:endParaRPr>
+          </a:p>
+          <a:p>
+            <a:pPr indent="-298450" lvl="0" marL="457200" rtl="0" algn="l">
+              <a:spcBef>
+                <a:spcPts val="0"/>
+              </a:spcBef>
+              <a:spcAft>
+                <a:spcPts val="0"/>
+              </a:spcAft>
+              <a:buClr>
+                <a:schemeClr val="dk1"/>
+              </a:buClr>
+              <a:buSzPts val="1100"/>
+              <a:buChar char="★"/>
+            </a:pPr>
+            <a:r>
+              <a:rPr lang="pt-BR" sz="1100">
+                <a:solidFill>
+                  <a:schemeClr val="dk1"/>
+                </a:solidFill>
+              </a:rPr>
+              <a:t>Gerenciamento de produtos</a:t>
             </a:r>
             <a:endParaRPr sz="1100">
               <a:solidFill>
@@ -7067,7 +7180,7 @@
             <a:tbl>
               <a:tblPr>
                 <a:noFill/>
-                <a:tableStyleId>{1DA40BAF-7AB1-4440-BBFD-B93FD0CB0D01}</a:tableStyleId>
+                <a:tableStyleId>{A4DF6366-7D52-4EBA-A316-8B02EAD39FEE}</a:tableStyleId>
               </a:tblPr>
               <a:tblGrid>
                 <a:gridCol w="8913900"/>
@@ -7546,7 +7659,7 @@
               </a:pPr>
               <a:r>
                 <a:rPr b="1" lang="pt-BR" sz="1200"/>
-                <a:t>Gerente de Vendas</a:t>
+                <a:t>Lojista</a:t>
               </a:r>
               <a:endParaRPr b="1" sz="1200"/>
             </a:p>
@@ -7795,7 +7908,7 @@
             </a:pPr>
             <a:r>
               <a:rPr lang="pt-BR" sz="1100"/>
-              <a:t>Orientar os clientes na compra dos produtos </a:t>
+              <a:t>Ajudar clientes com dúvida</a:t>
             </a:r>
             <a:endParaRPr sz="1100"/>
           </a:p>
@@ -8141,7 +8254,7 @@
             <a:tbl>
               <a:tblPr>
                 <a:noFill/>
-                <a:tableStyleId>{1DA40BAF-7AB1-4440-BBFD-B93FD0CB0D01}</a:tableStyleId>
+                <a:tableStyleId>{A4DF6366-7D52-4EBA-A316-8B02EAD39FEE}</a:tableStyleId>
               </a:tblPr>
               <a:tblGrid>
                 <a:gridCol w="8913900"/>
@@ -8352,7 +8465,7 @@
             </a:pPr>
             <a:r>
               <a:rPr lang="pt-BR"/>
-              <a:t>Gestão do estoque</a:t>
+              <a:t>Gerenciamento  de produtos</a:t>
             </a:r>
             <a:endParaRPr/>
           </a:p>
@@ -8366,7 +8479,7 @@
         </p:nvGrpSpPr>
         <p:grpSpPr>
           <a:xfrm>
-            <a:off x="2117772" y="2288272"/>
+            <a:off x="2019647" y="2288272"/>
             <a:ext cx="1134349" cy="922502"/>
             <a:chOff x="2852000" y="3424900"/>
             <a:chExt cx="1021200" cy="830484"/>
@@ -8620,7 +8733,7 @@
               </a:pPr>
               <a:r>
                 <a:rPr b="1" lang="pt-BR" sz="1200"/>
-                <a:t>Gerente de Vendas</a:t>
+                <a:t>Lojista</a:t>
               </a:r>
               <a:endParaRPr b="1" sz="1200"/>
             </a:p>
@@ -8638,8 +8751,8 @@
         </p:nvCxnSpPr>
         <p:spPr>
           <a:xfrm rot="-5400000">
-            <a:off x="2905933" y="622222"/>
-            <a:ext cx="1447200" cy="1884900"/>
+            <a:off x="2856858" y="573172"/>
+            <a:ext cx="1447200" cy="1983000"/>
           </a:xfrm>
           <a:prstGeom prst="curvedConnector3">
             <a:avLst>
@@ -8737,19 +8850,17 @@
           <p:cNvPr id="122" name="Google Shape;122;p15"/>
           <p:cNvCxnSpPr>
             <a:stCxn id="121" idx="2"/>
-            <a:endCxn id="123" idx="3"/>
+            <a:endCxn id="123" idx="2"/>
           </p:cNvCxnSpPr>
           <p:nvPr/>
         </p:nvCxnSpPr>
         <p:spPr>
           <a:xfrm flipH="1" rot="-5400000">
-            <a:off x="5321150" y="2555450"/>
-            <a:ext cx="826500" cy="1702500"/>
+            <a:off x="4650200" y="3226400"/>
+            <a:ext cx="1176900" cy="711000"/>
           </a:xfrm>
-          <a:prstGeom prst="curvedConnector3">
-            <a:avLst>
-              <a:gd fmla="val 50003" name="adj1"/>
-            </a:avLst>
+          <a:prstGeom prst="curvedConnector2">
+            <a:avLst/>
           </a:prstGeom>
           <a:noFill/>
           <a:ln cap="flat" cmpd="sng" w="9525">
@@ -8859,139 +8970,24 @@
           </a:bodyPr>
           <a:lstStyle/>
           <a:p>
-            <a:pPr indent="-285750" lvl="0" marL="457200" rtl="0" algn="l">
-              <a:spcBef>
-                <a:spcPts val="0"/>
-              </a:spcBef>
-              <a:spcAft>
-                <a:spcPts val="0"/>
-              </a:spcAft>
-              <a:buSzPts val="900"/>
+            <a:pPr indent="-298450" lvl="0" marL="457200" rtl="0" algn="l">
+              <a:spcBef>
+                <a:spcPts val="0"/>
+              </a:spcBef>
+              <a:spcAft>
+                <a:spcPts val="0"/>
+              </a:spcAft>
+              <a:buSzPts val="1100"/>
               <a:buChar char="★"/>
             </a:pPr>
             <a:r>
-              <a:rPr lang="pt-BR" sz="900">
-                <a:solidFill>
-                  <a:schemeClr val="dk1"/>
-                </a:solidFill>
-              </a:rPr>
-              <a:t>Comunicar a Dona do comércio sobre a demanda dos pedidos em estoque</a:t>
+              <a:rPr lang="pt-BR" sz="1100"/>
+              <a:t>Inserir/remover produtos </a:t>
             </a:r>
-            <a:endParaRPr sz="900"/>
+            <a:endParaRPr sz="1100"/>
           </a:p>
         </p:txBody>
       </p:sp>
-      <p:sp>
-        <p:nvSpPr>
-          <p:cNvPr id="125" name="Google Shape;125;p15"/>
-          <p:cNvSpPr/>
-          <p:nvPr/>
-        </p:nvSpPr>
-        <p:spPr>
-          <a:xfrm>
-            <a:off x="2443050" y="3820000"/>
-            <a:ext cx="1983000" cy="700800"/>
-          </a:xfrm>
-          <a:prstGeom prst="round2DiagRect">
-            <a:avLst>
-              <a:gd fmla="val 16667" name="adj1"/>
-              <a:gd fmla="val 50000" name="adj2"/>
-            </a:avLst>
-          </a:prstGeom>
-          <a:gradFill>
-            <a:gsLst>
-              <a:gs pos="0">
-                <a:srgbClr val="FFFFFF"/>
-              </a:gs>
-              <a:gs pos="100000">
-                <a:srgbClr val="B3B3B3"/>
-              </a:gs>
-            </a:gsLst>
-            <a:lin ang="5400012" scaled="0"/>
-          </a:gradFill>
-          <a:ln cap="flat" cmpd="sng" w="9525">
-            <a:solidFill>
-              <a:schemeClr val="dk2"/>
-            </a:solidFill>
-            <a:prstDash val="solid"/>
-            <a:round/>
-            <a:headEnd len="sm" w="sm" type="none"/>
-            <a:tailEnd len="sm" w="sm" type="none"/>
-          </a:ln>
-          <a:effectLst>
-            <a:outerShdw blurRad="57150" rotWithShape="0" algn="bl" dir="5400000" dist="19050">
-              <a:srgbClr val="000000">
-                <a:alpha val="50000"/>
-              </a:srgbClr>
-            </a:outerShdw>
-          </a:effectLst>
-        </p:spPr>
-        <p:txBody>
-          <a:bodyPr anchorCtr="0" anchor="ctr" bIns="91425" lIns="91425" spcFirstLastPara="1" rIns="91425" wrap="square" tIns="91425">
-            <a:noAutofit/>
-          </a:bodyPr>
-          <a:lstStyle/>
-          <a:p>
-            <a:pPr indent="-285750" lvl="0" marL="457200" rtl="0" algn="l">
-              <a:spcBef>
-                <a:spcPts val="0"/>
-              </a:spcBef>
-              <a:spcAft>
-                <a:spcPts val="0"/>
-              </a:spcAft>
-              <a:buSzPts val="900"/>
-              <a:buChar char="★"/>
-            </a:pPr>
-            <a:r>
-              <a:rPr lang="pt-BR" sz="900">
-                <a:solidFill>
-                  <a:schemeClr val="dk1"/>
-                </a:solidFill>
-              </a:rPr>
-              <a:t>Comunicar a falta de um produto no estoque</a:t>
-            </a:r>
-            <a:endParaRPr sz="900"/>
-          </a:p>
-        </p:txBody>
-      </p:sp>
-      <p:cxnSp>
-        <p:nvCxnSpPr>
-          <p:cNvPr id="126" name="Google Shape;126;p15"/>
-          <p:cNvCxnSpPr>
-            <a:stCxn id="121" idx="2"/>
-            <a:endCxn id="125" idx="3"/>
-          </p:cNvCxnSpPr>
-          <p:nvPr/>
-        </p:nvCxnSpPr>
-        <p:spPr>
-          <a:xfrm rot="5400000">
-            <a:off x="3745550" y="2682350"/>
-            <a:ext cx="826500" cy="1448700"/>
-          </a:xfrm>
-          <a:prstGeom prst="curvedConnector3">
-            <a:avLst>
-              <a:gd fmla="val 50003" name="adj1"/>
-            </a:avLst>
-          </a:prstGeom>
-          <a:noFill/>
-          <a:ln cap="flat" cmpd="sng" w="9525">
-            <a:solidFill>
-              <a:schemeClr val="dk2"/>
-            </a:solidFill>
-            <a:prstDash val="solid"/>
-            <a:round/>
-            <a:headEnd len="med" w="med" type="none"/>
-            <a:tailEnd len="med" w="med" type="none"/>
-          </a:ln>
-          <a:effectLst>
-            <a:outerShdw blurRad="57150" rotWithShape="0" algn="bl" dir="5400000" dist="19050">
-              <a:srgbClr val="000000">
-                <a:alpha val="50000"/>
-              </a:srgbClr>
-            </a:outerShdw>
-          </a:effectLst>
-        </p:spPr>
-      </p:cxnSp>
     </p:spTree>
   </p:cSld>
   <p:clrMapOvr>
@@ -9005,7 +9001,7 @@
   <p:cSld>
     <p:spTree>
       <p:nvGrpSpPr>
-        <p:cNvPr id="130" name="Shape 130"/>
+        <p:cNvPr id="128" name="Shape 128"/>
         <p:cNvGrpSpPr/>
         <p:nvPr/>
       </p:nvGrpSpPr>
@@ -9019,7 +9015,7 @@
       </p:grpSpPr>
       <p:graphicFrame>
         <p:nvGraphicFramePr>
-          <p:cNvPr id="131" name="Google Shape;131;p16"/>
+          <p:cNvPr id="129" name="Google Shape;129;p16"/>
           <p:cNvGraphicFramePr/>
           <p:nvPr/>
         </p:nvGraphicFramePr>
@@ -9032,7 +9028,7 @@
             <a:tbl>
               <a:tblPr>
                 <a:noFill/>
-                <a:tableStyleId>{1DA40BAF-7AB1-4440-BBFD-B93FD0CB0D01}</a:tableStyleId>
+                <a:tableStyleId>{A4DF6366-7D52-4EBA-A316-8B02EAD39FEE}</a:tableStyleId>
               </a:tblPr>
               <a:tblGrid>
                 <a:gridCol w="8913900"/>
@@ -9183,7 +9179,7 @@
       </p:graphicFrame>
       <p:sp>
         <p:nvSpPr>
-          <p:cNvPr id="132" name="Google Shape;132;p16"/>
+          <p:cNvPr id="130" name="Google Shape;130;p16"/>
           <p:cNvSpPr/>
           <p:nvPr/>
         </p:nvSpPr>
@@ -9231,7 +9227,7 @@
           </a:bodyPr>
           <a:lstStyle/>
           <a:p>
-            <a:pPr indent="-317500" lvl="0" marL="457200" rtl="0" algn="l">
+            <a:pPr indent="-317500" lvl="0" marL="457200" rtl="0" algn="ctr">
               <a:spcBef>
                 <a:spcPts val="0"/>
               </a:spcBef>
@@ -9243,231 +9239,21 @@
             </a:pPr>
             <a:r>
               <a:rPr lang="pt-BR"/>
-              <a:t>Realização de compras</a:t>
+              <a:t>Gestão do estoque</a:t>
             </a:r>
             <a:endParaRPr/>
           </a:p>
         </p:txBody>
       </p:sp>
-      <p:sp>
-        <p:nvSpPr>
-          <p:cNvPr id="133" name="Google Shape;133;p16"/>
-          <p:cNvSpPr/>
-          <p:nvPr/>
-        </p:nvSpPr>
-        <p:spPr>
-          <a:xfrm>
-            <a:off x="3943050" y="2340650"/>
-            <a:ext cx="1651200" cy="652800"/>
-          </a:xfrm>
-          <a:prstGeom prst="roundRect">
-            <a:avLst>
-              <a:gd fmla="val 16667" name="adj"/>
-            </a:avLst>
-          </a:prstGeom>
-          <a:gradFill>
-            <a:gsLst>
-              <a:gs pos="0">
-                <a:srgbClr val="DFE9FB"/>
-              </a:gs>
-              <a:gs pos="100000">
-                <a:srgbClr val="6E9BE7"/>
-              </a:gs>
-            </a:gsLst>
-            <a:lin ang="5400012" scaled="0"/>
-          </a:gradFill>
-          <a:ln cap="flat" cmpd="sng" w="9525">
-            <a:solidFill>
-              <a:srgbClr val="0000FF"/>
-            </a:solidFill>
-            <a:prstDash val="solid"/>
-            <a:round/>
-            <a:headEnd len="sm" w="sm" type="none"/>
-            <a:tailEnd len="sm" w="sm" type="none"/>
-          </a:ln>
-          <a:effectLst>
-            <a:outerShdw blurRad="57150" rotWithShape="0" algn="bl" dir="5400000" dist="19050">
-              <a:srgbClr val="000000">
-                <a:alpha val="50000"/>
-              </a:srgbClr>
-            </a:outerShdw>
-          </a:effectLst>
-        </p:spPr>
-        <p:txBody>
-          <a:bodyPr anchorCtr="0" anchor="ctr" bIns="91425" lIns="91425" spcFirstLastPara="1" rIns="91425" wrap="square" tIns="91425">
-            <a:noAutofit/>
-          </a:bodyPr>
-          <a:lstStyle/>
-          <a:p>
-            <a:pPr indent="0" lvl="0" marL="0" rtl="0" algn="ctr">
-              <a:spcBef>
-                <a:spcPts val="0"/>
-              </a:spcBef>
-              <a:spcAft>
-                <a:spcPts val="0"/>
-              </a:spcAft>
-              <a:buNone/>
-            </a:pPr>
-            <a:r>
-              <a:rPr lang="pt-BR"/>
-              <a:t>Setor de Vendas</a:t>
-            </a:r>
-            <a:endParaRPr/>
-          </a:p>
-        </p:txBody>
-      </p:sp>
-      <p:cxnSp>
-        <p:nvCxnSpPr>
-          <p:cNvPr id="134" name="Google Shape;134;p16"/>
-          <p:cNvCxnSpPr>
-            <a:stCxn id="133" idx="2"/>
-            <a:endCxn id="135" idx="2"/>
-          </p:cNvCxnSpPr>
-          <p:nvPr/>
-        </p:nvCxnSpPr>
-        <p:spPr>
-          <a:xfrm flipH="1" rot="-5400000">
-            <a:off x="4593000" y="3169100"/>
-            <a:ext cx="1176900" cy="825600"/>
-          </a:xfrm>
-          <a:prstGeom prst="curvedConnector2">
-            <a:avLst/>
-          </a:prstGeom>
-          <a:noFill/>
-          <a:ln cap="flat" cmpd="sng" w="9525">
-            <a:solidFill>
-              <a:schemeClr val="dk2"/>
-            </a:solidFill>
-            <a:prstDash val="solid"/>
-            <a:round/>
-            <a:headEnd len="med" w="med" type="none"/>
-            <a:tailEnd len="med" w="med" type="none"/>
-          </a:ln>
-          <a:effectLst>
-            <a:outerShdw blurRad="57150" rotWithShape="0" algn="bl" dir="5400000" dist="19050">
-              <a:srgbClr val="000000">
-                <a:alpha val="50000"/>
-              </a:srgbClr>
-            </a:outerShdw>
-          </a:effectLst>
-        </p:spPr>
-      </p:cxnSp>
-      <p:cxnSp>
-        <p:nvCxnSpPr>
-          <p:cNvPr id="136" name="Google Shape;136;p16"/>
-          <p:cNvCxnSpPr>
-            <a:stCxn id="132" idx="2"/>
-            <a:endCxn id="133" idx="0"/>
-          </p:cNvCxnSpPr>
-          <p:nvPr/>
-        </p:nvCxnSpPr>
-        <p:spPr>
-          <a:xfrm flipH="1" rot="-5400000">
-            <a:off x="3920550" y="1492400"/>
-            <a:ext cx="1499700" cy="196800"/>
-          </a:xfrm>
-          <a:prstGeom prst="curvedConnector3">
-            <a:avLst>
-              <a:gd fmla="val 53306" name="adj1"/>
-            </a:avLst>
-          </a:prstGeom>
-          <a:noFill/>
-          <a:ln cap="flat" cmpd="sng" w="9525">
-            <a:solidFill>
-              <a:schemeClr val="dk2"/>
-            </a:solidFill>
-            <a:prstDash val="solid"/>
-            <a:round/>
-            <a:headEnd len="med" w="med" type="none"/>
-            <a:tailEnd len="med" w="med" type="none"/>
-          </a:ln>
-          <a:effectLst>
-            <a:outerShdw blurRad="57150" rotWithShape="0" algn="bl" dir="5400000" dist="19050">
-              <a:srgbClr val="000000">
-                <a:alpha val="50000"/>
-              </a:srgbClr>
-            </a:outerShdw>
-          </a:effectLst>
-        </p:spPr>
-      </p:cxnSp>
-      <p:sp>
-        <p:nvSpPr>
-          <p:cNvPr id="135" name="Google Shape;135;p16"/>
-          <p:cNvSpPr/>
-          <p:nvPr/>
-        </p:nvSpPr>
-        <p:spPr>
-          <a:xfrm>
-            <a:off x="5594250" y="3820000"/>
-            <a:ext cx="1983000" cy="700800"/>
-          </a:xfrm>
-          <a:prstGeom prst="round2DiagRect">
-            <a:avLst>
-              <a:gd fmla="val 16667" name="adj1"/>
-              <a:gd fmla="val 50000" name="adj2"/>
-            </a:avLst>
-          </a:prstGeom>
-          <a:gradFill>
-            <a:gsLst>
-              <a:gs pos="0">
-                <a:srgbClr val="FFFFFF"/>
-              </a:gs>
-              <a:gs pos="100000">
-                <a:srgbClr val="B3B3B3"/>
-              </a:gs>
-            </a:gsLst>
-            <a:lin ang="5400012" scaled="0"/>
-          </a:gradFill>
-          <a:ln cap="flat" cmpd="sng" w="9525">
-            <a:solidFill>
-              <a:schemeClr val="dk2"/>
-            </a:solidFill>
-            <a:prstDash val="solid"/>
-            <a:round/>
-            <a:headEnd len="sm" w="sm" type="none"/>
-            <a:tailEnd len="sm" w="sm" type="none"/>
-          </a:ln>
-          <a:effectLst>
-            <a:outerShdw blurRad="57150" rotWithShape="0" algn="bl" dir="5400000" dist="19050">
-              <a:srgbClr val="000000">
-                <a:alpha val="50000"/>
-              </a:srgbClr>
-            </a:outerShdw>
-          </a:effectLst>
-        </p:spPr>
-        <p:txBody>
-          <a:bodyPr anchorCtr="0" anchor="ctr" bIns="91425" lIns="91425" spcFirstLastPara="1" rIns="91425" wrap="square" tIns="91425">
-            <a:noAutofit/>
-          </a:bodyPr>
-          <a:lstStyle/>
-          <a:p>
-            <a:pPr indent="-298450" lvl="0" marL="457200" rtl="0" algn="l">
-              <a:spcBef>
-                <a:spcPts val="0"/>
-              </a:spcBef>
-              <a:spcAft>
-                <a:spcPts val="0"/>
-              </a:spcAft>
-              <a:buSzPts val="1100"/>
-              <a:buChar char="★"/>
-            </a:pPr>
-            <a:r>
-              <a:rPr lang="pt-BR" sz="1100"/>
-              <a:t>Realizar a compra de um produto disponível</a:t>
-            </a:r>
-            <a:endParaRPr sz="1100"/>
-          </a:p>
-        </p:txBody>
-      </p:sp>
       <p:grpSp>
         <p:nvGrpSpPr>
-          <p:cNvPr id="137" name="Google Shape;137;p16"/>
+          <p:cNvPr id="131" name="Google Shape;131;p16"/>
           <p:cNvGrpSpPr/>
           <p:nvPr/>
         </p:nvGrpSpPr>
         <p:grpSpPr>
           <a:xfrm>
-            <a:off x="6514172" y="2288272"/>
+            <a:off x="2117772" y="2288272"/>
             <a:ext cx="1134349" cy="922502"/>
             <a:chOff x="2852000" y="3424900"/>
             <a:chExt cx="1021200" cy="830484"/>
@@ -9475,7 +9261,7 @@
         </p:grpSpPr>
         <p:grpSp>
           <p:nvGrpSpPr>
-            <p:cNvPr id="138" name="Google Shape;138;p16"/>
+            <p:cNvPr id="132" name="Google Shape;132;p16"/>
             <p:cNvGrpSpPr/>
             <p:nvPr/>
           </p:nvGrpSpPr>
@@ -9489,7 +9275,7 @@
           </p:grpSpPr>
           <p:sp>
             <p:nvSpPr>
-              <p:cNvPr id="139" name="Google Shape;139;p16"/>
+              <p:cNvPr id="133" name="Google Shape;133;p16"/>
               <p:cNvSpPr/>
               <p:nvPr/>
             </p:nvSpPr>
@@ -9545,9 +9331,9 @@
           </p:sp>
           <p:cxnSp>
             <p:nvCxnSpPr>
-              <p:cNvPr id="140" name="Google Shape;140;p16"/>
+              <p:cNvPr id="134" name="Google Shape;134;p16"/>
               <p:cNvCxnSpPr>
-                <a:stCxn id="139" idx="4"/>
+                <a:stCxn id="133" idx="4"/>
               </p:cNvCxnSpPr>
               <p:nvPr/>
             </p:nvCxnSpPr>
@@ -9580,7 +9366,7 @@
           </p:cxnSp>
           <p:cxnSp>
             <p:nvCxnSpPr>
-              <p:cNvPr id="141" name="Google Shape;141;p16"/>
+              <p:cNvPr id="135" name="Google Shape;135;p16"/>
               <p:cNvCxnSpPr/>
               <p:nvPr/>
             </p:nvCxnSpPr>
@@ -9613,7 +9399,7 @@
           </p:cxnSp>
           <p:cxnSp>
             <p:nvCxnSpPr>
-              <p:cNvPr id="142" name="Google Shape;142;p16"/>
+              <p:cNvPr id="136" name="Google Shape;136;p16"/>
               <p:cNvCxnSpPr/>
               <p:nvPr/>
             </p:nvCxnSpPr>
@@ -9646,7 +9432,7 @@
           </p:cxnSp>
           <p:cxnSp>
             <p:nvCxnSpPr>
-              <p:cNvPr id="143" name="Google Shape;143;p16"/>
+              <p:cNvPr id="137" name="Google Shape;137;p16"/>
               <p:cNvCxnSpPr/>
               <p:nvPr/>
             </p:nvCxnSpPr>
@@ -9680,7 +9466,7 @@
         </p:grpSp>
         <p:sp>
           <p:nvSpPr>
-            <p:cNvPr id="144" name="Google Shape;144;p16"/>
+            <p:cNvPr id="138" name="Google Shape;138;p16"/>
             <p:cNvSpPr txBox="1"/>
             <p:nvPr/>
           </p:nvSpPr>
@@ -9721,7 +9507,7 @@
               </a:pPr>
               <a:r>
                 <a:rPr b="1" lang="pt-BR" sz="1200"/>
-                <a:t>Cliente</a:t>
+                <a:t>Lojista</a:t>
               </a:r>
               <a:endParaRPr b="1" sz="1200"/>
             </a:p>
@@ -9730,21 +9516,21 @@
       </p:grpSp>
       <p:cxnSp>
         <p:nvCxnSpPr>
-          <p:cNvPr id="145" name="Google Shape;145;p16"/>
+          <p:cNvPr id="139" name="Google Shape;139;p16"/>
           <p:cNvCxnSpPr>
-            <a:stCxn id="132" idx="2"/>
-            <a:endCxn id="139" idx="1"/>
+            <a:stCxn id="133" idx="0"/>
+            <a:endCxn id="130" idx="2"/>
           </p:cNvCxnSpPr>
           <p:nvPr/>
         </p:nvCxnSpPr>
         <p:spPr>
-          <a:xfrm flipH="1" rot="-5400000">
-            <a:off x="5049900" y="363050"/>
-            <a:ext cx="1479300" cy="2435100"/>
+          <a:xfrm rot="-5400000">
+            <a:off x="2905933" y="622222"/>
+            <a:ext cx="1447200" cy="1884900"/>
           </a:xfrm>
           <a:prstGeom prst="curvedConnector3">
             <a:avLst>
-              <a:gd fmla="val 52270" name="adj1"/>
+              <a:gd fmla="val 46579" name="adj1"/>
             </a:avLst>
           </a:prstGeom>
           <a:noFill/>
@@ -9757,6 +9543,340 @@
             <a:headEnd len="med" w="med" type="none"/>
             <a:tailEnd len="med" w="med" type="none"/>
           </a:ln>
+          <a:effectLst>
+            <a:outerShdw blurRad="57150" rotWithShape="0" algn="bl" dir="5400000" dist="19050">
+              <a:srgbClr val="000000">
+                <a:alpha val="50000"/>
+              </a:srgbClr>
+            </a:outerShdw>
+          </a:effectLst>
+        </p:spPr>
+      </p:cxnSp>
+      <p:sp>
+        <p:nvSpPr>
+          <p:cNvPr id="140" name="Google Shape;140;p16"/>
+          <p:cNvSpPr/>
+          <p:nvPr/>
+        </p:nvSpPr>
+        <p:spPr>
+          <a:xfrm>
+            <a:off x="4057550" y="2340650"/>
+            <a:ext cx="1651200" cy="652800"/>
+          </a:xfrm>
+          <a:prstGeom prst="roundRect">
+            <a:avLst>
+              <a:gd fmla="val 16667" name="adj"/>
+            </a:avLst>
+          </a:prstGeom>
+          <a:gradFill>
+            <a:gsLst>
+              <a:gs pos="0">
+                <a:srgbClr val="D4E5F5"/>
+              </a:gs>
+              <a:gs pos="100000">
+                <a:srgbClr val="70A4D5"/>
+              </a:gs>
+            </a:gsLst>
+            <a:lin ang="5400012" scaled="0"/>
+          </a:gradFill>
+          <a:ln cap="flat" cmpd="sng" w="9525">
+            <a:solidFill>
+              <a:srgbClr val="0000FF"/>
+            </a:solidFill>
+            <a:prstDash val="solid"/>
+            <a:round/>
+            <a:headEnd len="sm" w="sm" type="none"/>
+            <a:tailEnd len="sm" w="sm" type="none"/>
+          </a:ln>
+          <a:effectLst>
+            <a:outerShdw blurRad="57150" rotWithShape="0" algn="bl" dir="5400000" dist="19050">
+              <a:srgbClr val="000000">
+                <a:alpha val="50000"/>
+              </a:srgbClr>
+            </a:outerShdw>
+          </a:effectLst>
+        </p:spPr>
+        <p:txBody>
+          <a:bodyPr anchorCtr="0" anchor="ctr" bIns="91425" lIns="91425" spcFirstLastPara="1" rIns="91425" wrap="square" tIns="91425">
+            <a:noAutofit/>
+          </a:bodyPr>
+          <a:lstStyle/>
+          <a:p>
+            <a:pPr indent="0" lvl="0" marL="0" rtl="0" algn="ctr">
+              <a:spcBef>
+                <a:spcPts val="0"/>
+              </a:spcBef>
+              <a:spcAft>
+                <a:spcPts val="0"/>
+              </a:spcAft>
+              <a:buNone/>
+            </a:pPr>
+            <a:r>
+              <a:rPr lang="pt-BR"/>
+              <a:t>Setor de Estoque</a:t>
+            </a:r>
+            <a:endParaRPr/>
+          </a:p>
+        </p:txBody>
+      </p:sp>
+      <p:cxnSp>
+        <p:nvCxnSpPr>
+          <p:cNvPr id="141" name="Google Shape;141;p16"/>
+          <p:cNvCxnSpPr>
+            <a:stCxn id="140" idx="2"/>
+            <a:endCxn id="142" idx="3"/>
+          </p:cNvCxnSpPr>
+          <p:nvPr/>
+        </p:nvCxnSpPr>
+        <p:spPr>
+          <a:xfrm flipH="1" rot="-5400000">
+            <a:off x="5321150" y="2555450"/>
+            <a:ext cx="826500" cy="1702500"/>
+          </a:xfrm>
+          <a:prstGeom prst="curvedConnector3">
+            <a:avLst>
+              <a:gd fmla="val 50003" name="adj1"/>
+            </a:avLst>
+          </a:prstGeom>
+          <a:noFill/>
+          <a:ln cap="flat" cmpd="sng" w="9525">
+            <a:solidFill>
+              <a:schemeClr val="dk2"/>
+            </a:solidFill>
+            <a:prstDash val="solid"/>
+            <a:round/>
+            <a:headEnd len="med" w="med" type="none"/>
+            <a:tailEnd len="med" w="med" type="none"/>
+          </a:ln>
+          <a:effectLst>
+            <a:outerShdw blurRad="57150" rotWithShape="0" algn="bl" dir="5400000" dist="19050">
+              <a:srgbClr val="000000">
+                <a:alpha val="50000"/>
+              </a:srgbClr>
+            </a:outerShdw>
+          </a:effectLst>
+        </p:spPr>
+      </p:cxnSp>
+      <p:cxnSp>
+        <p:nvCxnSpPr>
+          <p:cNvPr id="143" name="Google Shape;143;p16"/>
+          <p:cNvCxnSpPr>
+            <a:stCxn id="130" idx="2"/>
+            <a:endCxn id="140" idx="0"/>
+          </p:cNvCxnSpPr>
+          <p:nvPr/>
+        </p:nvCxnSpPr>
+        <p:spPr>
+          <a:xfrm flipH="1" rot="-5400000">
+            <a:off x="3977700" y="1435250"/>
+            <a:ext cx="1499700" cy="311100"/>
+          </a:xfrm>
+          <a:prstGeom prst="curvedConnector3">
+            <a:avLst>
+              <a:gd fmla="val 53306" name="adj1"/>
+            </a:avLst>
+          </a:prstGeom>
+          <a:noFill/>
+          <a:ln cap="flat" cmpd="sng" w="9525">
+            <a:solidFill>
+              <a:schemeClr val="dk2"/>
+            </a:solidFill>
+            <a:prstDash val="solid"/>
+            <a:round/>
+            <a:headEnd len="med" w="med" type="none"/>
+            <a:tailEnd len="med" w="med" type="none"/>
+          </a:ln>
+          <a:effectLst>
+            <a:outerShdw blurRad="57150" rotWithShape="0" algn="bl" dir="5400000" dist="19050">
+              <a:srgbClr val="000000">
+                <a:alpha val="50000"/>
+              </a:srgbClr>
+            </a:outerShdw>
+          </a:effectLst>
+        </p:spPr>
+      </p:cxnSp>
+      <p:sp>
+        <p:nvSpPr>
+          <p:cNvPr id="142" name="Google Shape;142;p16"/>
+          <p:cNvSpPr/>
+          <p:nvPr/>
+        </p:nvSpPr>
+        <p:spPr>
+          <a:xfrm>
+            <a:off x="5594250" y="3820000"/>
+            <a:ext cx="1983000" cy="700800"/>
+          </a:xfrm>
+          <a:prstGeom prst="round2DiagRect">
+            <a:avLst>
+              <a:gd fmla="val 16667" name="adj1"/>
+              <a:gd fmla="val 50000" name="adj2"/>
+            </a:avLst>
+          </a:prstGeom>
+          <a:gradFill>
+            <a:gsLst>
+              <a:gs pos="0">
+                <a:srgbClr val="FFFFFF"/>
+              </a:gs>
+              <a:gs pos="100000">
+                <a:srgbClr val="B3B3B3"/>
+              </a:gs>
+            </a:gsLst>
+            <a:lin ang="5400012" scaled="0"/>
+          </a:gradFill>
+          <a:ln cap="flat" cmpd="sng" w="9525">
+            <a:solidFill>
+              <a:schemeClr val="dk2"/>
+            </a:solidFill>
+            <a:prstDash val="solid"/>
+            <a:round/>
+            <a:headEnd len="sm" w="sm" type="none"/>
+            <a:tailEnd len="sm" w="sm" type="none"/>
+          </a:ln>
+          <a:effectLst>
+            <a:outerShdw blurRad="57150" rotWithShape="0" algn="bl" dir="5400000" dist="19050">
+              <a:srgbClr val="000000">
+                <a:alpha val="50000"/>
+              </a:srgbClr>
+            </a:outerShdw>
+          </a:effectLst>
+        </p:spPr>
+        <p:txBody>
+          <a:bodyPr anchorCtr="0" anchor="ctr" bIns="91425" lIns="91425" spcFirstLastPara="1" rIns="91425" wrap="square" tIns="91425">
+            <a:noAutofit/>
+          </a:bodyPr>
+          <a:lstStyle/>
+          <a:p>
+            <a:pPr indent="-285750" lvl="0" marL="457200" rtl="0" algn="l">
+              <a:spcBef>
+                <a:spcPts val="0"/>
+              </a:spcBef>
+              <a:spcAft>
+                <a:spcPts val="0"/>
+              </a:spcAft>
+              <a:buSzPts val="900"/>
+              <a:buChar char="★"/>
+            </a:pPr>
+            <a:r>
+              <a:rPr lang="pt-BR" sz="900">
+                <a:solidFill>
+                  <a:schemeClr val="dk1"/>
+                </a:solidFill>
+              </a:rPr>
+              <a:t>Comunicar a Dona do comércio sobre a demanda dos pedidos em estoque</a:t>
+            </a:r>
+            <a:endParaRPr sz="900"/>
+          </a:p>
+        </p:txBody>
+      </p:sp>
+      <p:sp>
+        <p:nvSpPr>
+          <p:cNvPr id="144" name="Google Shape;144;p16"/>
+          <p:cNvSpPr/>
+          <p:nvPr/>
+        </p:nvSpPr>
+        <p:spPr>
+          <a:xfrm>
+            <a:off x="2443050" y="3820000"/>
+            <a:ext cx="1983000" cy="700800"/>
+          </a:xfrm>
+          <a:prstGeom prst="round2DiagRect">
+            <a:avLst>
+              <a:gd fmla="val 16667" name="adj1"/>
+              <a:gd fmla="val 50000" name="adj2"/>
+            </a:avLst>
+          </a:prstGeom>
+          <a:gradFill>
+            <a:gsLst>
+              <a:gs pos="0">
+                <a:srgbClr val="FFFFFF"/>
+              </a:gs>
+              <a:gs pos="100000">
+                <a:srgbClr val="B3B3B3"/>
+              </a:gs>
+            </a:gsLst>
+            <a:lin ang="5400012" scaled="0"/>
+          </a:gradFill>
+          <a:ln cap="flat" cmpd="sng" w="9525">
+            <a:solidFill>
+              <a:schemeClr val="dk2"/>
+            </a:solidFill>
+            <a:prstDash val="solid"/>
+            <a:round/>
+            <a:headEnd len="sm" w="sm" type="none"/>
+            <a:tailEnd len="sm" w="sm" type="none"/>
+          </a:ln>
+          <a:effectLst>
+            <a:outerShdw blurRad="57150" rotWithShape="0" algn="bl" dir="5400000" dist="19050">
+              <a:srgbClr val="000000">
+                <a:alpha val="50000"/>
+              </a:srgbClr>
+            </a:outerShdw>
+          </a:effectLst>
+        </p:spPr>
+        <p:txBody>
+          <a:bodyPr anchorCtr="0" anchor="ctr" bIns="91425" lIns="91425" spcFirstLastPara="1" rIns="91425" wrap="square" tIns="91425">
+            <a:noAutofit/>
+          </a:bodyPr>
+          <a:lstStyle/>
+          <a:p>
+            <a:pPr indent="-285750" lvl="0" marL="457200" rtl="0" algn="l">
+              <a:spcBef>
+                <a:spcPts val="0"/>
+              </a:spcBef>
+              <a:spcAft>
+                <a:spcPts val="0"/>
+              </a:spcAft>
+              <a:buSzPts val="900"/>
+              <a:buChar char="★"/>
+            </a:pPr>
+            <a:r>
+              <a:rPr lang="pt-BR" sz="900">
+                <a:solidFill>
+                  <a:schemeClr val="dk1"/>
+                </a:solidFill>
+              </a:rPr>
+              <a:t>Comunicar a falta de um produto </a:t>
+            </a:r>
+            <a:endParaRPr sz="900"/>
+          </a:p>
+        </p:txBody>
+      </p:sp>
+      <p:cxnSp>
+        <p:nvCxnSpPr>
+          <p:cNvPr id="145" name="Google Shape;145;p16"/>
+          <p:cNvCxnSpPr>
+            <a:stCxn id="140" idx="2"/>
+            <a:endCxn id="144" idx="3"/>
+          </p:cNvCxnSpPr>
+          <p:nvPr/>
+        </p:nvCxnSpPr>
+        <p:spPr>
+          <a:xfrm rot="5400000">
+            <a:off x="3745550" y="2682350"/>
+            <a:ext cx="826500" cy="1448700"/>
+          </a:xfrm>
+          <a:prstGeom prst="curvedConnector3">
+            <a:avLst>
+              <a:gd fmla="val 50003" name="adj1"/>
+            </a:avLst>
+          </a:prstGeom>
+          <a:noFill/>
+          <a:ln cap="flat" cmpd="sng" w="9525">
+            <a:solidFill>
+              <a:schemeClr val="dk2"/>
+            </a:solidFill>
+            <a:prstDash val="solid"/>
+            <a:round/>
+            <a:headEnd len="med" w="med" type="none"/>
+            <a:tailEnd len="med" w="med" type="none"/>
+          </a:ln>
+          <a:effectLst>
+            <a:outerShdw blurRad="57150" rotWithShape="0" algn="bl" dir="5400000" dist="19050">
+              <a:srgbClr val="000000">
+                <a:alpha val="50000"/>
+              </a:srgbClr>
+            </a:outerShdw>
+          </a:effectLst>
         </p:spPr>
       </p:cxnSp>
     </p:spTree>
@@ -9799,7 +9919,7 @@
             <a:tbl>
               <a:tblPr>
                 <a:noFill/>
-                <a:tableStyleId>{1DA40BAF-7AB1-4440-BBFD-B93FD0CB0D01}</a:tableStyleId>
+                <a:tableStyleId>{A4DF6366-7D52-4EBA-A316-8B02EAD39FEE}</a:tableStyleId>
               </a:tblPr>
               <a:tblGrid>
                 <a:gridCol w="8913900"/>
@@ -10010,21 +10130,231 @@
             </a:pPr>
             <a:r>
               <a:rPr lang="pt-BR"/>
-              <a:t>Reclamações</a:t>
+              <a:t>Realização de compras</a:t>
             </a:r>
             <a:endParaRPr/>
           </a:p>
         </p:txBody>
       </p:sp>
+      <p:sp>
+        <p:nvSpPr>
+          <p:cNvPr id="152" name="Google Shape;152;p17"/>
+          <p:cNvSpPr/>
+          <p:nvPr/>
+        </p:nvSpPr>
+        <p:spPr>
+          <a:xfrm>
+            <a:off x="3943050" y="2340650"/>
+            <a:ext cx="1651200" cy="652800"/>
+          </a:xfrm>
+          <a:prstGeom prst="roundRect">
+            <a:avLst>
+              <a:gd fmla="val 16667" name="adj"/>
+            </a:avLst>
+          </a:prstGeom>
+          <a:gradFill>
+            <a:gsLst>
+              <a:gs pos="0">
+                <a:srgbClr val="DFE9FB"/>
+              </a:gs>
+              <a:gs pos="100000">
+                <a:srgbClr val="6E9BE7"/>
+              </a:gs>
+            </a:gsLst>
+            <a:lin ang="5400012" scaled="0"/>
+          </a:gradFill>
+          <a:ln cap="flat" cmpd="sng" w="9525">
+            <a:solidFill>
+              <a:srgbClr val="0000FF"/>
+            </a:solidFill>
+            <a:prstDash val="solid"/>
+            <a:round/>
+            <a:headEnd len="sm" w="sm" type="none"/>
+            <a:tailEnd len="sm" w="sm" type="none"/>
+          </a:ln>
+          <a:effectLst>
+            <a:outerShdw blurRad="57150" rotWithShape="0" algn="bl" dir="5400000" dist="19050">
+              <a:srgbClr val="000000">
+                <a:alpha val="50000"/>
+              </a:srgbClr>
+            </a:outerShdw>
+          </a:effectLst>
+        </p:spPr>
+        <p:txBody>
+          <a:bodyPr anchorCtr="0" anchor="ctr" bIns="91425" lIns="91425" spcFirstLastPara="1" rIns="91425" wrap="square" tIns="91425">
+            <a:noAutofit/>
+          </a:bodyPr>
+          <a:lstStyle/>
+          <a:p>
+            <a:pPr indent="0" lvl="0" marL="0" rtl="0" algn="ctr">
+              <a:spcBef>
+                <a:spcPts val="0"/>
+              </a:spcBef>
+              <a:spcAft>
+                <a:spcPts val="0"/>
+              </a:spcAft>
+              <a:buNone/>
+            </a:pPr>
+            <a:r>
+              <a:rPr lang="pt-BR"/>
+              <a:t>Setor de Vendas</a:t>
+            </a:r>
+            <a:endParaRPr/>
+          </a:p>
+        </p:txBody>
+      </p:sp>
+      <p:cxnSp>
+        <p:nvCxnSpPr>
+          <p:cNvPr id="153" name="Google Shape;153;p17"/>
+          <p:cNvCxnSpPr>
+            <a:stCxn id="152" idx="2"/>
+            <a:endCxn id="154" idx="2"/>
+          </p:cNvCxnSpPr>
+          <p:nvPr/>
+        </p:nvCxnSpPr>
+        <p:spPr>
+          <a:xfrm flipH="1" rot="-5400000">
+            <a:off x="4593000" y="3169100"/>
+            <a:ext cx="1176900" cy="825600"/>
+          </a:xfrm>
+          <a:prstGeom prst="curvedConnector2">
+            <a:avLst/>
+          </a:prstGeom>
+          <a:noFill/>
+          <a:ln cap="flat" cmpd="sng" w="9525">
+            <a:solidFill>
+              <a:schemeClr val="dk2"/>
+            </a:solidFill>
+            <a:prstDash val="solid"/>
+            <a:round/>
+            <a:headEnd len="med" w="med" type="none"/>
+            <a:tailEnd len="med" w="med" type="none"/>
+          </a:ln>
+          <a:effectLst>
+            <a:outerShdw blurRad="57150" rotWithShape="0" algn="bl" dir="5400000" dist="19050">
+              <a:srgbClr val="000000">
+                <a:alpha val="50000"/>
+              </a:srgbClr>
+            </a:outerShdw>
+          </a:effectLst>
+        </p:spPr>
+      </p:cxnSp>
+      <p:cxnSp>
+        <p:nvCxnSpPr>
+          <p:cNvPr id="155" name="Google Shape;155;p17"/>
+          <p:cNvCxnSpPr>
+            <a:stCxn id="151" idx="2"/>
+            <a:endCxn id="152" idx="0"/>
+          </p:cNvCxnSpPr>
+          <p:nvPr/>
+        </p:nvCxnSpPr>
+        <p:spPr>
+          <a:xfrm flipH="1" rot="-5400000">
+            <a:off x="3920550" y="1492400"/>
+            <a:ext cx="1499700" cy="196800"/>
+          </a:xfrm>
+          <a:prstGeom prst="curvedConnector3">
+            <a:avLst>
+              <a:gd fmla="val 53306" name="adj1"/>
+            </a:avLst>
+          </a:prstGeom>
+          <a:noFill/>
+          <a:ln cap="flat" cmpd="sng" w="9525">
+            <a:solidFill>
+              <a:schemeClr val="dk2"/>
+            </a:solidFill>
+            <a:prstDash val="solid"/>
+            <a:round/>
+            <a:headEnd len="med" w="med" type="none"/>
+            <a:tailEnd len="med" w="med" type="none"/>
+          </a:ln>
+          <a:effectLst>
+            <a:outerShdw blurRad="57150" rotWithShape="0" algn="bl" dir="5400000" dist="19050">
+              <a:srgbClr val="000000">
+                <a:alpha val="50000"/>
+              </a:srgbClr>
+            </a:outerShdw>
+          </a:effectLst>
+        </p:spPr>
+      </p:cxnSp>
+      <p:sp>
+        <p:nvSpPr>
+          <p:cNvPr id="154" name="Google Shape;154;p17"/>
+          <p:cNvSpPr/>
+          <p:nvPr/>
+        </p:nvSpPr>
+        <p:spPr>
+          <a:xfrm>
+            <a:off x="5594250" y="3820000"/>
+            <a:ext cx="1983000" cy="700800"/>
+          </a:xfrm>
+          <a:prstGeom prst="round2DiagRect">
+            <a:avLst>
+              <a:gd fmla="val 16667" name="adj1"/>
+              <a:gd fmla="val 50000" name="adj2"/>
+            </a:avLst>
+          </a:prstGeom>
+          <a:gradFill>
+            <a:gsLst>
+              <a:gs pos="0">
+                <a:srgbClr val="FFFFFF"/>
+              </a:gs>
+              <a:gs pos="100000">
+                <a:srgbClr val="B3B3B3"/>
+              </a:gs>
+            </a:gsLst>
+            <a:lin ang="5400012" scaled="0"/>
+          </a:gradFill>
+          <a:ln cap="flat" cmpd="sng" w="9525">
+            <a:solidFill>
+              <a:schemeClr val="dk2"/>
+            </a:solidFill>
+            <a:prstDash val="solid"/>
+            <a:round/>
+            <a:headEnd len="sm" w="sm" type="none"/>
+            <a:tailEnd len="sm" w="sm" type="none"/>
+          </a:ln>
+          <a:effectLst>
+            <a:outerShdw blurRad="57150" rotWithShape="0" algn="bl" dir="5400000" dist="19050">
+              <a:srgbClr val="000000">
+                <a:alpha val="50000"/>
+              </a:srgbClr>
+            </a:outerShdw>
+          </a:effectLst>
+        </p:spPr>
+        <p:txBody>
+          <a:bodyPr anchorCtr="0" anchor="ctr" bIns="91425" lIns="91425" spcFirstLastPara="1" rIns="91425" wrap="square" tIns="91425">
+            <a:noAutofit/>
+          </a:bodyPr>
+          <a:lstStyle/>
+          <a:p>
+            <a:pPr indent="-298450" lvl="0" marL="457200" rtl="0" algn="l">
+              <a:spcBef>
+                <a:spcPts val="0"/>
+              </a:spcBef>
+              <a:spcAft>
+                <a:spcPts val="0"/>
+              </a:spcAft>
+              <a:buSzPts val="1100"/>
+              <a:buChar char="★"/>
+            </a:pPr>
+            <a:r>
+              <a:rPr lang="pt-BR" sz="1100"/>
+              <a:t>Vender produto</a:t>
+            </a:r>
+            <a:endParaRPr sz="1100"/>
+          </a:p>
+        </p:txBody>
+      </p:sp>
       <p:grpSp>
         <p:nvGrpSpPr>
-          <p:cNvPr id="152" name="Google Shape;152;p17"/>
+          <p:cNvPr id="156" name="Google Shape;156;p17"/>
           <p:cNvGrpSpPr/>
           <p:nvPr/>
         </p:nvGrpSpPr>
         <p:grpSpPr>
           <a:xfrm>
-            <a:off x="2019647" y="2288272"/>
+            <a:off x="6514172" y="2288272"/>
             <a:ext cx="1134349" cy="922502"/>
             <a:chOff x="2852000" y="3424900"/>
             <a:chExt cx="1021200" cy="830484"/>
@@ -10032,7 +10362,7 @@
         </p:grpSpPr>
         <p:grpSp>
           <p:nvGrpSpPr>
-            <p:cNvPr id="153" name="Google Shape;153;p17"/>
+            <p:cNvPr id="157" name="Google Shape;157;p17"/>
             <p:cNvGrpSpPr/>
             <p:nvPr/>
           </p:nvGrpSpPr>
@@ -10046,7 +10376,7 @@
           </p:grpSpPr>
           <p:sp>
             <p:nvSpPr>
-              <p:cNvPr id="154" name="Google Shape;154;p17"/>
+              <p:cNvPr id="158" name="Google Shape;158;p17"/>
               <p:cNvSpPr/>
               <p:nvPr/>
             </p:nvSpPr>
@@ -10102,9 +10432,9 @@
           </p:sp>
           <p:cxnSp>
             <p:nvCxnSpPr>
-              <p:cNvPr id="155" name="Google Shape;155;p17"/>
+              <p:cNvPr id="159" name="Google Shape;159;p17"/>
               <p:cNvCxnSpPr>
-                <a:stCxn id="154" idx="4"/>
+                <a:stCxn id="158" idx="4"/>
               </p:cNvCxnSpPr>
               <p:nvPr/>
             </p:nvCxnSpPr>
@@ -10137,7 +10467,7 @@
           </p:cxnSp>
           <p:cxnSp>
             <p:nvCxnSpPr>
-              <p:cNvPr id="156" name="Google Shape;156;p17"/>
+              <p:cNvPr id="160" name="Google Shape;160;p17"/>
               <p:cNvCxnSpPr/>
               <p:nvPr/>
             </p:nvCxnSpPr>
@@ -10170,7 +10500,7 @@
           </p:cxnSp>
           <p:cxnSp>
             <p:nvCxnSpPr>
-              <p:cNvPr id="157" name="Google Shape;157;p17"/>
+              <p:cNvPr id="161" name="Google Shape;161;p17"/>
               <p:cNvCxnSpPr/>
               <p:nvPr/>
             </p:nvCxnSpPr>
@@ -10203,7 +10533,7 @@
           </p:cxnSp>
           <p:cxnSp>
             <p:nvCxnSpPr>
-              <p:cNvPr id="158" name="Google Shape;158;p17"/>
+              <p:cNvPr id="162" name="Google Shape;162;p17"/>
               <p:cNvCxnSpPr/>
               <p:nvPr/>
             </p:nvCxnSpPr>
@@ -10237,7 +10567,7 @@
         </p:grpSp>
         <p:sp>
           <p:nvSpPr>
-            <p:cNvPr id="159" name="Google Shape;159;p17"/>
+            <p:cNvPr id="163" name="Google Shape;163;p17"/>
             <p:cNvSpPr txBox="1"/>
             <p:nvPr/>
           </p:nvSpPr>
@@ -10287,10 +10617,567 @@
       </p:grpSp>
       <p:cxnSp>
         <p:nvCxnSpPr>
-          <p:cNvPr id="160" name="Google Shape;160;p17"/>
+          <p:cNvPr id="164" name="Google Shape;164;p17"/>
           <p:cNvCxnSpPr>
-            <a:stCxn id="154" idx="0"/>
-            <a:endCxn id="151" idx="2"/>
+            <a:stCxn id="151" idx="2"/>
+            <a:endCxn id="158" idx="1"/>
+          </p:cNvCxnSpPr>
+          <p:nvPr/>
+        </p:nvCxnSpPr>
+        <p:spPr>
+          <a:xfrm flipH="1" rot="-5400000">
+            <a:off x="5049900" y="363050"/>
+            <a:ext cx="1479300" cy="2435100"/>
+          </a:xfrm>
+          <a:prstGeom prst="curvedConnector3">
+            <a:avLst>
+              <a:gd fmla="val 52270" name="adj1"/>
+            </a:avLst>
+          </a:prstGeom>
+          <a:noFill/>
+          <a:ln cap="flat" cmpd="sng" w="9525">
+            <a:solidFill>
+              <a:schemeClr val="dk2"/>
+            </a:solidFill>
+            <a:prstDash val="solid"/>
+            <a:round/>
+            <a:headEnd len="med" w="med" type="none"/>
+            <a:tailEnd len="med" w="med" type="none"/>
+          </a:ln>
+        </p:spPr>
+      </p:cxnSp>
+    </p:spTree>
+  </p:cSld>
+  <p:clrMapOvr>
+    <a:masterClrMapping/>
+  </p:clrMapOvr>
+</p:sld>
+</file>
+
+<file path=ppt/slides/slide6.xml><?xml version="1.0" encoding="utf-8"?>
+<p:sld xmlns:a="http://schemas.openxmlformats.org/drawingml/2006/main" xmlns:r="http://schemas.openxmlformats.org/officeDocument/2006/relationships" xmlns:mc="http://schemas.openxmlformats.org/markup-compatibility/2006" xmlns:mv="urn:schemas-microsoft-com:mac:vml" xmlns:p="http://schemas.openxmlformats.org/presentationml/2006/main" xmlns:c="http://schemas.openxmlformats.org/drawingml/2006/chart" xmlns:dgm="http://schemas.openxmlformats.org/drawingml/2006/diagram" xmlns:o="urn:schemas-microsoft-com:office:office" xmlns:v="urn:schemas-microsoft-com:vml" xmlns:pvml="urn:schemas-microsoft-com:office:powerpoint" xmlns:com="http://schemas.openxmlformats.org/drawingml/2006/compatibility" xmlns:p14="http://schemas.microsoft.com/office/powerpoint/2010/main" xmlns:p15="http://schemas.microsoft.com/office/powerpoint/2012/main" xmlns:ahyp="http://schemas.microsoft.com/office/drawing/2018/hyperlinkcolor">
+  <p:cSld>
+    <p:spTree>
+      <p:nvGrpSpPr>
+        <p:cNvPr id="168" name="Shape 168"/>
+        <p:cNvGrpSpPr/>
+        <p:nvPr/>
+      </p:nvGrpSpPr>
+      <p:grpSpPr>
+        <a:xfrm>
+          <a:off x="0" y="0"/>
+          <a:ext cx="0" cy="0"/>
+          <a:chOff x="0" y="0"/>
+          <a:chExt cx="0" cy="0"/>
+        </a:xfrm>
+      </p:grpSpPr>
+      <p:graphicFrame>
+        <p:nvGraphicFramePr>
+          <p:cNvPr id="169" name="Google Shape;169;p18"/>
+          <p:cNvGraphicFramePr/>
+          <p:nvPr/>
+        </p:nvGraphicFramePr>
+        <p:xfrm>
+          <a:off x="115050" y="2018500"/>
+          <a:ext cx="3000000" cy="3000000"/>
+        </p:xfrm>
+        <a:graphic>
+          <a:graphicData uri="http://schemas.openxmlformats.org/drawingml/2006/table">
+            <a:tbl>
+              <a:tblPr>
+                <a:noFill/>
+                <a:tableStyleId>{A4DF6366-7D52-4EBA-A316-8B02EAD39FEE}</a:tableStyleId>
+              </a:tblPr>
+              <a:tblGrid>
+                <a:gridCol w="8913900"/>
+              </a:tblGrid>
+              <a:tr h="1426350">
+                <a:tc>
+                  <a:txBody>
+                    <a:bodyPr/>
+                    <a:lstStyle/>
+                    <a:p>
+                      <a:pPr indent="0" lvl="0" marL="0" rtl="0" algn="l">
+                        <a:spcBef>
+                          <a:spcPts val="0"/>
+                        </a:spcBef>
+                        <a:spcAft>
+                          <a:spcPts val="0"/>
+                        </a:spcAft>
+                        <a:buNone/>
+                      </a:pPr>
+                      <a:r>
+                        <a:rPr b="1" lang="pt-BR">
+                          <a:solidFill>
+                            <a:srgbClr val="980000"/>
+                          </a:solidFill>
+                        </a:rPr>
+                        <a:t>Nós operacionais</a:t>
+                      </a:r>
+                      <a:endParaRPr b="1">
+                        <a:solidFill>
+                          <a:srgbClr val="980000"/>
+                        </a:solidFill>
+                      </a:endParaRPr>
+                    </a:p>
+                  </a:txBody>
+                  <a:tcPr marT="91425" marB="91425" marR="91425" marL="91425">
+                    <a:lnL cap="flat" cmpd="sng" w="19050">
+                      <a:solidFill>
+                        <a:srgbClr val="FF0000"/>
+                      </a:solidFill>
+                      <a:prstDash val="solid"/>
+                      <a:round/>
+                      <a:headEnd len="sm" w="sm" type="none"/>
+                      <a:tailEnd len="sm" w="sm" type="none"/>
+                    </a:lnL>
+                    <a:lnR cap="flat" cmpd="sng" w="19050">
+                      <a:solidFill>
+                        <a:srgbClr val="FF0000"/>
+                      </a:solidFill>
+                      <a:prstDash val="solid"/>
+                      <a:round/>
+                      <a:headEnd len="sm" w="sm" type="none"/>
+                      <a:tailEnd len="sm" w="sm" type="none"/>
+                    </a:lnR>
+                    <a:lnT cap="flat" cmpd="sng" w="19050">
+                      <a:solidFill>
+                        <a:srgbClr val="FF0000"/>
+                      </a:solidFill>
+                      <a:prstDash val="solid"/>
+                      <a:round/>
+                      <a:headEnd len="sm" w="sm" type="none"/>
+                      <a:tailEnd len="sm" w="sm" type="none"/>
+                    </a:lnT>
+                    <a:lnB cap="flat" cmpd="sng" w="19050">
+                      <a:solidFill>
+                        <a:srgbClr val="FF0000"/>
+                      </a:solidFill>
+                      <a:prstDash val="solid"/>
+                      <a:round/>
+                      <a:headEnd len="sm" w="sm" type="none"/>
+                      <a:tailEnd len="sm" w="sm" type="none"/>
+                    </a:lnB>
+                  </a:tcPr>
+                </a:tc>
+              </a:tr>
+              <a:tr h="1426350">
+                <a:tc>
+                  <a:txBody>
+                    <a:bodyPr/>
+                    <a:lstStyle/>
+                    <a:p>
+                      <a:pPr indent="0" lvl="0" marL="0" rtl="0" algn="l">
+                        <a:spcBef>
+                          <a:spcPts val="0"/>
+                        </a:spcBef>
+                        <a:spcAft>
+                          <a:spcPts val="0"/>
+                        </a:spcAft>
+                        <a:buNone/>
+                      </a:pPr>
+                      <a:r>
+                        <a:rPr b="1" lang="pt-BR">
+                          <a:solidFill>
+                            <a:srgbClr val="980000"/>
+                          </a:solidFill>
+                        </a:rPr>
+                        <a:t>Capacidades Operacionais</a:t>
+                      </a:r>
+                      <a:endParaRPr b="1">
+                        <a:solidFill>
+                          <a:srgbClr val="980000"/>
+                        </a:solidFill>
+                      </a:endParaRPr>
+                    </a:p>
+                  </a:txBody>
+                  <a:tcPr marT="91425" marB="91425" marR="91425" marL="91425">
+                    <a:lnL cap="flat" cmpd="sng" w="19050">
+                      <a:solidFill>
+                        <a:srgbClr val="FF0000"/>
+                      </a:solidFill>
+                      <a:prstDash val="solid"/>
+                      <a:round/>
+                      <a:headEnd len="sm" w="sm" type="none"/>
+                      <a:tailEnd len="sm" w="sm" type="none"/>
+                    </a:lnL>
+                    <a:lnR cap="flat" cmpd="sng" w="19050">
+                      <a:solidFill>
+                        <a:srgbClr val="FF0000"/>
+                      </a:solidFill>
+                      <a:prstDash val="solid"/>
+                      <a:round/>
+                      <a:headEnd len="sm" w="sm" type="none"/>
+                      <a:tailEnd len="sm" w="sm" type="none"/>
+                    </a:lnR>
+                    <a:lnT cap="flat" cmpd="sng" w="19050">
+                      <a:solidFill>
+                        <a:srgbClr val="FF0000"/>
+                      </a:solidFill>
+                      <a:prstDash val="solid"/>
+                      <a:round/>
+                      <a:headEnd len="sm" w="sm" type="none"/>
+                      <a:tailEnd len="sm" w="sm" type="none"/>
+                    </a:lnT>
+                    <a:lnB cap="flat" cmpd="sng" w="19050">
+                      <a:solidFill>
+                        <a:srgbClr val="FF0000"/>
+                      </a:solidFill>
+                      <a:prstDash val="solid"/>
+                      <a:round/>
+                      <a:headEnd len="sm" w="sm" type="none"/>
+                      <a:tailEnd len="sm" w="sm" type="none"/>
+                    </a:lnB>
+                  </a:tcPr>
+                </a:tc>
+              </a:tr>
+            </a:tbl>
+          </a:graphicData>
+        </a:graphic>
+      </p:graphicFrame>
+      <p:sp>
+        <p:nvSpPr>
+          <p:cNvPr id="170" name="Google Shape;170;p18"/>
+          <p:cNvSpPr/>
+          <p:nvPr/>
+        </p:nvSpPr>
+        <p:spPr>
+          <a:xfrm>
+            <a:off x="3549750" y="146900"/>
+            <a:ext cx="2044500" cy="793200"/>
+          </a:xfrm>
+          <a:prstGeom prst="horizontalScroll">
+            <a:avLst>
+              <a:gd fmla="val 12500" name="adj"/>
+            </a:avLst>
+          </a:prstGeom>
+          <a:gradFill>
+            <a:gsLst>
+              <a:gs pos="0">
+                <a:srgbClr val="FFF6DB"/>
+              </a:gs>
+              <a:gs pos="100000">
+                <a:srgbClr val="FAD25C"/>
+              </a:gs>
+            </a:gsLst>
+            <a:lin ang="5400012" scaled="0"/>
+          </a:gradFill>
+          <a:ln cap="flat" cmpd="sng" w="9525">
+            <a:solidFill>
+              <a:schemeClr val="dk2"/>
+            </a:solidFill>
+            <a:prstDash val="solid"/>
+            <a:round/>
+            <a:headEnd len="sm" w="sm" type="none"/>
+            <a:tailEnd len="sm" w="sm" type="none"/>
+          </a:ln>
+          <a:effectLst>
+            <a:outerShdw blurRad="57150" rotWithShape="0" algn="bl" dir="5400000" dist="19050">
+              <a:srgbClr val="000000">
+                <a:alpha val="50000"/>
+              </a:srgbClr>
+            </a:outerShdw>
+          </a:effectLst>
+        </p:spPr>
+        <p:txBody>
+          <a:bodyPr anchorCtr="0" anchor="ctr" bIns="91425" lIns="91425" spcFirstLastPara="1" rIns="91425" wrap="square" tIns="91425">
+            <a:noAutofit/>
+          </a:bodyPr>
+          <a:lstStyle/>
+          <a:p>
+            <a:pPr indent="-317500" lvl="0" marL="457200" rtl="0" algn="l">
+              <a:spcBef>
+                <a:spcPts val="0"/>
+              </a:spcBef>
+              <a:spcAft>
+                <a:spcPts val="0"/>
+              </a:spcAft>
+              <a:buSzPts val="1400"/>
+              <a:buChar char="★"/>
+            </a:pPr>
+            <a:r>
+              <a:rPr lang="pt-BR"/>
+              <a:t>Opinião do atendimento</a:t>
+            </a:r>
+            <a:endParaRPr/>
+          </a:p>
+        </p:txBody>
+      </p:sp>
+      <p:grpSp>
+        <p:nvGrpSpPr>
+          <p:cNvPr id="171" name="Google Shape;171;p18"/>
+          <p:cNvGrpSpPr/>
+          <p:nvPr/>
+        </p:nvGrpSpPr>
+        <p:grpSpPr>
+          <a:xfrm>
+            <a:off x="2019647" y="2288272"/>
+            <a:ext cx="1134349" cy="922502"/>
+            <a:chOff x="2852000" y="3424900"/>
+            <a:chExt cx="1021200" cy="830484"/>
+          </a:xfrm>
+        </p:grpSpPr>
+        <p:grpSp>
+          <p:nvGrpSpPr>
+            <p:cNvPr id="172" name="Google Shape;172;p18"/>
+            <p:cNvGrpSpPr/>
+            <p:nvPr/>
+          </p:nvGrpSpPr>
+          <p:grpSpPr>
+            <a:xfrm>
+              <a:off x="3206355" y="3424900"/>
+              <a:ext cx="308885" cy="587736"/>
+              <a:chOff x="1499725" y="1450825"/>
+              <a:chExt cx="497400" cy="843600"/>
+            </a:xfrm>
+          </p:grpSpPr>
+          <p:sp>
+            <p:nvSpPr>
+              <p:cNvPr id="173" name="Google Shape;173;p18"/>
+              <p:cNvSpPr/>
+              <p:nvPr/>
+            </p:nvSpPr>
+            <p:spPr>
+              <a:xfrm>
+                <a:off x="1597825" y="1450825"/>
+                <a:ext cx="313200" cy="281400"/>
+              </a:xfrm>
+              <a:prstGeom prst="flowChartConnector">
+                <a:avLst/>
+              </a:prstGeom>
+              <a:solidFill>
+                <a:srgbClr val="EEEEEE"/>
+              </a:solidFill>
+              <a:ln cap="flat" cmpd="sng" w="9525">
+                <a:solidFill>
+                  <a:srgbClr val="595959"/>
+                </a:solidFill>
+                <a:prstDash val="solid"/>
+                <a:round/>
+                <a:headEnd len="sm" w="sm" type="none"/>
+                <a:tailEnd len="sm" w="sm" type="none"/>
+              </a:ln>
+              <a:effectLst>
+                <a:outerShdw blurRad="57150" rotWithShape="0" algn="bl" dir="5400000" dist="19050">
+                  <a:srgbClr val="000000">
+                    <a:alpha val="50000"/>
+                  </a:srgbClr>
+                </a:outerShdw>
+              </a:effectLst>
+            </p:spPr>
+            <p:txBody>
+              <a:bodyPr anchorCtr="0" anchor="ctr" bIns="91425" lIns="91425" spcFirstLastPara="1" rIns="91425" wrap="square" tIns="91425">
+                <a:noAutofit/>
+              </a:bodyPr>
+              <a:lstStyle/>
+              <a:p>
+                <a:pPr indent="0" lvl="0" marL="0" rtl="0" algn="l">
+                  <a:spcBef>
+                    <a:spcPts val="0"/>
+                  </a:spcBef>
+                  <a:spcAft>
+                    <a:spcPts val="0"/>
+                  </a:spcAft>
+                  <a:buNone/>
+                </a:pPr>
+                <a:r>
+                  <a:t/>
+                </a:r>
+                <a:endParaRPr/>
+              </a:p>
+            </p:txBody>
+          </p:sp>
+          <p:cxnSp>
+            <p:nvCxnSpPr>
+              <p:cNvPr id="174" name="Google Shape;174;p18"/>
+              <p:cNvCxnSpPr>
+                <a:stCxn id="173" idx="4"/>
+              </p:cNvCxnSpPr>
+              <p:nvPr/>
+            </p:nvCxnSpPr>
+            <p:spPr>
+              <a:xfrm flipH="1">
+                <a:off x="1748725" y="1732225"/>
+                <a:ext cx="5700" cy="293100"/>
+              </a:xfrm>
+              <a:prstGeom prst="straightConnector1">
+                <a:avLst/>
+              </a:prstGeom>
+              <a:noFill/>
+              <a:ln cap="flat" cmpd="sng" w="9525">
+                <a:solidFill>
+                  <a:srgbClr val="595959"/>
+                </a:solidFill>
+                <a:prstDash val="solid"/>
+                <a:round/>
+                <a:headEnd len="med" w="med" type="none"/>
+                <a:tailEnd len="med" w="med" type="none"/>
+              </a:ln>
+              <a:effectLst>
+                <a:outerShdw blurRad="57150" rotWithShape="0" algn="bl" dir="5400000" dist="19050">
+                  <a:srgbClr val="000000">
+                    <a:alpha val="50000"/>
+                  </a:srgbClr>
+                </a:outerShdw>
+              </a:effectLst>
+            </p:spPr>
+          </p:cxnSp>
+          <p:cxnSp>
+            <p:nvCxnSpPr>
+              <p:cNvPr id="175" name="Google Shape;175;p18"/>
+              <p:cNvCxnSpPr/>
+              <p:nvPr/>
+            </p:nvCxnSpPr>
+            <p:spPr>
+              <a:xfrm>
+                <a:off x="1527475" y="1858775"/>
+                <a:ext cx="453900" cy="1800"/>
+              </a:xfrm>
+              <a:prstGeom prst="straightConnector1">
+                <a:avLst/>
+              </a:prstGeom>
+              <a:noFill/>
+              <a:ln cap="flat" cmpd="sng" w="9525">
+                <a:solidFill>
+                  <a:srgbClr val="595959"/>
+                </a:solidFill>
+                <a:prstDash val="solid"/>
+                <a:round/>
+                <a:headEnd len="med" w="med" type="none"/>
+                <a:tailEnd len="med" w="med" type="none"/>
+              </a:ln>
+              <a:effectLst>
+                <a:outerShdw blurRad="57150" rotWithShape="0" algn="bl" dir="5400000" dist="19050">
+                  <a:srgbClr val="000000">
+                    <a:alpha val="50000"/>
+                  </a:srgbClr>
+                </a:outerShdw>
+              </a:effectLst>
+            </p:spPr>
+          </p:cxnSp>
+          <p:cxnSp>
+            <p:nvCxnSpPr>
+              <p:cNvPr id="176" name="Google Shape;176;p18"/>
+              <p:cNvCxnSpPr/>
+              <p:nvPr/>
+            </p:nvCxnSpPr>
+            <p:spPr>
+              <a:xfrm flipH="1">
+                <a:off x="1499725" y="2022925"/>
+                <a:ext cx="248700" cy="271500"/>
+              </a:xfrm>
+              <a:prstGeom prst="straightConnector1">
+                <a:avLst/>
+              </a:prstGeom>
+              <a:noFill/>
+              <a:ln cap="flat" cmpd="sng" w="9525">
+                <a:solidFill>
+                  <a:srgbClr val="595959"/>
+                </a:solidFill>
+                <a:prstDash val="solid"/>
+                <a:round/>
+                <a:headEnd len="med" w="med" type="none"/>
+                <a:tailEnd len="med" w="med" type="none"/>
+              </a:ln>
+              <a:effectLst>
+                <a:outerShdw blurRad="57150" rotWithShape="0" algn="bl" dir="5400000" dist="19050">
+                  <a:srgbClr val="000000">
+                    <a:alpha val="50000"/>
+                  </a:srgbClr>
+                </a:outerShdw>
+              </a:effectLst>
+            </p:spPr>
+          </p:cxnSp>
+          <p:cxnSp>
+            <p:nvCxnSpPr>
+              <p:cNvPr id="177" name="Google Shape;177;p18"/>
+              <p:cNvCxnSpPr/>
+              <p:nvPr/>
+            </p:nvCxnSpPr>
+            <p:spPr>
+              <a:xfrm rot="10800000">
+                <a:off x="1748425" y="2022925"/>
+                <a:ext cx="248700" cy="271500"/>
+              </a:xfrm>
+              <a:prstGeom prst="straightConnector1">
+                <a:avLst/>
+              </a:prstGeom>
+              <a:noFill/>
+              <a:ln cap="flat" cmpd="sng" w="9525">
+                <a:solidFill>
+                  <a:srgbClr val="595959"/>
+                </a:solidFill>
+                <a:prstDash val="solid"/>
+                <a:round/>
+                <a:headEnd len="med" w="med" type="none"/>
+                <a:tailEnd len="med" w="med" type="none"/>
+              </a:ln>
+              <a:effectLst>
+                <a:outerShdw blurRad="57150" rotWithShape="0" algn="bl" dir="5400000" dist="19050">
+                  <a:srgbClr val="000000">
+                    <a:alpha val="50000"/>
+                  </a:srgbClr>
+                </a:outerShdw>
+              </a:effectLst>
+            </p:spPr>
+          </p:cxnSp>
+        </p:grpSp>
+        <p:sp>
+          <p:nvSpPr>
+            <p:cNvPr id="178" name="Google Shape;178;p18"/>
+            <p:cNvSpPr txBox="1"/>
+            <p:nvPr/>
+          </p:nvSpPr>
+          <p:spPr>
+            <a:xfrm>
+              <a:off x="2852000" y="3912484"/>
+              <a:ext cx="1021200" cy="342900"/>
+            </a:xfrm>
+            <a:prstGeom prst="rect">
+              <a:avLst/>
+            </a:prstGeom>
+            <a:noFill/>
+            <a:ln>
+              <a:noFill/>
+            </a:ln>
+            <a:effectLst>
+              <a:outerShdw blurRad="57150" rotWithShape="0" algn="bl" dir="5400000" dist="19050">
+                <a:srgbClr val="000000">
+                  <a:alpha val="50000"/>
+                </a:srgbClr>
+              </a:outerShdw>
+            </a:effectLst>
+          </p:spPr>
+          <p:txBody>
+            <a:bodyPr anchorCtr="0" anchor="t" bIns="91425" lIns="91425" spcFirstLastPara="1" rIns="91425" wrap="square" tIns="91425">
+              <a:noAutofit/>
+            </a:bodyPr>
+            <a:lstStyle/>
+            <a:p>
+              <a:pPr indent="0" lvl="0" marL="0" rtl="0" algn="ctr">
+                <a:spcBef>
+                  <a:spcPts val="0"/>
+                </a:spcBef>
+                <a:spcAft>
+                  <a:spcPts val="0"/>
+                </a:spcAft>
+                <a:buNone/>
+              </a:pPr>
+              <a:r>
+                <a:rPr b="1" lang="pt-BR" sz="1200"/>
+                <a:t>Cliente</a:t>
+              </a:r>
+              <a:endParaRPr b="1" sz="1200"/>
+            </a:p>
+          </p:txBody>
+        </p:sp>
+      </p:grpSp>
+      <p:cxnSp>
+        <p:nvCxnSpPr>
+          <p:cNvPr id="179" name="Google Shape;179;p18"/>
+          <p:cNvCxnSpPr>
+            <a:stCxn id="173" idx="0"/>
+            <a:endCxn id="170" idx="2"/>
           </p:cNvCxnSpPr>
           <p:nvPr/>
         </p:nvCxnSpPr>
@@ -10325,7 +11212,7 @@
       </p:cxnSp>
       <p:sp>
         <p:nvSpPr>
-          <p:cNvPr id="161" name="Google Shape;161;p17"/>
+          <p:cNvPr id="180" name="Google Shape;180;p18"/>
           <p:cNvSpPr/>
           <p:nvPr/>
         </p:nvSpPr>
@@ -10392,10 +11279,10 @@
       </p:sp>
       <p:cxnSp>
         <p:nvCxnSpPr>
-          <p:cNvPr id="162" name="Google Shape;162;p17"/>
+          <p:cNvPr id="181" name="Google Shape;181;p18"/>
           <p:cNvCxnSpPr>
-            <a:stCxn id="161" idx="2"/>
-            <a:endCxn id="163" idx="3"/>
+            <a:stCxn id="180" idx="2"/>
+            <a:endCxn id="182" idx="3"/>
           </p:cNvCxnSpPr>
           <p:nvPr/>
         </p:nvCxnSpPr>
@@ -10430,10 +11317,10 @@
       </p:cxnSp>
       <p:cxnSp>
         <p:nvCxnSpPr>
-          <p:cNvPr id="164" name="Google Shape;164;p17"/>
+          <p:cNvPr id="183" name="Google Shape;183;p18"/>
           <p:cNvCxnSpPr>
-            <a:stCxn id="151" idx="2"/>
-            <a:endCxn id="161" idx="0"/>
+            <a:stCxn id="170" idx="2"/>
+            <a:endCxn id="180" idx="0"/>
           </p:cNvCxnSpPr>
           <p:nvPr/>
         </p:nvCxnSpPr>
@@ -10468,7 +11355,7 @@
       </p:cxnSp>
       <p:sp>
         <p:nvSpPr>
-          <p:cNvPr id="163" name="Google Shape;163;p17"/>
+          <p:cNvPr id="182" name="Google Shape;182;p18"/>
           <p:cNvSpPr/>
           <p:nvPr/>
         </p:nvSpPr>
@@ -10529,7 +11416,7 @@
             </a:pPr>
             <a:r>
               <a:rPr lang="pt-BR" sz="1200"/>
-              <a:t>Receber feedback do cliente</a:t>
+              <a:t>Receber avaliação do cliente</a:t>
             </a:r>
             <a:endParaRPr sz="1200"/>
           </a:p>
@@ -10537,7 +11424,7 @@
       </p:sp>
       <p:sp>
         <p:nvSpPr>
-          <p:cNvPr id="165" name="Google Shape;165;p17"/>
+          <p:cNvPr id="184" name="Google Shape;184;p18"/>
           <p:cNvSpPr/>
           <p:nvPr/>
         </p:nvSpPr>
@@ -10614,10 +11501,10 @@
       </p:sp>
       <p:cxnSp>
         <p:nvCxnSpPr>
-          <p:cNvPr id="166" name="Google Shape;166;p17"/>
+          <p:cNvPr id="185" name="Google Shape;185;p18"/>
           <p:cNvCxnSpPr>
-            <a:stCxn id="161" idx="2"/>
-            <a:endCxn id="165" idx="3"/>
+            <a:stCxn id="180" idx="2"/>
+            <a:endCxn id="184" idx="3"/>
           </p:cNvCxnSpPr>
           <p:nvPr/>
         </p:nvCxnSpPr>
@@ -10659,6 +11546,285 @@
 </file>
 
 <file path=ppt/theme/theme1.xml><?xml version="1.0" encoding="utf-8"?>
+<a:theme xmlns:a="http://schemas.openxmlformats.org/drawingml/2006/main" xmlns:r="http://schemas.openxmlformats.org/officeDocument/2006/relationships">
+  <a:themeElements>
+    <a:clrScheme name="Default">
+      <a:dk1>
+        <a:srgbClr val="000000"/>
+      </a:dk1>
+      <a:lt1>
+        <a:srgbClr val="FFFFFF"/>
+      </a:lt1>
+      <a:dk2>
+        <a:srgbClr val="158158"/>
+      </a:dk2>
+      <a:lt2>
+        <a:srgbClr val="F3F3F3"/>
+      </a:lt2>
+      <a:accent1>
+        <a:srgbClr val="058DC7"/>
+      </a:accent1>
+      <a:accent2>
+        <a:srgbClr val="50B432"/>
+      </a:accent2>
+      <a:accent3>
+        <a:srgbClr val="ED561B"/>
+      </a:accent3>
+      <a:accent4>
+        <a:srgbClr val="EDEF00"/>
+      </a:accent4>
+      <a:accent5>
+        <a:srgbClr val="24CBE5"/>
+      </a:accent5>
+      <a:accent6>
+        <a:srgbClr val="64E572"/>
+      </a:accent6>
+      <a:hlink>
+        <a:srgbClr val="2200CC"/>
+      </a:hlink>
+      <a:folHlink>
+        <a:srgbClr val="551A8B"/>
+      </a:folHlink>
+    </a:clrScheme>
+    <a:fontScheme name="Office">
+      <a:majorFont>
+        <a:latin typeface="Arial"/>
+        <a:ea typeface=""/>
+        <a:cs typeface=""/>
+        <a:font script="Jpan" typeface="ＭＳ Ｐゴシック"/>
+        <a:font script="Hang" typeface="맑은 고딕"/>
+        <a:font script="Hans" typeface="宋体"/>
+        <a:font script="Hant" typeface="新細明體"/>
+        <a:font script="Arab" typeface="Times New Roman"/>
+        <a:font script="Hebr" typeface="Times New Roman"/>
+        <a:font script="Thai" typeface="Angsana New"/>
+        <a:font script="Ethi" typeface="Nyala"/>
+        <a:font script="Beng" typeface="Vrinda"/>
+        <a:font script="Gujr" typeface="Shruti"/>
+        <a:font script="Khmr" typeface="MoolBoran"/>
+        <a:font script="Knda" typeface="Tunga"/>
+        <a:font script="Guru" typeface="Raavi"/>
+        <a:font script="Cans" typeface="Euphemia"/>
+        <a:font script="Cher" typeface="Plantagenet Cherokee"/>
+        <a:font script="Yiii" typeface="Microsoft Yi Baiti"/>
+        <a:font script="Tibt" typeface="Microsoft Himalaya"/>
+        <a:font script="Thaa" typeface="MV Boli"/>
+        <a:font script="Deva" typeface="Mangal"/>
+        <a:font script="Telu" typeface="Gautami"/>
+        <a:font script="Taml" typeface="Latha"/>
+        <a:font script="Syrc" typeface="Estrangelo Edessa"/>
+        <a:font script="Orya" typeface="Kalinga"/>
+        <a:font script="Mlym" typeface="Kartika"/>
+        <a:font script="Laoo" typeface="DokChampa"/>
+        <a:font script="Sinh" typeface="Iskoola Pota"/>
+        <a:font script="Mong" typeface="Mongolian Baiti"/>
+        <a:font script="Viet" typeface="Times New Roman"/>
+        <a:font script="Uigh" typeface="Microsoft Uighur"/>
+        <a:font script="Geor" typeface="Sylfaen"/>
+      </a:majorFont>
+      <a:minorFont>
+        <a:latin typeface="Arial"/>
+        <a:ea typeface=""/>
+        <a:cs typeface=""/>
+        <a:font script="Jpan" typeface="ＭＳ Ｐゴシック"/>
+        <a:font script="Hang" typeface="맑은 고딕"/>
+        <a:font script="Hans" typeface="宋体"/>
+        <a:font script="Hant" typeface="新細明體"/>
+        <a:font script="Arab" typeface="Arial"/>
+        <a:font script="Hebr" typeface="Arial"/>
+        <a:font script="Thai" typeface="Cordia New"/>
+        <a:font script="Ethi" typeface="Nyala"/>
+        <a:font script="Beng" typeface="Vrinda"/>
+        <a:font script="Gujr" typeface="Shruti"/>
+        <a:font script="Khmr" typeface="DaunPenh"/>
+        <a:font script="Knda" typeface="Tunga"/>
+        <a:font script="Guru" typeface="Raavi"/>
+        <a:font script="Cans" typeface="Euphemia"/>
+        <a:font script="Cher" typeface="Plantagenet Cherokee"/>
+        <a:font script="Yiii" typeface="Microsoft Yi Baiti"/>
+        <a:font script="Tibt" typeface="Microsoft Himalaya"/>
+        <a:font script="Thaa" typeface="MV Boli"/>
+        <a:font script="Deva" typeface="Mangal"/>
+        <a:font script="Telu" typeface="Gautami"/>
+        <a:font script="Taml" typeface="Latha"/>
+        <a:font script="Syrc" typeface="Estrangelo Edessa"/>
+        <a:font script="Orya" typeface="Kalinga"/>
+        <a:font script="Mlym" typeface="Kartika"/>
+        <a:font script="Laoo" typeface="DokChampa"/>
+        <a:font script="Sinh" typeface="Iskoola Pota"/>
+        <a:font script="Mong" typeface="Mongolian Baiti"/>
+        <a:font script="Viet" typeface="Arial"/>
+        <a:font script="Uigh" typeface="Microsoft Uighur"/>
+        <a:font script="Geor" typeface="Sylfaen"/>
+      </a:minorFont>
+    </a:fontScheme>
+    <a:fmtScheme name="Office">
+      <a:fillStyleLst>
+        <a:solidFill>
+          <a:schemeClr val="phClr"/>
+        </a:solidFill>
+        <a:gradFill rotWithShape="1">
+          <a:gsLst>
+            <a:gs pos="0">
+              <a:schemeClr val="phClr">
+                <a:tint val="50000"/>
+                <a:satMod val="300000"/>
+              </a:schemeClr>
+            </a:gs>
+            <a:gs pos="35000">
+              <a:schemeClr val="phClr">
+                <a:tint val="37000"/>
+                <a:satMod val="300000"/>
+              </a:schemeClr>
+            </a:gs>
+            <a:gs pos="100000">
+              <a:schemeClr val="phClr">
+                <a:tint val="15000"/>
+                <a:satMod val="350000"/>
+              </a:schemeClr>
+            </a:gs>
+          </a:gsLst>
+          <a:lin ang="16200000" scaled="1"/>
+        </a:gradFill>
+        <a:gradFill rotWithShape="1">
+          <a:gsLst>
+            <a:gs pos="0">
+              <a:schemeClr val="phClr">
+                <a:tint val="100000"/>
+                <a:shade val="100000"/>
+                <a:satMod val="130000"/>
+              </a:schemeClr>
+            </a:gs>
+            <a:gs pos="100000">
+              <a:schemeClr val="phClr">
+                <a:tint val="50000"/>
+                <a:shade val="100000"/>
+                <a:satMod val="350000"/>
+              </a:schemeClr>
+            </a:gs>
+          </a:gsLst>
+          <a:lin ang="16200000" scaled="0"/>
+        </a:gradFill>
+      </a:fillStyleLst>
+      <a:lnStyleLst>
+        <a:ln w="9525" cap="flat" cmpd="sng" algn="ctr">
+          <a:solidFill>
+            <a:schemeClr val="phClr">
+              <a:shade val="95000"/>
+              <a:satMod val="105000"/>
+            </a:schemeClr>
+          </a:solidFill>
+          <a:prstDash val="solid"/>
+        </a:ln>
+        <a:ln w="25400" cap="flat" cmpd="sng" algn="ctr">
+          <a:solidFill>
+            <a:schemeClr val="phClr"/>
+          </a:solidFill>
+          <a:prstDash val="solid"/>
+        </a:ln>
+        <a:ln w="38100" cap="flat" cmpd="sng" algn="ctr">
+          <a:solidFill>
+            <a:schemeClr val="phClr"/>
+          </a:solidFill>
+          <a:prstDash val="solid"/>
+        </a:ln>
+      </a:lnStyleLst>
+      <a:effectStyleLst>
+        <a:effectStyle>
+          <a:effectLst>
+            <a:outerShdw blurRad="40000" dist="20000" dir="5400000" rotWithShape="0">
+              <a:srgbClr val="000000">
+                <a:alpha val="38000"/>
+              </a:srgbClr>
+            </a:outerShdw>
+          </a:effectLst>
+        </a:effectStyle>
+        <a:effectStyle>
+          <a:effectLst>
+            <a:outerShdw blurRad="40000" dist="23000" dir="5400000" rotWithShape="0">
+              <a:srgbClr val="000000">
+                <a:alpha val="35000"/>
+              </a:srgbClr>
+            </a:outerShdw>
+          </a:effectLst>
+        </a:effectStyle>
+        <a:effectStyle>
+          <a:effectLst>
+            <a:outerShdw blurRad="40000" dist="23000" dir="5400000" rotWithShape="0">
+              <a:srgbClr val="000000">
+                <a:alpha val="35000"/>
+              </a:srgbClr>
+            </a:outerShdw>
+          </a:effectLst>
+          <a:scene3d>
+            <a:camera prst="orthographicFront">
+              <a:rot lat="0" lon="0" rev="0"/>
+            </a:camera>
+            <a:lightRig rig="threePt" dir="t">
+              <a:rot lat="0" lon="0" rev="1200000"/>
+            </a:lightRig>
+          </a:scene3d>
+          <a:sp3d>
+            <a:bevelT w="63500" h="25400"/>
+          </a:sp3d>
+        </a:effectStyle>
+      </a:effectStyleLst>
+      <a:bgFillStyleLst>
+        <a:solidFill>
+          <a:schemeClr val="phClr"/>
+        </a:solidFill>
+        <a:gradFill rotWithShape="1">
+          <a:gsLst>
+            <a:gs pos="0">
+              <a:schemeClr val="phClr">
+                <a:tint val="40000"/>
+                <a:satMod val="350000"/>
+              </a:schemeClr>
+            </a:gs>
+            <a:gs pos="40000">
+              <a:schemeClr val="phClr">
+                <a:tint val="45000"/>
+                <a:shade val="99000"/>
+                <a:satMod val="350000"/>
+              </a:schemeClr>
+            </a:gs>
+            <a:gs pos="100000">
+              <a:schemeClr val="phClr">
+                <a:shade val="20000"/>
+                <a:satMod val="255000"/>
+              </a:schemeClr>
+            </a:gs>
+          </a:gsLst>
+          <a:path path="circle">
+            <a:fillToRect l="50000" t="-80000" r="50000" b="180000"/>
+          </a:path>
+        </a:gradFill>
+        <a:gradFill rotWithShape="1">
+          <a:gsLst>
+            <a:gs pos="0">
+              <a:schemeClr val="phClr">
+                <a:tint val="80000"/>
+                <a:satMod val="300000"/>
+              </a:schemeClr>
+            </a:gs>
+            <a:gs pos="100000">
+              <a:schemeClr val="phClr">
+                <a:shade val="30000"/>
+                <a:satMod val="200000"/>
+              </a:schemeClr>
+            </a:gs>
+          </a:gsLst>
+          <a:path path="circle">
+            <a:fillToRect l="50000" t="50000" r="50000" b="50000"/>
+          </a:path>
+        </a:gradFill>
+      </a:bgFillStyleLst>
+    </a:fmtScheme>
+  </a:themeElements>
+</a:theme>
+</file>
+
+<file path=ppt/theme/theme2.xml><?xml version="1.0" encoding="utf-8"?>
 <a:theme xmlns:a="http://schemas.openxmlformats.org/drawingml/2006/main" xmlns:r="http://schemas.openxmlformats.org/officeDocument/2006/relationships" name="Simple Light">
   <a:themeElements>
     <a:clrScheme name="Simple Light">
@@ -10935,283 +12101,4 @@
     </a:fmtScheme>
   </a:themeElements>
 </a:theme>
-</file>
-
-<file path=ppt/theme/theme2.xml><?xml version="1.0" encoding="utf-8"?>
-<a:theme xmlns:a="http://schemas.openxmlformats.org/drawingml/2006/main" xmlns:r="http://schemas.openxmlformats.org/officeDocument/2006/relationships">
-  <a:themeElements>
-    <a:clrScheme name="Default">
-      <a:dk1>
-        <a:srgbClr val="000000"/>
-      </a:dk1>
-      <a:lt1>
-        <a:srgbClr val="FFFFFF"/>
-      </a:lt1>
-      <a:dk2>
-        <a:srgbClr val="158158"/>
-      </a:dk2>
-      <a:lt2>
-        <a:srgbClr val="F3F3F3"/>
-      </a:lt2>
-      <a:accent1>
-        <a:srgbClr val="058DC7"/>
-      </a:accent1>
-      <a:accent2>
-        <a:srgbClr val="50B432"/>
-      </a:accent2>
-      <a:accent3>
-        <a:srgbClr val="ED561B"/>
-      </a:accent3>
-      <a:accent4>
-        <a:srgbClr val="EDEF00"/>
-      </a:accent4>
-      <a:accent5>
-        <a:srgbClr val="24CBE5"/>
-      </a:accent5>
-      <a:accent6>
-        <a:srgbClr val="64E572"/>
-      </a:accent6>
-      <a:hlink>
-        <a:srgbClr val="2200CC"/>
-      </a:hlink>
-      <a:folHlink>
-        <a:srgbClr val="551A8B"/>
-      </a:folHlink>
-    </a:clrScheme>
-    <a:fontScheme name="Office">
-      <a:majorFont>
-        <a:latin typeface="Arial"/>
-        <a:ea typeface=""/>
-        <a:cs typeface=""/>
-        <a:font script="Jpan" typeface="ＭＳ Ｐゴシック"/>
-        <a:font script="Hang" typeface="맑은 고딕"/>
-        <a:font script="Hans" typeface="宋体"/>
-        <a:font script="Hant" typeface="新細明體"/>
-        <a:font script="Arab" typeface="Times New Roman"/>
-        <a:font script="Hebr" typeface="Times New Roman"/>
-        <a:font script="Thai" typeface="Angsana New"/>
-        <a:font script="Ethi" typeface="Nyala"/>
-        <a:font script="Beng" typeface="Vrinda"/>
-        <a:font script="Gujr" typeface="Shruti"/>
-        <a:font script="Khmr" typeface="MoolBoran"/>
-        <a:font script="Knda" typeface="Tunga"/>
-        <a:font script="Guru" typeface="Raavi"/>
-        <a:font script="Cans" typeface="Euphemia"/>
-        <a:font script="Cher" typeface="Plantagenet Cherokee"/>
-        <a:font script="Yiii" typeface="Microsoft Yi Baiti"/>
-        <a:font script="Tibt" typeface="Microsoft Himalaya"/>
-        <a:font script="Thaa" typeface="MV Boli"/>
-        <a:font script="Deva" typeface="Mangal"/>
-        <a:font script="Telu" typeface="Gautami"/>
-        <a:font script="Taml" typeface="Latha"/>
-        <a:font script="Syrc" typeface="Estrangelo Edessa"/>
-        <a:font script="Orya" typeface="Kalinga"/>
-        <a:font script="Mlym" typeface="Kartika"/>
-        <a:font script="Laoo" typeface="DokChampa"/>
-        <a:font script="Sinh" typeface="Iskoola Pota"/>
-        <a:font script="Mong" typeface="Mongolian Baiti"/>
-        <a:font script="Viet" typeface="Times New Roman"/>
-        <a:font script="Uigh" typeface="Microsoft Uighur"/>
-        <a:font script="Geor" typeface="Sylfaen"/>
-      </a:majorFont>
-      <a:minorFont>
-        <a:latin typeface="Arial"/>
-        <a:ea typeface=""/>
-        <a:cs typeface=""/>
-        <a:font script="Jpan" typeface="ＭＳ Ｐゴシック"/>
-        <a:font script="Hang" typeface="맑은 고딕"/>
-        <a:font script="Hans" typeface="宋体"/>
-        <a:font script="Hant" typeface="新細明體"/>
-        <a:font script="Arab" typeface="Arial"/>
-        <a:font script="Hebr" typeface="Arial"/>
-        <a:font script="Thai" typeface="Cordia New"/>
-        <a:font script="Ethi" typeface="Nyala"/>
-        <a:font script="Beng" typeface="Vrinda"/>
-        <a:font script="Gujr" typeface="Shruti"/>
-        <a:font script="Khmr" typeface="DaunPenh"/>
-        <a:font script="Knda" typeface="Tunga"/>
-        <a:font script="Guru" typeface="Raavi"/>
-        <a:font script="Cans" typeface="Euphemia"/>
-        <a:font script="Cher" typeface="Plantagenet Cherokee"/>
-        <a:font script="Yiii" typeface="Microsoft Yi Baiti"/>
-        <a:font script="Tibt" typeface="Microsoft Himalaya"/>
-        <a:font script="Thaa" typeface="MV Boli"/>
-        <a:font script="Deva" typeface="Mangal"/>
-        <a:font script="Telu" typeface="Gautami"/>
-        <a:font script="Taml" typeface="Latha"/>
-        <a:font script="Syrc" typeface="Estrangelo Edessa"/>
-        <a:font script="Orya" typeface="Kalinga"/>
-        <a:font script="Mlym" typeface="Kartika"/>
-        <a:font script="Laoo" typeface="DokChampa"/>
-        <a:font script="Sinh" typeface="Iskoola Pota"/>
-        <a:font script="Mong" typeface="Mongolian Baiti"/>
-        <a:font script="Viet" typeface="Arial"/>
-        <a:font script="Uigh" typeface="Microsoft Uighur"/>
-        <a:font script="Geor" typeface="Sylfaen"/>
-      </a:minorFont>
-    </a:fontScheme>
-    <a:fmtScheme name="Office">
-      <a:fillStyleLst>
-        <a:solidFill>
-          <a:schemeClr val="phClr"/>
-        </a:solidFill>
-        <a:gradFill rotWithShape="1">
-          <a:gsLst>
-            <a:gs pos="0">
-              <a:schemeClr val="phClr">
-                <a:tint val="50000"/>
-                <a:satMod val="300000"/>
-              </a:schemeClr>
-            </a:gs>
-            <a:gs pos="35000">
-              <a:schemeClr val="phClr">
-                <a:tint val="37000"/>
-                <a:satMod val="300000"/>
-              </a:schemeClr>
-            </a:gs>
-            <a:gs pos="100000">
-              <a:schemeClr val="phClr">
-                <a:tint val="15000"/>
-                <a:satMod val="350000"/>
-              </a:schemeClr>
-            </a:gs>
-          </a:gsLst>
-          <a:lin ang="16200000" scaled="1"/>
-        </a:gradFill>
-        <a:gradFill rotWithShape="1">
-          <a:gsLst>
-            <a:gs pos="0">
-              <a:schemeClr val="phClr">
-                <a:tint val="100000"/>
-                <a:shade val="100000"/>
-                <a:satMod val="130000"/>
-              </a:schemeClr>
-            </a:gs>
-            <a:gs pos="100000">
-              <a:schemeClr val="phClr">
-                <a:tint val="50000"/>
-                <a:shade val="100000"/>
-                <a:satMod val="350000"/>
-              </a:schemeClr>
-            </a:gs>
-          </a:gsLst>
-          <a:lin ang="16200000" scaled="0"/>
-        </a:gradFill>
-      </a:fillStyleLst>
-      <a:lnStyleLst>
-        <a:ln w="9525" cap="flat" cmpd="sng" algn="ctr">
-          <a:solidFill>
-            <a:schemeClr val="phClr">
-              <a:shade val="95000"/>
-              <a:satMod val="105000"/>
-            </a:schemeClr>
-          </a:solidFill>
-          <a:prstDash val="solid"/>
-        </a:ln>
-        <a:ln w="25400" cap="flat" cmpd="sng" algn="ctr">
-          <a:solidFill>
-            <a:schemeClr val="phClr"/>
-          </a:solidFill>
-          <a:prstDash val="solid"/>
-        </a:ln>
-        <a:ln w="38100" cap="flat" cmpd="sng" algn="ctr">
-          <a:solidFill>
-            <a:schemeClr val="phClr"/>
-          </a:solidFill>
-          <a:prstDash val="solid"/>
-        </a:ln>
-      </a:lnStyleLst>
-      <a:effectStyleLst>
-        <a:effectStyle>
-          <a:effectLst>
-            <a:outerShdw blurRad="40000" dist="20000" dir="5400000" rotWithShape="0">
-              <a:srgbClr val="000000">
-                <a:alpha val="38000"/>
-              </a:srgbClr>
-            </a:outerShdw>
-          </a:effectLst>
-        </a:effectStyle>
-        <a:effectStyle>
-          <a:effectLst>
-            <a:outerShdw blurRad="40000" dist="23000" dir="5400000" rotWithShape="0">
-              <a:srgbClr val="000000">
-                <a:alpha val="35000"/>
-              </a:srgbClr>
-            </a:outerShdw>
-          </a:effectLst>
-        </a:effectStyle>
-        <a:effectStyle>
-          <a:effectLst>
-            <a:outerShdw blurRad="40000" dist="23000" dir="5400000" rotWithShape="0">
-              <a:srgbClr val="000000">
-                <a:alpha val="35000"/>
-              </a:srgbClr>
-            </a:outerShdw>
-          </a:effectLst>
-          <a:scene3d>
-            <a:camera prst="orthographicFront">
-              <a:rot lat="0" lon="0" rev="0"/>
-            </a:camera>
-            <a:lightRig rig="threePt" dir="t">
-              <a:rot lat="0" lon="0" rev="1200000"/>
-            </a:lightRig>
-          </a:scene3d>
-          <a:sp3d>
-            <a:bevelT w="63500" h="25400"/>
-          </a:sp3d>
-        </a:effectStyle>
-      </a:effectStyleLst>
-      <a:bgFillStyleLst>
-        <a:solidFill>
-          <a:schemeClr val="phClr"/>
-        </a:solidFill>
-        <a:gradFill rotWithShape="1">
-          <a:gsLst>
-            <a:gs pos="0">
-              <a:schemeClr val="phClr">
-                <a:tint val="40000"/>
-                <a:satMod val="350000"/>
-              </a:schemeClr>
-            </a:gs>
-            <a:gs pos="40000">
-              <a:schemeClr val="phClr">
-                <a:tint val="45000"/>
-                <a:shade val="99000"/>
-                <a:satMod val="350000"/>
-              </a:schemeClr>
-            </a:gs>
-            <a:gs pos="100000">
-              <a:schemeClr val="phClr">
-                <a:shade val="20000"/>
-                <a:satMod val="255000"/>
-              </a:schemeClr>
-            </a:gs>
-          </a:gsLst>
-          <a:path path="circle">
-            <a:fillToRect l="50000" t="-80000" r="50000" b="180000"/>
-          </a:path>
-        </a:gradFill>
-        <a:gradFill rotWithShape="1">
-          <a:gsLst>
-            <a:gs pos="0">
-              <a:schemeClr val="phClr">
-                <a:tint val="80000"/>
-                <a:satMod val="300000"/>
-              </a:schemeClr>
-            </a:gs>
-            <a:gs pos="100000">
-              <a:schemeClr val="phClr">
-                <a:shade val="30000"/>
-                <a:satMod val="200000"/>
-              </a:schemeClr>
-            </a:gs>
-          </a:gsLst>
-          <a:path path="circle">
-            <a:fillToRect l="50000" t="50000" r="50000" b="50000"/>
-          </a:path>
-        </a:gradFill>
-      </a:bgFillStyleLst>
-    </a:fmtScheme>
-  </a:themeElements>
-</a:theme>
 </file>